--- a/翻转课堂G11.pptx
+++ b/翻转课堂G11.pptx
@@ -5,7 +5,7 @@
     <p:sldMasterId id="2147483648" r:id="rId1"/>
   </p:sldMasterIdLst>
   <p:notesMasterIdLst>
-    <p:notesMasterId r:id="rId57"/>
+    <p:notesMasterId r:id="rId59"/>
   </p:notesMasterIdLst>
   <p:sldIdLst>
     <p:sldId id="256" r:id="rId2"/>
@@ -46,23 +46,25 @@
     <p:sldId id="340" r:id="rId37"/>
     <p:sldId id="369" r:id="rId38"/>
     <p:sldId id="370" r:id="rId39"/>
-    <p:sldId id="341" r:id="rId40"/>
-    <p:sldId id="342" r:id="rId41"/>
-    <p:sldId id="343" r:id="rId42"/>
-    <p:sldId id="344" r:id="rId43"/>
-    <p:sldId id="345" r:id="rId44"/>
-    <p:sldId id="346" r:id="rId45"/>
-    <p:sldId id="349" r:id="rId46"/>
-    <p:sldId id="347" r:id="rId47"/>
-    <p:sldId id="348" r:id="rId48"/>
-    <p:sldId id="314" r:id="rId49"/>
-    <p:sldId id="350" r:id="rId50"/>
-    <p:sldId id="364" r:id="rId51"/>
-    <p:sldId id="365" r:id="rId52"/>
-    <p:sldId id="367" r:id="rId53"/>
-    <p:sldId id="366" r:id="rId54"/>
-    <p:sldId id="368" r:id="rId55"/>
-    <p:sldId id="283" r:id="rId56"/>
+    <p:sldId id="371" r:id="rId40"/>
+    <p:sldId id="372" r:id="rId41"/>
+    <p:sldId id="341" r:id="rId42"/>
+    <p:sldId id="342" r:id="rId43"/>
+    <p:sldId id="343" r:id="rId44"/>
+    <p:sldId id="344" r:id="rId45"/>
+    <p:sldId id="345" r:id="rId46"/>
+    <p:sldId id="346" r:id="rId47"/>
+    <p:sldId id="349" r:id="rId48"/>
+    <p:sldId id="347" r:id="rId49"/>
+    <p:sldId id="348" r:id="rId50"/>
+    <p:sldId id="314" r:id="rId51"/>
+    <p:sldId id="350" r:id="rId52"/>
+    <p:sldId id="364" r:id="rId53"/>
+    <p:sldId id="365" r:id="rId54"/>
+    <p:sldId id="367" r:id="rId55"/>
+    <p:sldId id="366" r:id="rId56"/>
+    <p:sldId id="368" r:id="rId57"/>
+    <p:sldId id="283" r:id="rId58"/>
   </p:sldIdLst>
   <p:sldSz cx="12192000" cy="6858000"/>
   <p:notesSz cx="6858000" cy="9144000"/>
@@ -14130,7 +14132,29 @@
                 </a:solidFill>
                 <a:latin typeface="PingFang SC"/>
               </a:rPr>
-              <a:t>验证不通过</a:t>
+              <a:t>验证通过</a:t>
+            </a:r>
+            <a:r>
+              <a:rPr lang="en-US" altLang="zh-CN" sz="1400" dirty="0" err="1">
+                <a:solidFill>
+                  <a:schemeClr val="bg1">
+                    <a:lumMod val="65000"/>
+                  </a:schemeClr>
+                </a:solidFill>
+                <a:latin typeface="PingFang SC"/>
+              </a:rPr>
+              <a:t>abcdf</a:t>
+            </a:r>
+            <a:r>
+              <a:rPr lang="zh-CN" altLang="en-US" sz="1400" dirty="0">
+                <a:solidFill>
+                  <a:schemeClr val="bg1">
+                    <a:lumMod val="65000"/>
+                  </a:schemeClr>
+                </a:solidFill>
+                <a:latin typeface="PingFang SC"/>
+              </a:rPr>
+              <a:t>（</a:t>
             </a:r>
             <a:r>
               <a:rPr lang="en-US" altLang="zh-CN" sz="1400" dirty="0">
@@ -14141,7 +14165,7 @@
                 </a:solidFill>
                 <a:latin typeface="PingFang SC"/>
               </a:rPr>
-              <a:t>(</a:t>
+              <a:t>2</a:t>
             </a:r>
             <a:r>
               <a:rPr lang="zh-CN" altLang="en-US" sz="1400" dirty="0">
@@ -14152,7 +14176,7 @@
                 </a:solidFill>
                 <a:latin typeface="PingFang SC"/>
               </a:rPr>
-              <a:t>修改后</a:t>
+              <a:t>和</a:t>
             </a:r>
             <a:r>
               <a:rPr lang="en-US" altLang="zh-CN" sz="1400" dirty="0">
@@ -14163,62 +14187,7 @@
                 </a:solidFill>
                 <a:latin typeface="PingFang SC"/>
               </a:rPr>
-              <a:t>) </a:t>
-            </a:r>
-            <a:r>
-              <a:rPr lang="en-US" altLang="zh-CN" sz="1400" dirty="0" err="1">
-                <a:solidFill>
-                  <a:schemeClr val="bg1">
-                    <a:lumMod val="65000"/>
-                  </a:schemeClr>
-                </a:solidFill>
-                <a:latin typeface="PingFang SC"/>
-              </a:rPr>
-              <a:t>abcdef</a:t>
-            </a:r>
-            <a:r>
-              <a:rPr lang="zh-CN" altLang="en-US" sz="1400" dirty="0">
-                <a:solidFill>
-                  <a:schemeClr val="bg1">
-                    <a:lumMod val="65000"/>
-                  </a:schemeClr>
-                </a:solidFill>
-                <a:latin typeface="PingFang SC"/>
-              </a:rPr>
-              <a:t>（</a:t>
-            </a:r>
-            <a:r>
-              <a:rPr lang="en-US" altLang="zh-CN" sz="1400" dirty="0">
-                <a:solidFill>
-                  <a:schemeClr val="bg1">
-                    <a:lumMod val="65000"/>
-                  </a:schemeClr>
-                </a:solidFill>
-                <a:latin typeface="PingFang SC"/>
-              </a:rPr>
-              <a:t>2</a:t>
-            </a:r>
-            <a:r>
-              <a:rPr lang="zh-CN" altLang="en-US" sz="1400" dirty="0">
-                <a:solidFill>
-                  <a:schemeClr val="bg1">
-                    <a:lumMod val="65000"/>
-                  </a:schemeClr>
-                </a:solidFill>
-                <a:latin typeface="PingFang SC"/>
-              </a:rPr>
-              <a:t>和</a:t>
-            </a:r>
-            <a:r>
-              <a:rPr lang="en-US" altLang="zh-CN" sz="1400" dirty="0">
-                <a:solidFill>
-                  <a:schemeClr val="bg1">
-                    <a:lumMod val="65000"/>
-                  </a:schemeClr>
-                </a:solidFill>
-                <a:latin typeface="PingFang SC"/>
-              </a:rPr>
-              <a:t>6</a:t>
+              <a:t>5</a:t>
             </a:r>
             <a:r>
               <a:rPr lang="zh-CN" altLang="en-US" sz="1400" dirty="0">
@@ -14555,8 +14524,8 @@
         </p:nvSpPr>
         <p:spPr>
           <a:xfrm>
-            <a:off x="641414" y="558362"/>
-            <a:ext cx="8735851" cy="7392793"/>
+            <a:off x="734784" y="1948624"/>
+            <a:ext cx="5470074" cy="4315027"/>
           </a:xfrm>
           <a:prstGeom prst="rect">
             <a:avLst/>
@@ -14574,26 +14543,59 @@
               </a:lnSpc>
             </a:pPr>
             <a:r>
-              <a:rPr lang="zh-CN" altLang="en-US" sz="2000" b="1" dirty="0">
-                <a:solidFill>
-                  <a:schemeClr val="bg1">
-                    <a:lumMod val="65000"/>
-                  </a:schemeClr>
-                </a:solidFill>
-                <a:latin typeface="PingFang SC"/>
-              </a:rPr>
-              <a:t>含义</a:t>
-            </a:r>
-            <a:r>
-              <a:rPr lang="en-US" altLang="zh-CN" sz="2000" b="1" dirty="0">
-                <a:solidFill>
-                  <a:schemeClr val="bg1">
-                    <a:lumMod val="65000"/>
-                  </a:schemeClr>
-                </a:solidFill>
-                <a:latin typeface="PingFang SC"/>
-              </a:rPr>
-              <a:t>:</a:t>
+              <a:rPr lang="zh-CN" altLang="en-US" sz="2000" dirty="0">
+                <a:solidFill>
+                  <a:schemeClr val="bg1">
+                    <a:lumMod val="65000"/>
+                  </a:schemeClr>
+                </a:solidFill>
+                <a:latin typeface="PingFang SC"/>
+              </a:rPr>
+              <a:t>特点：条件组合覆盖是前述几种覆盖标准中最强的。满足条件组合覆盖标准的测试数据</a:t>
+            </a:r>
+            <a:r>
+              <a:rPr lang="en-US" altLang="zh-CN" sz="2000" dirty="0">
+                <a:solidFill>
+                  <a:schemeClr val="bg1">
+                    <a:lumMod val="65000"/>
+                  </a:schemeClr>
+                </a:solidFill>
+                <a:latin typeface="PingFang SC"/>
+              </a:rPr>
+              <a:t>,</a:t>
+            </a:r>
+            <a:r>
+              <a:rPr lang="zh-CN" altLang="en-US" sz="2000" dirty="0">
+                <a:solidFill>
+                  <a:schemeClr val="bg1">
+                    <a:lumMod val="65000"/>
+                  </a:schemeClr>
+                </a:solidFill>
+                <a:latin typeface="PingFang SC"/>
+              </a:rPr>
+              <a:t>也一定满足判定覆盖、条件覆盖和判定</a:t>
+            </a:r>
+            <a:r>
+              <a:rPr lang="en-US" altLang="zh-CN" sz="2000" dirty="0">
+                <a:solidFill>
+                  <a:schemeClr val="bg1">
+                    <a:lumMod val="65000"/>
+                  </a:schemeClr>
+                </a:solidFill>
+                <a:latin typeface="PingFang SC"/>
+              </a:rPr>
+              <a:t>/</a:t>
+            </a:r>
+            <a:r>
+              <a:rPr lang="zh-CN" altLang="en-US" sz="2000" dirty="0">
+                <a:solidFill>
+                  <a:schemeClr val="bg1">
+                    <a:lumMod val="65000"/>
+                  </a:schemeClr>
+                </a:solidFill>
+                <a:latin typeface="PingFang SC"/>
+              </a:rPr>
+              <a:t>条件覆盖标准。</a:t>
             </a:r>
           </a:p>
           <a:p>
@@ -14611,7 +14613,7 @@
                 </a:solidFill>
                 <a:latin typeface="PingFang SC"/>
               </a:rPr>
-              <a:t>          要求选取足够多的测试数据</a:t>
+              <a:t>但是</a:t>
             </a:r>
             <a:r>
               <a:rPr lang="en-US" altLang="zh-CN" sz="2000" dirty="0">
@@ -14633,15 +14635,19 @@
                 </a:solidFill>
                 <a:latin typeface="PingFang SC"/>
               </a:rPr>
-              <a:t>使得每个判定表达式中条件的各种可能组合都至少出现一次。</a:t>
-            </a:r>
-          </a:p>
-          <a:p>
-            <a:pPr>
-              <a:lnSpc>
-                <a:spcPct val="200000"/>
-              </a:lnSpc>
-            </a:pPr>
+              <a:t>条件组合覆盖标准的测试数据并不一定能使程序中的每条路径都执行到。（例如</a:t>
+            </a:r>
+            <a:r>
+              <a:rPr lang="en-US" altLang="zh-CN" sz="2000" dirty="0" err="1">
+                <a:solidFill>
+                  <a:schemeClr val="bg1">
+                    <a:lumMod val="65000"/>
+                  </a:schemeClr>
+                </a:solidFill>
+                <a:latin typeface="PingFang SC"/>
+              </a:rPr>
+              <a:t>abcdef</a:t>
+            </a:r>
             <a:r>
               <a:rPr lang="zh-CN" altLang="en-US" sz="2000" dirty="0">
                 <a:solidFill>
@@ -14651,186 +14657,8 @@
                 </a:solidFill>
                 <a:latin typeface="PingFang SC"/>
               </a:rPr>
-              <a:t>条件组合：</a:t>
-            </a:r>
-          </a:p>
-          <a:p>
-            <a:pPr>
-              <a:lnSpc>
-                <a:spcPct val="200000"/>
-              </a:lnSpc>
-            </a:pPr>
-            <a:r>
-              <a:rPr lang="en-US" altLang="zh-CN" sz="2000" dirty="0">
-                <a:solidFill>
-                  <a:schemeClr val="bg1">
-                    <a:lumMod val="65000"/>
-                  </a:schemeClr>
-                </a:solidFill>
-                <a:latin typeface="PingFang SC"/>
-              </a:rPr>
-              <a:t>         (1)A&gt;1,B=0 (2)A&gt;1,B≠0 (3)A≤1,B=0 (4)A≤1,B≠0</a:t>
-            </a:r>
-          </a:p>
-          <a:p>
-            <a:pPr>
-              <a:lnSpc>
-                <a:spcPct val="200000"/>
-              </a:lnSpc>
-            </a:pPr>
-            <a:r>
-              <a:rPr lang="en-US" altLang="zh-CN" sz="2000" dirty="0">
-                <a:solidFill>
-                  <a:schemeClr val="bg1">
-                    <a:lumMod val="65000"/>
-                  </a:schemeClr>
-                </a:solidFill>
-                <a:latin typeface="PingFang SC"/>
-              </a:rPr>
-              <a:t>         (5)A=2,X&gt;1 (6)A=2,X≤1 (7)A≠2,X&gt;1 (8)A≠2,X≤1</a:t>
-            </a:r>
-          </a:p>
-          <a:p>
-            <a:pPr>
-              <a:lnSpc>
-                <a:spcPct val="200000"/>
-              </a:lnSpc>
-            </a:pPr>
-            <a:r>
-              <a:rPr lang="zh-CN" altLang="en-US" sz="2000" dirty="0">
-                <a:solidFill>
-                  <a:schemeClr val="bg1">
-                    <a:lumMod val="65000"/>
-                  </a:schemeClr>
-                </a:solidFill>
-                <a:latin typeface="PingFang SC"/>
-              </a:rPr>
-              <a:t>特点：条件组合覆盖是前述几种覆盖标准中最强的。满足条件组合覆盖标准的测试数据</a:t>
-            </a:r>
-            <a:r>
-              <a:rPr lang="en-US" altLang="zh-CN" sz="2000" dirty="0">
-                <a:solidFill>
-                  <a:schemeClr val="bg1">
-                    <a:lumMod val="65000"/>
-                  </a:schemeClr>
-                </a:solidFill>
-                <a:latin typeface="PingFang SC"/>
-              </a:rPr>
-              <a:t>,</a:t>
-            </a:r>
-            <a:r>
-              <a:rPr lang="zh-CN" altLang="en-US" sz="2000" dirty="0">
-                <a:solidFill>
-                  <a:schemeClr val="bg1">
-                    <a:lumMod val="65000"/>
-                  </a:schemeClr>
-                </a:solidFill>
-                <a:latin typeface="PingFang SC"/>
-              </a:rPr>
-              <a:t>也一定满足判定覆盖、条件覆盖和判定</a:t>
-            </a:r>
-            <a:r>
-              <a:rPr lang="en-US" altLang="zh-CN" sz="2000" dirty="0">
-                <a:solidFill>
-                  <a:schemeClr val="bg1">
-                    <a:lumMod val="65000"/>
-                  </a:schemeClr>
-                </a:solidFill>
-                <a:latin typeface="PingFang SC"/>
-              </a:rPr>
-              <a:t>/</a:t>
-            </a:r>
-            <a:r>
-              <a:rPr lang="zh-CN" altLang="en-US" sz="2000" dirty="0">
-                <a:solidFill>
-                  <a:schemeClr val="bg1">
-                    <a:lumMod val="65000"/>
-                  </a:schemeClr>
-                </a:solidFill>
-                <a:latin typeface="PingFang SC"/>
-              </a:rPr>
-              <a:t>条件覆盖标准。</a:t>
-            </a:r>
-          </a:p>
-          <a:p>
-            <a:pPr>
-              <a:lnSpc>
-                <a:spcPct val="200000"/>
-              </a:lnSpc>
-            </a:pPr>
-            <a:r>
-              <a:rPr lang="zh-CN" altLang="en-US" sz="2000" dirty="0">
-                <a:solidFill>
-                  <a:schemeClr val="bg1">
-                    <a:lumMod val="65000"/>
-                  </a:schemeClr>
-                </a:solidFill>
-                <a:latin typeface="PingFang SC"/>
-              </a:rPr>
-              <a:t>但是</a:t>
-            </a:r>
-            <a:r>
-              <a:rPr lang="en-US" altLang="zh-CN" sz="2000" dirty="0">
-                <a:solidFill>
-                  <a:schemeClr val="bg1">
-                    <a:lumMod val="65000"/>
-                  </a:schemeClr>
-                </a:solidFill>
-                <a:latin typeface="PingFang SC"/>
-              </a:rPr>
-              <a:t>,</a:t>
-            </a:r>
-            <a:r>
-              <a:rPr lang="zh-CN" altLang="en-US" sz="2000" dirty="0">
-                <a:solidFill>
-                  <a:schemeClr val="bg1">
-                    <a:lumMod val="65000"/>
-                  </a:schemeClr>
-                </a:solidFill>
-                <a:latin typeface="PingFang SC"/>
-              </a:rPr>
-              <a:t>条件组合覆盖标准的测试数据并不一定能使程序中的每条路径都执行到。</a:t>
-            </a:r>
-            <a:r>
-              <a:rPr lang="en-US" altLang="zh-CN" sz="2000" dirty="0">
-                <a:solidFill>
-                  <a:schemeClr val="bg1">
-                    <a:lumMod val="65000"/>
-                  </a:schemeClr>
-                </a:solidFill>
-                <a:latin typeface="PingFang SC"/>
-              </a:rPr>
-              <a:t>(4</a:t>
-            </a:r>
-            <a:r>
-              <a:rPr lang="zh-CN" altLang="en-US" sz="2000" dirty="0">
-                <a:solidFill>
-                  <a:schemeClr val="bg1">
-                    <a:lumMod val="65000"/>
-                  </a:schemeClr>
-                </a:solidFill>
-                <a:latin typeface="PingFang SC"/>
-              </a:rPr>
-              <a:t>组数据都没有测试到 </a:t>
-            </a:r>
-            <a:r>
-              <a:rPr lang="en-US" altLang="zh-CN" sz="2000" dirty="0">
-                <a:solidFill>
-                  <a:schemeClr val="bg1">
-                    <a:lumMod val="65000"/>
-                  </a:schemeClr>
-                </a:solidFill>
-                <a:latin typeface="PingFang SC"/>
-              </a:rPr>
-              <a:t>sacbd)</a:t>
-            </a:r>
-          </a:p>
-          <a:p>
-            <a:pPr>
-              <a:lnSpc>
-                <a:spcPct val="200000"/>
-              </a:lnSpc>
-            </a:pPr>
+              <a:t>）</a:t>
+            </a:r>
             <a:endParaRPr lang="en-US" altLang="zh-CN" sz="2000" dirty="0">
               <a:solidFill>
                 <a:schemeClr val="bg1">
@@ -14859,22 +14687,34 @@
       </p:sp>
       <p:pic>
         <p:nvPicPr>
-          <p:cNvPr id="5" name="图片 4"/>
+          <p:cNvPr id="6" name="图片 5">
+            <a:extLst>
+              <a:ext uri="{FF2B5EF4-FFF2-40B4-BE49-F238E27FC236}">
+                <a16:creationId xmlns:a16="http://schemas.microsoft.com/office/drawing/2014/main" id="{08748824-CFB9-440F-A191-DFAFEEC7B05F}"/>
+              </a:ext>
+            </a:extLst>
+          </p:cNvPr>
           <p:cNvPicPr>
             <a:picLocks noChangeAspect="1"/>
           </p:cNvPicPr>
           <p:nvPr/>
         </p:nvPicPr>
         <p:blipFill>
-          <a:blip r:embed="rId2"/>
+          <a:blip r:embed="rId2">
+            <a:extLst>
+              <a:ext uri="{28A0092B-C50C-407E-A947-70E740481C1C}">
+                <a14:useLocalDpi xmlns:a14="http://schemas.microsoft.com/office/drawing/2010/main" val="0"/>
+              </a:ext>
+            </a:extLst>
+          </a:blip>
           <a:stretch>
             <a:fillRect/>
           </a:stretch>
         </p:blipFill>
         <p:spPr>
           <a:xfrm>
-            <a:off x="9470634" y="1435255"/>
-            <a:ext cx="2593848" cy="2819504"/>
+            <a:off x="8397551" y="538855"/>
+            <a:ext cx="3924300" cy="5267325"/>
           </a:xfrm>
           <a:prstGeom prst="rect">
             <a:avLst/>
@@ -15965,7 +15805,7 @@
         <p:spPr>
           <a:xfrm>
             <a:off x="707571" y="1407446"/>
-            <a:ext cx="10776857" cy="5546134"/>
+            <a:ext cx="10776857" cy="6531019"/>
           </a:xfrm>
           <a:prstGeom prst="rect">
             <a:avLst/>
@@ -16243,7 +16083,7 @@
               </a:rPr>
               <a:t>次</a:t>
             </a:r>
-            <a:endParaRPr lang="zh-CN" altLang="en-US" sz="2000" b="1" dirty="0">
+            <a:endParaRPr lang="en-US" altLang="zh-CN" sz="2000" dirty="0">
               <a:solidFill>
                 <a:schemeClr val="bg1">
                   <a:lumMod val="65000"/>
@@ -16251,6 +16091,41 @@
               </a:solidFill>
               <a:latin typeface="PingFang SC"/>
             </a:endParaRPr>
+          </a:p>
+          <a:p>
+            <a:pPr marL="342900" indent="-342900">
+              <a:lnSpc>
+                <a:spcPct val="200000"/>
+              </a:lnSpc>
+              <a:buFont typeface="Arial" panose="020B0604020202020204" pitchFamily="34" charset="0"/>
+              <a:buChar char="•"/>
+            </a:pPr>
+            <a:endParaRPr lang="en-US" altLang="zh-CN" sz="1600" dirty="0">
+              <a:solidFill>
+                <a:schemeClr val="bg1">
+                  <a:lumMod val="65000"/>
+                </a:schemeClr>
+              </a:solidFill>
+              <a:latin typeface="PingFang SC"/>
+            </a:endParaRPr>
+          </a:p>
+          <a:p>
+            <a:pPr>
+              <a:lnSpc>
+                <a:spcPct val="200000"/>
+              </a:lnSpc>
+            </a:pPr>
+            <a:r>
+              <a:rPr lang="zh-CN" altLang="en-US" sz="1600" dirty="0">
+                <a:solidFill>
+                  <a:schemeClr val="bg1">
+                    <a:lumMod val="65000"/>
+                  </a:schemeClr>
+                </a:solidFill>
+                <a:latin typeface="PingFang SC"/>
+              </a:rPr>
+              <a:t>用例：登录时，如果用户输入的账号密码错误，系统提示错误信息后重置输入框，用户继续输入</a:t>
+            </a:r>
           </a:p>
           <a:p>
             <a:pPr>
@@ -16338,7 +16213,7 @@
         </p:blipFill>
         <p:spPr>
           <a:xfrm>
-            <a:off x="6534537" y="2911125"/>
+            <a:off x="6534537" y="2733843"/>
             <a:ext cx="5382232" cy="3163104"/>
           </a:xfrm>
           <a:prstGeom prst="rect">
@@ -16795,7 +16670,7 @@
         <p:spPr>
           <a:xfrm>
             <a:off x="707571" y="1407446"/>
-            <a:ext cx="10776857" cy="3699474"/>
+            <a:ext cx="10776857" cy="5361468"/>
           </a:xfrm>
           <a:prstGeom prst="rect">
             <a:avLst/>
@@ -16954,6 +16829,73 @@
                 <a:latin typeface="PingFang SC"/>
               </a:rPr>
               <a:t>建议使用测试嵌套循环的方法来测试串接循环。</a:t>
+            </a:r>
+            <a:endParaRPr lang="en-US" altLang="zh-CN" sz="2000" dirty="0">
+              <a:solidFill>
+                <a:schemeClr val="bg1">
+                  <a:lumMod val="65000"/>
+                </a:schemeClr>
+              </a:solidFill>
+              <a:latin typeface="PingFang SC"/>
+            </a:endParaRPr>
+          </a:p>
+          <a:p>
+            <a:pPr>
+              <a:lnSpc>
+                <a:spcPct val="200000"/>
+              </a:lnSpc>
+            </a:pPr>
+            <a:endParaRPr lang="en-US" altLang="zh-CN" dirty="0">
+              <a:solidFill>
+                <a:schemeClr val="bg1">
+                  <a:lumMod val="65000"/>
+                </a:schemeClr>
+              </a:solidFill>
+              <a:latin typeface="PingFang SC"/>
+            </a:endParaRPr>
+          </a:p>
+          <a:p>
+            <a:pPr>
+              <a:lnSpc>
+                <a:spcPct val="200000"/>
+              </a:lnSpc>
+            </a:pPr>
+            <a:r>
+              <a:rPr lang="zh-CN" altLang="en-US" dirty="0">
+                <a:solidFill>
+                  <a:schemeClr val="bg1">
+                    <a:lumMod val="65000"/>
+                  </a:schemeClr>
+                </a:solidFill>
+                <a:latin typeface="PingFang SC"/>
+              </a:rPr>
+              <a:t>用例：注册后登录，注册是一个简单循环，登录也是</a:t>
+            </a:r>
+            <a:endParaRPr lang="en-US" altLang="zh-CN" dirty="0">
+              <a:solidFill>
+                <a:schemeClr val="bg1">
+                  <a:lumMod val="65000"/>
+                </a:schemeClr>
+              </a:solidFill>
+              <a:latin typeface="PingFang SC"/>
+            </a:endParaRPr>
+          </a:p>
+          <a:p>
+            <a:pPr>
+              <a:lnSpc>
+                <a:spcPct val="200000"/>
+              </a:lnSpc>
+            </a:pPr>
+            <a:r>
+              <a:rPr lang="zh-CN" altLang="en-US" dirty="0">
+                <a:solidFill>
+                  <a:schemeClr val="bg1">
+                    <a:lumMod val="65000"/>
+                  </a:schemeClr>
+                </a:solidFill>
+                <a:latin typeface="PingFang SC"/>
+              </a:rPr>
+              <a:t>一个简单循环，注册后的用户账号密码是登录的输入值</a:t>
             </a:r>
           </a:p>
           <a:p>
@@ -17205,6 +17147,908 @@
           <a:chExt cx="0" cy="0"/>
         </a:xfrm>
       </p:grpSpPr>
+      <p:graphicFrame>
+        <p:nvGraphicFramePr>
+          <p:cNvPr id="2" name="表格 1">
+            <a:extLst>
+              <a:ext uri="{FF2B5EF4-FFF2-40B4-BE49-F238E27FC236}">
+                <a16:creationId xmlns:a16="http://schemas.microsoft.com/office/drawing/2014/main" id="{D3F08C3A-C8E7-4A9B-9E2A-DC887CD2EA0C}"/>
+              </a:ext>
+            </a:extLst>
+          </p:cNvPr>
+          <p:cNvGraphicFramePr>
+            <a:graphicFrameLocks noGrp="1"/>
+          </p:cNvGraphicFramePr>
+          <p:nvPr>
+            <p:extLst>
+              <p:ext uri="{D42A27DB-BD31-4B8C-83A1-F6EECF244321}">
+                <p14:modId xmlns:p14="http://schemas.microsoft.com/office/powerpoint/2010/main" val="2568793817"/>
+              </p:ext>
+            </p:extLst>
+          </p:nvPr>
+        </p:nvGraphicFramePr>
+        <p:xfrm>
+          <a:off x="3275829" y="737251"/>
+          <a:ext cx="8611370" cy="5775518"/>
+        </p:xfrm>
+        <a:graphic>
+          <a:graphicData uri="http://schemas.openxmlformats.org/drawingml/2006/table">
+            <a:tbl>
+              <a:tblPr>
+                <a:tableStyleId>{5C22544A-7EE6-4342-B048-85BDC9FD1C3A}</a:tableStyleId>
+              </a:tblPr>
+              <a:tblGrid>
+                <a:gridCol w="865101">
+                  <a:extLst>
+                    <a:ext uri="{9D8B030D-6E8A-4147-A177-3AD203B41FA5}">
+                      <a16:colId xmlns:a16="http://schemas.microsoft.com/office/drawing/2014/main" val="3775609445"/>
+                    </a:ext>
+                  </a:extLst>
+                </a:gridCol>
+                <a:gridCol w="3738947">
+                  <a:extLst>
+                    <a:ext uri="{9D8B030D-6E8A-4147-A177-3AD203B41FA5}">
+                      <a16:colId xmlns:a16="http://schemas.microsoft.com/office/drawing/2014/main" val="3974146343"/>
+                    </a:ext>
+                  </a:extLst>
+                </a:gridCol>
+                <a:gridCol w="4007322">
+                  <a:extLst>
+                    <a:ext uri="{9D8B030D-6E8A-4147-A177-3AD203B41FA5}">
+                      <a16:colId xmlns:a16="http://schemas.microsoft.com/office/drawing/2014/main" val="3554668534"/>
+                    </a:ext>
+                  </a:extLst>
+                </a:gridCol>
+              </a:tblGrid>
+              <a:tr h="651182">
+                <a:tc>
+                  <a:txBody>
+                    <a:bodyPr/>
+                    <a:lstStyle/>
+                    <a:p>
+                      <a:pPr algn="just"/>
+                      <a:r>
+                        <a:rPr lang="en-US" sz="1600" kern="100">
+                          <a:effectLst/>
+                        </a:rPr>
+                        <a:t> </a:t>
+                      </a:r>
+                      <a:endParaRPr lang="zh-CN" sz="1600" kern="100">
+                        <a:effectLst/>
+                        <a:latin typeface="等线" panose="02010600030101010101" pitchFamily="2" charset="-122"/>
+                        <a:ea typeface="等线" panose="02010600030101010101" pitchFamily="2" charset="-122"/>
+                        <a:cs typeface="Times New Roman" panose="02020603050405020304" pitchFamily="18" charset="0"/>
+                      </a:endParaRPr>
+                    </a:p>
+                  </a:txBody>
+                  <a:tcPr marL="68580" marR="68580" marT="0" marB="0"/>
+                </a:tc>
+                <a:tc>
+                  <a:txBody>
+                    <a:bodyPr/>
+                    <a:lstStyle/>
+                    <a:p>
+                      <a:pPr algn="ctr"/>
+                      <a:r>
+                        <a:rPr lang="zh-CN" sz="2800" kern="100" dirty="0">
+                          <a:effectLst/>
+                        </a:rPr>
+                        <a:t>测试数据</a:t>
+                      </a:r>
+                      <a:endParaRPr lang="zh-CN" sz="1600" kern="100" dirty="0">
+                        <a:effectLst/>
+                        <a:latin typeface="等线" panose="02010600030101010101" pitchFamily="2" charset="-122"/>
+                        <a:ea typeface="等线" panose="02010600030101010101" pitchFamily="2" charset="-122"/>
+                        <a:cs typeface="Times New Roman" panose="02020603050405020304" pitchFamily="18" charset="0"/>
+                      </a:endParaRPr>
+                    </a:p>
+                  </a:txBody>
+                  <a:tcPr marL="68580" marR="68580" marT="0" marB="0"/>
+                </a:tc>
+                <a:tc>
+                  <a:txBody>
+                    <a:bodyPr/>
+                    <a:lstStyle/>
+                    <a:p>
+                      <a:pPr algn="ctr"/>
+                      <a:r>
+                        <a:rPr lang="zh-CN" sz="2800" kern="100">
+                          <a:effectLst/>
+                        </a:rPr>
+                        <a:t>预期结果</a:t>
+                      </a:r>
+                      <a:endParaRPr lang="zh-CN" sz="1600" kern="100">
+                        <a:effectLst/>
+                        <a:latin typeface="等线" panose="02010600030101010101" pitchFamily="2" charset="-122"/>
+                        <a:ea typeface="等线" panose="02010600030101010101" pitchFamily="2" charset="-122"/>
+                        <a:cs typeface="Times New Roman" panose="02020603050405020304" pitchFamily="18" charset="0"/>
+                      </a:endParaRPr>
+                    </a:p>
+                  </a:txBody>
+                  <a:tcPr marL="68580" marR="68580" marT="0" marB="0"/>
+                </a:tc>
+                <a:extLst>
+                  <a:ext uri="{0D108BD9-81ED-4DB2-BD59-A6C34878D82A}">
+                    <a16:rowId xmlns:a16="http://schemas.microsoft.com/office/drawing/2014/main" val="4216488537"/>
+                  </a:ext>
+                </a:extLst>
+              </a:tr>
+              <a:tr h="960813">
+                <a:tc>
+                  <a:txBody>
+                    <a:bodyPr/>
+                    <a:lstStyle/>
+                    <a:p>
+                      <a:pPr algn="just"/>
+                      <a:r>
+                        <a:rPr lang="en-US" sz="1600" kern="100">
+                          <a:effectLst/>
+                        </a:rPr>
+                        <a:t>1</a:t>
+                      </a:r>
+                      <a:r>
+                        <a:rPr lang="zh-CN" sz="1600" kern="100">
+                          <a:effectLst/>
+                        </a:rPr>
+                        <a:t>注册</a:t>
+                      </a:r>
+                      <a:endParaRPr lang="zh-CN" sz="1600" kern="100">
+                        <a:effectLst/>
+                        <a:latin typeface="等线" panose="02010600030101010101" pitchFamily="2" charset="-122"/>
+                        <a:ea typeface="等线" panose="02010600030101010101" pitchFamily="2" charset="-122"/>
+                        <a:cs typeface="Times New Roman" panose="02020603050405020304" pitchFamily="18" charset="0"/>
+                      </a:endParaRPr>
+                    </a:p>
+                  </a:txBody>
+                  <a:tcPr marL="68580" marR="68580" marT="0" marB="0"/>
+                </a:tc>
+                <a:tc>
+                  <a:txBody>
+                    <a:bodyPr/>
+                    <a:lstStyle/>
+                    <a:p>
+                      <a:pPr algn="just"/>
+                      <a:r>
+                        <a:rPr lang="en-US" sz="1600" kern="100">
+                          <a:effectLst/>
+                        </a:rPr>
+                        <a:t>Userid</a:t>
+                      </a:r>
+                      <a:r>
+                        <a:rPr lang="zh-CN" sz="1600" kern="100">
+                          <a:effectLst/>
+                        </a:rPr>
+                        <a:t>：</a:t>
+                      </a:r>
+                      <a:r>
+                        <a:rPr lang="en-US" sz="1600" kern="100">
+                          <a:effectLst/>
+                        </a:rPr>
+                        <a:t>31901209 userpwd:123456</a:t>
+                      </a:r>
+                      <a:endParaRPr lang="zh-CN" sz="1600" kern="100">
+                        <a:effectLst/>
+                      </a:endParaRPr>
+                    </a:p>
+                    <a:p>
+                      <a:pPr algn="just"/>
+                      <a:r>
+                        <a:rPr lang="en-US" sz="1600" kern="100">
+                          <a:effectLst/>
+                        </a:rPr>
+                        <a:t>Username:wlx usersex:</a:t>
+                      </a:r>
+                      <a:r>
+                        <a:rPr lang="zh-CN" sz="1600" kern="100">
+                          <a:effectLst/>
+                        </a:rPr>
+                        <a:t>男 验证码：</a:t>
+                      </a:r>
+                      <a:r>
+                        <a:rPr lang="en-US" sz="1600" kern="100">
+                          <a:effectLst/>
+                        </a:rPr>
+                        <a:t>****</a:t>
+                      </a:r>
+                      <a:endParaRPr lang="zh-CN" sz="1600" kern="100">
+                        <a:effectLst/>
+                        <a:latin typeface="等线" panose="02010600030101010101" pitchFamily="2" charset="-122"/>
+                        <a:ea typeface="等线" panose="02010600030101010101" pitchFamily="2" charset="-122"/>
+                        <a:cs typeface="Times New Roman" panose="02020603050405020304" pitchFamily="18" charset="0"/>
+                      </a:endParaRPr>
+                    </a:p>
+                  </a:txBody>
+                  <a:tcPr marL="68580" marR="68580" marT="0" marB="0"/>
+                </a:tc>
+                <a:tc>
+                  <a:txBody>
+                    <a:bodyPr/>
+                    <a:lstStyle/>
+                    <a:p>
+                      <a:pPr algn="just"/>
+                      <a:r>
+                        <a:rPr lang="en-US" sz="1600" kern="100">
+                          <a:effectLst/>
+                        </a:rPr>
+                        <a:t>User</a:t>
+                      </a:r>
+                      <a:r>
+                        <a:rPr lang="zh-CN" sz="1600" kern="100">
+                          <a:effectLst/>
+                        </a:rPr>
+                        <a:t>表中插入一条记录，数据同左</a:t>
+                      </a:r>
+                      <a:endParaRPr lang="zh-CN" sz="1600" kern="100">
+                        <a:effectLst/>
+                        <a:latin typeface="等线" panose="02010600030101010101" pitchFamily="2" charset="-122"/>
+                        <a:ea typeface="等线" panose="02010600030101010101" pitchFamily="2" charset="-122"/>
+                        <a:cs typeface="Times New Roman" panose="02020603050405020304" pitchFamily="18" charset="0"/>
+                      </a:endParaRPr>
+                    </a:p>
+                  </a:txBody>
+                  <a:tcPr marL="68580" marR="68580" marT="0" marB="0"/>
+                </a:tc>
+                <a:extLst>
+                  <a:ext uri="{0D108BD9-81ED-4DB2-BD59-A6C34878D82A}">
+                    <a16:rowId xmlns:a16="http://schemas.microsoft.com/office/drawing/2014/main" val="3441139150"/>
+                  </a:ext>
+                </a:extLst>
+              </a:tr>
+              <a:tr h="320271">
+                <a:tc>
+                  <a:txBody>
+                    <a:bodyPr/>
+                    <a:lstStyle/>
+                    <a:p>
+                      <a:pPr algn="just"/>
+                      <a:r>
+                        <a:rPr lang="en-US" sz="1600" kern="100">
+                          <a:effectLst/>
+                        </a:rPr>
+                        <a:t>2</a:t>
+                      </a:r>
+                      <a:r>
+                        <a:rPr lang="zh-CN" sz="1600" kern="100">
+                          <a:effectLst/>
+                        </a:rPr>
+                        <a:t>登录</a:t>
+                      </a:r>
+                      <a:endParaRPr lang="zh-CN" sz="1600" kern="100">
+                        <a:effectLst/>
+                        <a:latin typeface="等线" panose="02010600030101010101" pitchFamily="2" charset="-122"/>
+                        <a:ea typeface="等线" panose="02010600030101010101" pitchFamily="2" charset="-122"/>
+                        <a:cs typeface="Times New Roman" panose="02020603050405020304" pitchFamily="18" charset="0"/>
+                      </a:endParaRPr>
+                    </a:p>
+                  </a:txBody>
+                  <a:tcPr marL="68580" marR="68580" marT="0" marB="0"/>
+                </a:tc>
+                <a:tc>
+                  <a:txBody>
+                    <a:bodyPr/>
+                    <a:lstStyle/>
+                    <a:p>
+                      <a:pPr algn="just"/>
+                      <a:r>
+                        <a:rPr lang="en-US" sz="1600" kern="100">
+                          <a:effectLst/>
+                        </a:rPr>
+                        <a:t>Userid</a:t>
+                      </a:r>
+                      <a:r>
+                        <a:rPr lang="zh-CN" sz="1600" kern="100">
+                          <a:effectLst/>
+                        </a:rPr>
+                        <a:t>：</a:t>
+                      </a:r>
+                      <a:r>
+                        <a:rPr lang="en-US" sz="1600" kern="100">
+                          <a:effectLst/>
+                        </a:rPr>
+                        <a:t>31901209 userpwd:123456</a:t>
+                      </a:r>
+                      <a:endParaRPr lang="zh-CN" sz="1600" kern="100">
+                        <a:effectLst/>
+                        <a:latin typeface="等线" panose="02010600030101010101" pitchFamily="2" charset="-122"/>
+                        <a:ea typeface="等线" panose="02010600030101010101" pitchFamily="2" charset="-122"/>
+                        <a:cs typeface="Times New Roman" panose="02020603050405020304" pitchFamily="18" charset="0"/>
+                      </a:endParaRPr>
+                    </a:p>
+                  </a:txBody>
+                  <a:tcPr marL="68580" marR="68580" marT="0" marB="0"/>
+                </a:tc>
+                <a:tc>
+                  <a:txBody>
+                    <a:bodyPr/>
+                    <a:lstStyle/>
+                    <a:p>
+                      <a:pPr algn="just"/>
+                      <a:r>
+                        <a:rPr lang="zh-CN" sz="1600" kern="100">
+                          <a:effectLst/>
+                        </a:rPr>
+                        <a:t>登录成功，生成一条</a:t>
+                      </a:r>
+                      <a:r>
+                        <a:rPr lang="en-US" sz="1600" kern="100">
+                          <a:effectLst/>
+                        </a:rPr>
+                        <a:t>cookie</a:t>
+                      </a:r>
+                      <a:endParaRPr lang="zh-CN" sz="1600" kern="100">
+                        <a:effectLst/>
+                        <a:latin typeface="等线" panose="02010600030101010101" pitchFamily="2" charset="-122"/>
+                        <a:ea typeface="等线" panose="02010600030101010101" pitchFamily="2" charset="-122"/>
+                        <a:cs typeface="Times New Roman" panose="02020603050405020304" pitchFamily="18" charset="0"/>
+                      </a:endParaRPr>
+                    </a:p>
+                  </a:txBody>
+                  <a:tcPr marL="68580" marR="68580" marT="0" marB="0"/>
+                </a:tc>
+                <a:extLst>
+                  <a:ext uri="{0D108BD9-81ED-4DB2-BD59-A6C34878D82A}">
+                    <a16:rowId xmlns:a16="http://schemas.microsoft.com/office/drawing/2014/main" val="2442227415"/>
+                  </a:ext>
+                </a:extLst>
+              </a:tr>
+              <a:tr h="640542">
+                <a:tc>
+                  <a:txBody>
+                    <a:bodyPr/>
+                    <a:lstStyle/>
+                    <a:p>
+                      <a:pPr algn="just"/>
+                      <a:r>
+                        <a:rPr lang="en-US" sz="1600" kern="100">
+                          <a:effectLst/>
+                        </a:rPr>
+                        <a:t>3</a:t>
+                      </a:r>
+                      <a:r>
+                        <a:rPr lang="zh-CN" sz="1600" kern="100">
+                          <a:effectLst/>
+                        </a:rPr>
+                        <a:t>反馈</a:t>
+                      </a:r>
+                      <a:endParaRPr lang="zh-CN" sz="1600" kern="100">
+                        <a:effectLst/>
+                        <a:latin typeface="等线" panose="02010600030101010101" pitchFamily="2" charset="-122"/>
+                        <a:ea typeface="等线" panose="02010600030101010101" pitchFamily="2" charset="-122"/>
+                        <a:cs typeface="Times New Roman" panose="02020603050405020304" pitchFamily="18" charset="0"/>
+                      </a:endParaRPr>
+                    </a:p>
+                  </a:txBody>
+                  <a:tcPr marL="68580" marR="68580" marT="0" marB="0"/>
+                </a:tc>
+                <a:tc>
+                  <a:txBody>
+                    <a:bodyPr/>
+                    <a:lstStyle/>
+                    <a:p>
+                      <a:pPr algn="just"/>
+                      <a:r>
+                        <a:rPr lang="en-US" sz="1600" kern="100" dirty="0">
+                          <a:effectLst/>
+                        </a:rPr>
+                        <a:t>Feedbacktitle:13123 feedbackcontent:132133456</a:t>
+                      </a:r>
+                      <a:endParaRPr lang="zh-CN" sz="1600" kern="100" dirty="0">
+                        <a:effectLst/>
+                        <a:latin typeface="等线" panose="02010600030101010101" pitchFamily="2" charset="-122"/>
+                        <a:ea typeface="等线" panose="02010600030101010101" pitchFamily="2" charset="-122"/>
+                        <a:cs typeface="Times New Roman" panose="02020603050405020304" pitchFamily="18" charset="0"/>
+                      </a:endParaRPr>
+                    </a:p>
+                  </a:txBody>
+                  <a:tcPr marL="68580" marR="68580" marT="0" marB="0"/>
+                </a:tc>
+                <a:tc>
+                  <a:txBody>
+                    <a:bodyPr/>
+                    <a:lstStyle/>
+                    <a:p>
+                      <a:pPr algn="just"/>
+                      <a:r>
+                        <a:rPr lang="zh-CN" sz="1600" kern="100">
+                          <a:effectLst/>
+                        </a:rPr>
+                        <a:t>反馈成功：生成一条反馈记录，数据同左</a:t>
+                      </a:r>
+                      <a:endParaRPr lang="zh-CN" sz="1600" kern="100">
+                        <a:effectLst/>
+                        <a:latin typeface="等线" panose="02010600030101010101" pitchFamily="2" charset="-122"/>
+                        <a:ea typeface="等线" panose="02010600030101010101" pitchFamily="2" charset="-122"/>
+                        <a:cs typeface="Times New Roman" panose="02020603050405020304" pitchFamily="18" charset="0"/>
+                      </a:endParaRPr>
+                    </a:p>
+                  </a:txBody>
+                  <a:tcPr marL="68580" marR="68580" marT="0" marB="0"/>
+                </a:tc>
+                <a:extLst>
+                  <a:ext uri="{0D108BD9-81ED-4DB2-BD59-A6C34878D82A}">
+                    <a16:rowId xmlns:a16="http://schemas.microsoft.com/office/drawing/2014/main" val="4269827266"/>
+                  </a:ext>
+                </a:extLst>
+              </a:tr>
+              <a:tr h="640542">
+                <a:tc>
+                  <a:txBody>
+                    <a:bodyPr/>
+                    <a:lstStyle/>
+                    <a:p>
+                      <a:pPr algn="just"/>
+                      <a:r>
+                        <a:rPr lang="en-US" sz="1600" kern="100">
+                          <a:effectLst/>
+                        </a:rPr>
+                        <a:t>4</a:t>
+                      </a:r>
+                      <a:r>
+                        <a:rPr lang="zh-CN" sz="1600" kern="100">
+                          <a:effectLst/>
+                        </a:rPr>
+                        <a:t>个人中心</a:t>
+                      </a:r>
+                      <a:endParaRPr lang="zh-CN" sz="1600" kern="100">
+                        <a:effectLst/>
+                        <a:latin typeface="等线" panose="02010600030101010101" pitchFamily="2" charset="-122"/>
+                        <a:ea typeface="等线" panose="02010600030101010101" pitchFamily="2" charset="-122"/>
+                        <a:cs typeface="Times New Roman" panose="02020603050405020304" pitchFamily="18" charset="0"/>
+                      </a:endParaRPr>
+                    </a:p>
+                  </a:txBody>
+                  <a:tcPr marL="68580" marR="68580" marT="0" marB="0"/>
+                </a:tc>
+                <a:tc>
+                  <a:txBody>
+                    <a:bodyPr/>
+                    <a:lstStyle/>
+                    <a:p>
+                      <a:pPr algn="just"/>
+                      <a:r>
+                        <a:rPr lang="en-US" sz="1600" kern="100">
+                          <a:effectLst/>
+                        </a:rPr>
+                        <a:t> </a:t>
+                      </a:r>
+                      <a:endParaRPr lang="zh-CN" sz="1600" kern="100">
+                        <a:effectLst/>
+                        <a:latin typeface="等线" panose="02010600030101010101" pitchFamily="2" charset="-122"/>
+                        <a:ea typeface="等线" panose="02010600030101010101" pitchFamily="2" charset="-122"/>
+                        <a:cs typeface="Times New Roman" panose="02020603050405020304" pitchFamily="18" charset="0"/>
+                      </a:endParaRPr>
+                    </a:p>
+                  </a:txBody>
+                  <a:tcPr marL="68580" marR="68580" marT="0" marB="0"/>
+                </a:tc>
+                <a:tc>
+                  <a:txBody>
+                    <a:bodyPr/>
+                    <a:lstStyle/>
+                    <a:p>
+                      <a:pPr algn="just"/>
+                      <a:r>
+                        <a:rPr lang="en-US" sz="1600" kern="100">
+                          <a:effectLst/>
+                        </a:rPr>
+                        <a:t> </a:t>
+                      </a:r>
+                      <a:endParaRPr lang="zh-CN" sz="1600" kern="100">
+                        <a:effectLst/>
+                        <a:latin typeface="等线" panose="02010600030101010101" pitchFamily="2" charset="-122"/>
+                        <a:ea typeface="等线" panose="02010600030101010101" pitchFamily="2" charset="-122"/>
+                        <a:cs typeface="Times New Roman" panose="02020603050405020304" pitchFamily="18" charset="0"/>
+                      </a:endParaRPr>
+                    </a:p>
+                  </a:txBody>
+                  <a:tcPr marL="68580" marR="68580" marT="0" marB="0"/>
+                </a:tc>
+                <a:extLst>
+                  <a:ext uri="{0D108BD9-81ED-4DB2-BD59-A6C34878D82A}">
+                    <a16:rowId xmlns:a16="http://schemas.microsoft.com/office/drawing/2014/main" val="751776135"/>
+                  </a:ext>
+                </a:extLst>
+              </a:tr>
+              <a:tr h="640542">
+                <a:tc>
+                  <a:txBody>
+                    <a:bodyPr/>
+                    <a:lstStyle/>
+                    <a:p>
+                      <a:pPr algn="just"/>
+                      <a:r>
+                        <a:rPr lang="en-US" sz="1600" kern="100">
+                          <a:effectLst/>
+                        </a:rPr>
+                        <a:t>5</a:t>
+                      </a:r>
+                      <a:r>
+                        <a:rPr lang="zh-CN" sz="1600" kern="100">
+                          <a:effectLst/>
+                        </a:rPr>
+                        <a:t>发布表白墙</a:t>
+                      </a:r>
+                      <a:endParaRPr lang="zh-CN" sz="1600" kern="100">
+                        <a:effectLst/>
+                        <a:latin typeface="等线" panose="02010600030101010101" pitchFamily="2" charset="-122"/>
+                        <a:ea typeface="等线" panose="02010600030101010101" pitchFamily="2" charset="-122"/>
+                        <a:cs typeface="Times New Roman" panose="02020603050405020304" pitchFamily="18" charset="0"/>
+                      </a:endParaRPr>
+                    </a:p>
+                  </a:txBody>
+                  <a:tcPr marL="68580" marR="68580" marT="0" marB="0"/>
+                </a:tc>
+                <a:tc>
+                  <a:txBody>
+                    <a:bodyPr/>
+                    <a:lstStyle/>
+                    <a:p>
+                      <a:pPr algn="just"/>
+                      <a:r>
+                        <a:rPr lang="en-US" sz="1600" kern="100">
+                          <a:effectLst/>
+                        </a:rPr>
+                        <a:t>Wallto:1321 wallcontent:1313</a:t>
+                      </a:r>
+                      <a:endParaRPr lang="zh-CN" sz="1600" kern="100">
+                        <a:effectLst/>
+                      </a:endParaRPr>
+                    </a:p>
+                    <a:p>
+                      <a:pPr algn="just"/>
+                      <a:r>
+                        <a:rPr lang="en-US" sz="1600" kern="100">
+                          <a:effectLst/>
+                        </a:rPr>
+                        <a:t>Wallcontenttitle:45645641</a:t>
+                      </a:r>
+                      <a:endParaRPr lang="zh-CN" sz="1600" kern="100">
+                        <a:effectLst/>
+                        <a:latin typeface="等线" panose="02010600030101010101" pitchFamily="2" charset="-122"/>
+                        <a:ea typeface="等线" panose="02010600030101010101" pitchFamily="2" charset="-122"/>
+                        <a:cs typeface="Times New Roman" panose="02020603050405020304" pitchFamily="18" charset="0"/>
+                      </a:endParaRPr>
+                    </a:p>
+                  </a:txBody>
+                  <a:tcPr marL="68580" marR="68580" marT="0" marB="0"/>
+                </a:tc>
+                <a:tc>
+                  <a:txBody>
+                    <a:bodyPr/>
+                    <a:lstStyle/>
+                    <a:p>
+                      <a:pPr algn="just"/>
+                      <a:r>
+                        <a:rPr lang="zh-CN" sz="1600" kern="100">
+                          <a:effectLst/>
+                        </a:rPr>
+                        <a:t>表白成功：生成一条表白记录，数据同左</a:t>
+                      </a:r>
+                      <a:endParaRPr lang="zh-CN" sz="1600" kern="100">
+                        <a:effectLst/>
+                        <a:latin typeface="等线" panose="02010600030101010101" pitchFamily="2" charset="-122"/>
+                        <a:ea typeface="等线" panose="02010600030101010101" pitchFamily="2" charset="-122"/>
+                        <a:cs typeface="Times New Roman" panose="02020603050405020304" pitchFamily="18" charset="0"/>
+                      </a:endParaRPr>
+                    </a:p>
+                  </a:txBody>
+                  <a:tcPr marL="68580" marR="68580" marT="0" marB="0"/>
+                </a:tc>
+                <a:extLst>
+                  <a:ext uri="{0D108BD9-81ED-4DB2-BD59-A6C34878D82A}">
+                    <a16:rowId xmlns:a16="http://schemas.microsoft.com/office/drawing/2014/main" val="4285035293"/>
+                  </a:ext>
+                </a:extLst>
+              </a:tr>
+              <a:tr h="640542">
+                <a:tc>
+                  <a:txBody>
+                    <a:bodyPr/>
+                    <a:lstStyle/>
+                    <a:p>
+                      <a:pPr algn="just"/>
+                      <a:r>
+                        <a:rPr lang="en-US" sz="1600" kern="100">
+                          <a:effectLst/>
+                        </a:rPr>
+                        <a:t>6</a:t>
+                      </a:r>
+                      <a:r>
+                        <a:rPr lang="zh-CN" sz="1600" kern="100">
+                          <a:effectLst/>
+                        </a:rPr>
+                        <a:t>浏览</a:t>
+                      </a:r>
+                      <a:endParaRPr lang="zh-CN" sz="1600" kern="100">
+                        <a:effectLst/>
+                        <a:latin typeface="等线" panose="02010600030101010101" pitchFamily="2" charset="-122"/>
+                        <a:ea typeface="等线" panose="02010600030101010101" pitchFamily="2" charset="-122"/>
+                        <a:cs typeface="Times New Roman" panose="02020603050405020304" pitchFamily="18" charset="0"/>
+                      </a:endParaRPr>
+                    </a:p>
+                  </a:txBody>
+                  <a:tcPr marL="68580" marR="68580" marT="0" marB="0"/>
+                </a:tc>
+                <a:tc>
+                  <a:txBody>
+                    <a:bodyPr/>
+                    <a:lstStyle/>
+                    <a:p>
+                      <a:pPr algn="just"/>
+                      <a:r>
+                        <a:rPr lang="zh-CN" sz="1600" kern="100">
+                          <a:effectLst/>
+                        </a:rPr>
+                        <a:t>点击按钮即可（排序、上下翻页）</a:t>
+                      </a:r>
+                      <a:endParaRPr lang="zh-CN" sz="1600" kern="100">
+                        <a:effectLst/>
+                        <a:latin typeface="等线" panose="02010600030101010101" pitchFamily="2" charset="-122"/>
+                        <a:ea typeface="等线" panose="02010600030101010101" pitchFamily="2" charset="-122"/>
+                        <a:cs typeface="Times New Roman" panose="02020603050405020304" pitchFamily="18" charset="0"/>
+                      </a:endParaRPr>
+                    </a:p>
+                  </a:txBody>
+                  <a:tcPr marL="68580" marR="68580" marT="0" marB="0"/>
+                </a:tc>
+                <a:tc>
+                  <a:txBody>
+                    <a:bodyPr/>
+                    <a:lstStyle/>
+                    <a:p>
+                      <a:pPr algn="just"/>
+                      <a:r>
+                        <a:rPr lang="zh-CN" sz="1600" kern="100">
+                          <a:effectLst/>
+                        </a:rPr>
+                        <a:t>默认显示状态正常的表白墙，能够正常读入</a:t>
+                      </a:r>
+                      <a:r>
+                        <a:rPr lang="en-US" sz="1600" kern="100">
+                          <a:effectLst/>
+                        </a:rPr>
+                        <a:t>wall</a:t>
+                      </a:r>
+                      <a:r>
+                        <a:rPr lang="zh-CN" sz="1600" kern="100">
+                          <a:effectLst/>
+                        </a:rPr>
+                        <a:t>表数据，排序</a:t>
+                      </a:r>
+                      <a:endParaRPr lang="zh-CN" sz="1600" kern="100">
+                        <a:effectLst/>
+                        <a:latin typeface="等线" panose="02010600030101010101" pitchFamily="2" charset="-122"/>
+                        <a:ea typeface="等线" panose="02010600030101010101" pitchFamily="2" charset="-122"/>
+                        <a:cs typeface="Times New Roman" panose="02020603050405020304" pitchFamily="18" charset="0"/>
+                      </a:endParaRPr>
+                    </a:p>
+                  </a:txBody>
+                  <a:tcPr marL="68580" marR="68580" marT="0" marB="0"/>
+                </a:tc>
+                <a:extLst>
+                  <a:ext uri="{0D108BD9-81ED-4DB2-BD59-A6C34878D82A}">
+                    <a16:rowId xmlns:a16="http://schemas.microsoft.com/office/drawing/2014/main" val="3998864330"/>
+                  </a:ext>
+                </a:extLst>
+              </a:tr>
+              <a:tr h="640542">
+                <a:tc>
+                  <a:txBody>
+                    <a:bodyPr/>
+                    <a:lstStyle/>
+                    <a:p>
+                      <a:pPr algn="just"/>
+                      <a:r>
+                        <a:rPr lang="en-US" sz="1600" kern="100">
+                          <a:effectLst/>
+                        </a:rPr>
+                        <a:t>7</a:t>
+                      </a:r>
+                      <a:r>
+                        <a:rPr lang="zh-CN" sz="1600" kern="100">
+                          <a:effectLst/>
+                        </a:rPr>
+                        <a:t>管理员</a:t>
+                      </a:r>
+                      <a:endParaRPr lang="zh-CN" sz="1600" kern="100">
+                        <a:effectLst/>
+                        <a:latin typeface="等线" panose="02010600030101010101" pitchFamily="2" charset="-122"/>
+                        <a:ea typeface="等线" panose="02010600030101010101" pitchFamily="2" charset="-122"/>
+                        <a:cs typeface="Times New Roman" panose="02020603050405020304" pitchFamily="18" charset="0"/>
+                      </a:endParaRPr>
+                    </a:p>
+                  </a:txBody>
+                  <a:tcPr marL="68580" marR="68580" marT="0" marB="0"/>
+                </a:tc>
+                <a:tc>
+                  <a:txBody>
+                    <a:bodyPr/>
+                    <a:lstStyle/>
+                    <a:p>
+                      <a:pPr algn="just"/>
+                      <a:r>
+                        <a:rPr lang="en-US" sz="1600" kern="100">
+                          <a:effectLst/>
+                        </a:rPr>
+                        <a:t> </a:t>
+                      </a:r>
+                      <a:endParaRPr lang="zh-CN" sz="1600" kern="100">
+                        <a:effectLst/>
+                        <a:latin typeface="等线" panose="02010600030101010101" pitchFamily="2" charset="-122"/>
+                        <a:ea typeface="等线" panose="02010600030101010101" pitchFamily="2" charset="-122"/>
+                        <a:cs typeface="Times New Roman" panose="02020603050405020304" pitchFamily="18" charset="0"/>
+                      </a:endParaRPr>
+                    </a:p>
+                  </a:txBody>
+                  <a:tcPr marL="68580" marR="68580" marT="0" marB="0"/>
+                </a:tc>
+                <a:tc>
+                  <a:txBody>
+                    <a:bodyPr/>
+                    <a:lstStyle/>
+                    <a:p>
+                      <a:pPr algn="just"/>
+                      <a:r>
+                        <a:rPr lang="en-US" sz="1600" kern="100">
+                          <a:effectLst/>
+                        </a:rPr>
+                        <a:t> </a:t>
+                      </a:r>
+                      <a:endParaRPr lang="zh-CN" sz="1600" kern="100">
+                        <a:effectLst/>
+                        <a:latin typeface="等线" panose="02010600030101010101" pitchFamily="2" charset="-122"/>
+                        <a:ea typeface="等线" panose="02010600030101010101" pitchFamily="2" charset="-122"/>
+                        <a:cs typeface="Times New Roman" panose="02020603050405020304" pitchFamily="18" charset="0"/>
+                      </a:endParaRPr>
+                    </a:p>
+                  </a:txBody>
+                  <a:tcPr marL="68580" marR="68580" marT="0" marB="0"/>
+                </a:tc>
+                <a:extLst>
+                  <a:ext uri="{0D108BD9-81ED-4DB2-BD59-A6C34878D82A}">
+                    <a16:rowId xmlns:a16="http://schemas.microsoft.com/office/drawing/2014/main" val="2715395984"/>
+                  </a:ext>
+                </a:extLst>
+              </a:tr>
+              <a:tr h="640542">
+                <a:tc>
+                  <a:txBody>
+                    <a:bodyPr/>
+                    <a:lstStyle/>
+                    <a:p>
+                      <a:pPr algn="just"/>
+                      <a:r>
+                        <a:rPr lang="en-US" sz="1600" kern="100">
+                          <a:effectLst/>
+                        </a:rPr>
+                        <a:t>19</a:t>
+                      </a:r>
+                      <a:r>
+                        <a:rPr lang="zh-CN" sz="1600" kern="100">
+                          <a:effectLst/>
+                        </a:rPr>
+                        <a:t>退出登录</a:t>
+                      </a:r>
+                      <a:endParaRPr lang="zh-CN" sz="1600" kern="100">
+                        <a:effectLst/>
+                        <a:latin typeface="等线" panose="02010600030101010101" pitchFamily="2" charset="-122"/>
+                        <a:ea typeface="等线" panose="02010600030101010101" pitchFamily="2" charset="-122"/>
+                        <a:cs typeface="Times New Roman" panose="02020603050405020304" pitchFamily="18" charset="0"/>
+                      </a:endParaRPr>
+                    </a:p>
+                  </a:txBody>
+                  <a:tcPr marL="68580" marR="68580" marT="0" marB="0"/>
+                </a:tc>
+                <a:tc>
+                  <a:txBody>
+                    <a:bodyPr/>
+                    <a:lstStyle/>
+                    <a:p>
+                      <a:pPr algn="just"/>
+                      <a:r>
+                        <a:rPr lang="zh-CN" sz="1600" kern="100">
+                          <a:effectLst/>
+                        </a:rPr>
+                        <a:t>点击注销登录即可</a:t>
+                      </a:r>
+                      <a:endParaRPr lang="zh-CN" sz="1600" kern="100">
+                        <a:effectLst/>
+                        <a:latin typeface="等线" panose="02010600030101010101" pitchFamily="2" charset="-122"/>
+                        <a:ea typeface="等线" panose="02010600030101010101" pitchFamily="2" charset="-122"/>
+                        <a:cs typeface="Times New Roman" panose="02020603050405020304" pitchFamily="18" charset="0"/>
+                      </a:endParaRPr>
+                    </a:p>
+                  </a:txBody>
+                  <a:tcPr marL="68580" marR="68580" marT="0" marB="0"/>
+                </a:tc>
+                <a:tc>
+                  <a:txBody>
+                    <a:bodyPr/>
+                    <a:lstStyle/>
+                    <a:p>
+                      <a:pPr algn="just"/>
+                      <a:r>
+                        <a:rPr lang="zh-CN" sz="1600" kern="100" dirty="0">
+                          <a:effectLst/>
+                        </a:rPr>
+                        <a:t>删除</a:t>
+                      </a:r>
+                      <a:r>
+                        <a:rPr lang="en-US" sz="1600" kern="100" dirty="0">
+                          <a:effectLst/>
+                        </a:rPr>
+                        <a:t>cookie</a:t>
+                      </a:r>
+                      <a:r>
+                        <a:rPr lang="zh-CN" sz="1600" kern="100" dirty="0">
+                          <a:effectLst/>
+                        </a:rPr>
+                        <a:t>记录</a:t>
+                      </a:r>
+                      <a:endParaRPr lang="zh-CN" sz="1600" kern="100" dirty="0">
+                        <a:effectLst/>
+                        <a:latin typeface="等线" panose="02010600030101010101" pitchFamily="2" charset="-122"/>
+                        <a:ea typeface="等线" panose="02010600030101010101" pitchFamily="2" charset="-122"/>
+                        <a:cs typeface="Times New Roman" panose="02020603050405020304" pitchFamily="18" charset="0"/>
+                      </a:endParaRPr>
+                    </a:p>
+                  </a:txBody>
+                  <a:tcPr marL="68580" marR="68580" marT="0" marB="0"/>
+                </a:tc>
+                <a:extLst>
+                  <a:ext uri="{0D108BD9-81ED-4DB2-BD59-A6C34878D82A}">
+                    <a16:rowId xmlns:a16="http://schemas.microsoft.com/office/drawing/2014/main" val="1516083066"/>
+                  </a:ext>
+                </a:extLst>
+              </a:tr>
+            </a:tbl>
+          </a:graphicData>
+        </a:graphic>
+      </p:graphicFrame>
+      <p:sp>
+        <p:nvSpPr>
+          <p:cNvPr id="3" name="文本框 2">
+            <a:extLst>
+              <a:ext uri="{FF2B5EF4-FFF2-40B4-BE49-F238E27FC236}">
+                <a16:creationId xmlns:a16="http://schemas.microsoft.com/office/drawing/2014/main" id="{2A55D6AD-4159-4D98-B61A-8BB814535F46}"/>
+              </a:ext>
+            </a:extLst>
+          </p:cNvPr>
+          <p:cNvSpPr txBox="1"/>
+          <p:nvPr/>
+        </p:nvSpPr>
+        <p:spPr>
+          <a:xfrm>
+            <a:off x="707571" y="529525"/>
+            <a:ext cx="1826141" cy="584775"/>
+          </a:xfrm>
+          <a:prstGeom prst="rect">
+            <a:avLst/>
+          </a:prstGeom>
+          <a:noFill/>
+        </p:spPr>
+        <p:txBody>
+          <a:bodyPr vert="horz" wrap="none" rtlCol="0">
+            <a:spAutoFit/>
+          </a:bodyPr>
+          <a:lstStyle/>
+          <a:p>
+            <a:r>
+              <a:rPr lang="zh-CN" altLang="en-US" sz="3200" dirty="0">
+                <a:solidFill>
+                  <a:schemeClr val="tx1">
+                    <a:lumMod val="50000"/>
+                    <a:lumOff val="50000"/>
+                  </a:schemeClr>
+                </a:solidFill>
+                <a:latin typeface="幼圆" panose="02010509060101010101" pitchFamily="49" charset="-122"/>
+                <a:ea typeface="幼圆" panose="02010509060101010101" pitchFamily="49" charset="-122"/>
+              </a:rPr>
+              <a:t>测试数据</a:t>
+            </a:r>
+          </a:p>
+        </p:txBody>
+      </p:sp>
     </p:spTree>
     <p:extLst>
       <p:ext uri="{BB962C8B-B14F-4D97-AF65-F5344CB8AC3E}">
@@ -17245,388 +18089,20 @@
       </p:grpSpPr>
       <p:sp>
         <p:nvSpPr>
-          <p:cNvPr id="11" name="矩形 10"/>
-          <p:cNvSpPr/>
-          <p:nvPr/>
-        </p:nvSpPr>
-        <p:spPr>
-          <a:xfrm>
-            <a:off x="707571" y="1407446"/>
-            <a:ext cx="10776857" cy="6161687"/>
-          </a:xfrm>
-          <a:prstGeom prst="rect">
-            <a:avLst/>
-          </a:prstGeom>
-        </p:spPr>
-        <p:txBody>
-          <a:bodyPr wrap="square">
-            <a:spAutoFit/>
-          </a:bodyPr>
-          <a:lstStyle/>
-          <a:p>
-            <a:pPr>
-              <a:lnSpc>
-                <a:spcPct val="200000"/>
-              </a:lnSpc>
-            </a:pPr>
-            <a:r>
-              <a:rPr lang="zh-CN" altLang="en-US" sz="2000" dirty="0">
-                <a:solidFill>
-                  <a:schemeClr val="bg1">
-                    <a:lumMod val="65000"/>
-                  </a:schemeClr>
-                </a:solidFill>
-                <a:latin typeface="PingFang SC"/>
-              </a:rPr>
-              <a:t>黑盒测试着重测试软件功能</a:t>
-            </a:r>
-            <a:r>
-              <a:rPr lang="en-US" altLang="zh-CN" sz="2000" dirty="0">
-                <a:solidFill>
-                  <a:schemeClr val="bg1">
-                    <a:lumMod val="65000"/>
-                  </a:schemeClr>
-                </a:solidFill>
-                <a:latin typeface="PingFang SC"/>
-              </a:rPr>
-              <a:t>,</a:t>
-            </a:r>
-            <a:r>
-              <a:rPr lang="zh-CN" altLang="en-US" sz="2000" b="1" dirty="0">
-                <a:solidFill>
-                  <a:schemeClr val="bg1">
-                    <a:lumMod val="65000"/>
-                  </a:schemeClr>
-                </a:solidFill>
-                <a:latin typeface="PingFang SC"/>
-              </a:rPr>
-              <a:t>错误类型</a:t>
-            </a:r>
-            <a:r>
-              <a:rPr lang="zh-CN" altLang="en-US" sz="2000" dirty="0">
-                <a:solidFill>
-                  <a:schemeClr val="bg1">
-                    <a:lumMod val="65000"/>
-                  </a:schemeClr>
-                </a:solidFill>
-                <a:latin typeface="PingFang SC"/>
-              </a:rPr>
-              <a:t>为</a:t>
-            </a:r>
-            <a:r>
-              <a:rPr lang="en-US" altLang="zh-CN" sz="2000" dirty="0">
-                <a:solidFill>
-                  <a:schemeClr val="bg1">
-                    <a:lumMod val="65000"/>
-                  </a:schemeClr>
-                </a:solidFill>
-                <a:latin typeface="PingFang SC"/>
-              </a:rPr>
-              <a:t>:</a:t>
-            </a:r>
-          </a:p>
-          <a:p>
-            <a:pPr>
-              <a:lnSpc>
-                <a:spcPct val="200000"/>
-              </a:lnSpc>
-            </a:pPr>
-            <a:r>
-              <a:rPr lang="en-US" altLang="zh-CN" sz="2000" dirty="0">
-                <a:solidFill>
-                  <a:schemeClr val="bg1">
-                    <a:lumMod val="65000"/>
-                  </a:schemeClr>
-                </a:solidFill>
-                <a:latin typeface="PingFang SC"/>
-              </a:rPr>
-              <a:t>1.</a:t>
-            </a:r>
-            <a:r>
-              <a:rPr lang="zh-CN" altLang="en-US" sz="2000" dirty="0">
-                <a:solidFill>
-                  <a:schemeClr val="bg1">
-                    <a:lumMod val="65000"/>
-                  </a:schemeClr>
-                </a:solidFill>
-                <a:latin typeface="PingFang SC"/>
-              </a:rPr>
-              <a:t>功能不正确或遗漏了功能  </a:t>
-            </a:r>
-            <a:r>
-              <a:rPr lang="en-US" altLang="zh-CN" sz="2000" dirty="0">
-                <a:solidFill>
-                  <a:schemeClr val="bg1">
-                    <a:lumMod val="65000"/>
-                  </a:schemeClr>
-                </a:solidFill>
-                <a:latin typeface="PingFang SC"/>
-              </a:rPr>
-              <a:t>2.</a:t>
-            </a:r>
-            <a:r>
-              <a:rPr lang="zh-CN" altLang="en-US" sz="2000" dirty="0">
-                <a:solidFill>
-                  <a:schemeClr val="bg1">
-                    <a:lumMod val="65000"/>
-                  </a:schemeClr>
-                </a:solidFill>
-                <a:latin typeface="PingFang SC"/>
-              </a:rPr>
-              <a:t>界面错误</a:t>
-            </a:r>
-            <a:r>
-              <a:rPr lang="en-US" altLang="zh-CN" sz="2000" dirty="0">
-                <a:solidFill>
-                  <a:schemeClr val="bg1">
-                    <a:lumMod val="65000"/>
-                  </a:schemeClr>
-                </a:solidFill>
-                <a:latin typeface="PingFang SC"/>
-              </a:rPr>
-              <a:t>;  3.</a:t>
-            </a:r>
-            <a:r>
-              <a:rPr lang="zh-CN" altLang="en-US" sz="2000" dirty="0">
-                <a:solidFill>
-                  <a:schemeClr val="bg1">
-                    <a:lumMod val="65000"/>
-                  </a:schemeClr>
-                </a:solidFill>
-                <a:latin typeface="PingFang SC"/>
-              </a:rPr>
-              <a:t>数据结构错误或外部数据库访问错误</a:t>
-            </a:r>
-            <a:r>
-              <a:rPr lang="en-US" altLang="zh-CN" sz="2000" dirty="0">
-                <a:solidFill>
-                  <a:schemeClr val="bg1">
-                    <a:lumMod val="65000"/>
-                  </a:schemeClr>
-                </a:solidFill>
-                <a:latin typeface="PingFang SC"/>
-              </a:rPr>
-              <a:t>; </a:t>
-            </a:r>
-          </a:p>
-          <a:p>
-            <a:pPr>
-              <a:lnSpc>
-                <a:spcPct val="200000"/>
-              </a:lnSpc>
-            </a:pPr>
-            <a:r>
-              <a:rPr lang="en-US" altLang="zh-CN" sz="2000" dirty="0">
-                <a:solidFill>
-                  <a:schemeClr val="bg1">
-                    <a:lumMod val="65000"/>
-                  </a:schemeClr>
-                </a:solidFill>
-                <a:latin typeface="PingFang SC"/>
-              </a:rPr>
-              <a:t>4.</a:t>
-            </a:r>
-            <a:r>
-              <a:rPr lang="zh-CN" altLang="en-US" sz="2000" dirty="0">
-                <a:solidFill>
-                  <a:schemeClr val="bg1">
-                    <a:lumMod val="65000"/>
-                  </a:schemeClr>
-                </a:solidFill>
-                <a:latin typeface="PingFang SC"/>
-              </a:rPr>
-              <a:t>性能错误</a:t>
-            </a:r>
-            <a:r>
-              <a:rPr lang="en-US" altLang="zh-CN" sz="2000" dirty="0">
-                <a:solidFill>
-                  <a:schemeClr val="bg1">
-                    <a:lumMod val="65000"/>
-                  </a:schemeClr>
-                </a:solidFill>
-                <a:latin typeface="PingFang SC"/>
-              </a:rPr>
-              <a:t>;  5.</a:t>
-            </a:r>
-            <a:r>
-              <a:rPr lang="zh-CN" altLang="en-US" sz="2000" dirty="0">
-                <a:solidFill>
-                  <a:schemeClr val="bg1">
-                    <a:lumMod val="65000"/>
-                  </a:schemeClr>
-                </a:solidFill>
-                <a:latin typeface="PingFang SC"/>
-              </a:rPr>
-              <a:t>初始化和终止错误。</a:t>
-            </a:r>
-            <a:endParaRPr lang="en-US" altLang="zh-CN" sz="2000" dirty="0">
-              <a:solidFill>
-                <a:schemeClr val="bg1">
-                  <a:lumMod val="65000"/>
-                </a:schemeClr>
-              </a:solidFill>
-              <a:latin typeface="PingFang SC"/>
-            </a:endParaRPr>
-          </a:p>
-          <a:p>
-            <a:pPr>
-              <a:lnSpc>
-                <a:spcPct val="200000"/>
-              </a:lnSpc>
-            </a:pPr>
-            <a:endParaRPr lang="en-US" altLang="zh-CN" sz="2000" b="1" dirty="0">
-              <a:solidFill>
-                <a:schemeClr val="bg1">
-                  <a:lumMod val="65000"/>
-                </a:schemeClr>
-              </a:solidFill>
-              <a:latin typeface="PingFang SC"/>
-            </a:endParaRPr>
-          </a:p>
-          <a:p>
-            <a:pPr>
-              <a:lnSpc>
-                <a:spcPct val="200000"/>
-              </a:lnSpc>
-            </a:pPr>
-            <a:r>
-              <a:rPr lang="zh-CN" altLang="en-US" sz="2000" b="1" dirty="0">
-                <a:solidFill>
-                  <a:schemeClr val="bg1">
-                    <a:lumMod val="65000"/>
-                  </a:schemeClr>
-                </a:solidFill>
-                <a:latin typeface="PingFang SC"/>
-              </a:rPr>
-              <a:t>测试标准</a:t>
-            </a:r>
-            <a:r>
-              <a:rPr lang="zh-CN" altLang="en-US" sz="2000" dirty="0">
-                <a:solidFill>
-                  <a:schemeClr val="bg1">
-                    <a:lumMod val="65000"/>
-                  </a:schemeClr>
-                </a:solidFill>
-                <a:latin typeface="PingFang SC"/>
-              </a:rPr>
-              <a:t>：</a:t>
-            </a:r>
-          </a:p>
-          <a:p>
-            <a:pPr>
-              <a:lnSpc>
-                <a:spcPct val="200000"/>
-              </a:lnSpc>
-            </a:pPr>
-            <a:r>
-              <a:rPr lang="en-US" altLang="zh-CN" sz="2000" dirty="0">
-                <a:solidFill>
-                  <a:schemeClr val="bg1">
-                    <a:lumMod val="65000"/>
-                  </a:schemeClr>
-                </a:solidFill>
-                <a:latin typeface="PingFang SC"/>
-              </a:rPr>
-              <a:t>1.</a:t>
-            </a:r>
-            <a:r>
-              <a:rPr lang="zh-CN" altLang="en-US" sz="2000" dirty="0">
-                <a:solidFill>
-                  <a:schemeClr val="bg1">
-                    <a:lumMod val="65000"/>
-                  </a:schemeClr>
-                </a:solidFill>
-                <a:latin typeface="PingFang SC"/>
-              </a:rPr>
-              <a:t>测试用例尽可能少</a:t>
-            </a:r>
-          </a:p>
-          <a:p>
-            <a:pPr>
-              <a:lnSpc>
-                <a:spcPct val="200000"/>
-              </a:lnSpc>
-            </a:pPr>
-            <a:r>
-              <a:rPr lang="en-US" altLang="zh-CN" sz="2000" dirty="0">
-                <a:solidFill>
-                  <a:schemeClr val="bg1">
-                    <a:lumMod val="65000"/>
-                  </a:schemeClr>
-                </a:solidFill>
-                <a:latin typeface="PingFang SC"/>
-              </a:rPr>
-              <a:t>2.</a:t>
-            </a:r>
-            <a:r>
-              <a:rPr lang="zh-CN" altLang="en-US" sz="2000" dirty="0">
-                <a:solidFill>
-                  <a:schemeClr val="bg1">
-                    <a:lumMod val="65000"/>
-                  </a:schemeClr>
-                </a:solidFill>
-                <a:latin typeface="PingFang SC"/>
-              </a:rPr>
-              <a:t>一个测试用例能指出一类错误。</a:t>
-            </a:r>
-          </a:p>
-          <a:p>
-            <a:pPr>
-              <a:lnSpc>
-                <a:spcPct val="200000"/>
-              </a:lnSpc>
-            </a:pPr>
-            <a:endParaRPr lang="zh-CN" altLang="en-US" sz="2000" dirty="0">
-              <a:solidFill>
-                <a:schemeClr val="bg1">
-                  <a:lumMod val="65000"/>
-                </a:schemeClr>
-              </a:solidFill>
-              <a:latin typeface="PingFang SC"/>
-            </a:endParaRPr>
-          </a:p>
-          <a:p>
-            <a:pPr>
-              <a:lnSpc>
-                <a:spcPct val="200000"/>
-              </a:lnSpc>
-            </a:pPr>
-            <a:endParaRPr lang="en-US" altLang="zh-CN" sz="2000" dirty="0">
-              <a:solidFill>
-                <a:schemeClr val="bg1">
-                  <a:lumMod val="65000"/>
-                </a:schemeClr>
-              </a:solidFill>
-              <a:latin typeface="PingFang SC"/>
-            </a:endParaRPr>
-          </a:p>
-          <a:p>
-            <a:pPr>
-              <a:lnSpc>
-                <a:spcPct val="200000"/>
-              </a:lnSpc>
-            </a:pPr>
-            <a:endParaRPr lang="en-US" altLang="zh-CN" sz="2000" dirty="0">
-              <a:solidFill>
-                <a:schemeClr val="bg1">
-                  <a:lumMod val="65000"/>
-                </a:schemeClr>
-              </a:solidFill>
-              <a:latin typeface="PingFang SC"/>
-            </a:endParaRPr>
-          </a:p>
-        </p:txBody>
-      </p:sp>
-      <p:sp>
-        <p:nvSpPr>
-          <p:cNvPr id="4" name="文本框 3"/>
+          <p:cNvPr id="3" name="文本框 2">
+            <a:extLst>
+              <a:ext uri="{FF2B5EF4-FFF2-40B4-BE49-F238E27FC236}">
+                <a16:creationId xmlns:a16="http://schemas.microsoft.com/office/drawing/2014/main" id="{2A55D6AD-4159-4D98-B61A-8BB814535F46}"/>
+              </a:ext>
+            </a:extLst>
+          </p:cNvPr>
           <p:cNvSpPr txBox="1"/>
           <p:nvPr/>
         </p:nvSpPr>
         <p:spPr>
           <a:xfrm>
             <a:off x="707571" y="529525"/>
-            <a:ext cx="2646878" cy="584775"/>
+            <a:ext cx="1826141" cy="584775"/>
           </a:xfrm>
           <a:prstGeom prst="rect">
             <a:avLst/>
@@ -17650,26 +18126,996 @@
                 <a:latin typeface="幼圆" panose="02010509060101010101" pitchFamily="49" charset="-122"/>
                 <a:ea typeface="幼圆" panose="02010509060101010101" pitchFamily="49" charset="-122"/>
               </a:rPr>
-              <a:t>黑盒测试技术</a:t>
+              <a:t>测试数据</a:t>
             </a:r>
           </a:p>
         </p:txBody>
       </p:sp>
+      <p:graphicFrame>
+        <p:nvGraphicFramePr>
+          <p:cNvPr id="4" name="表格 3">
+            <a:extLst>
+              <a:ext uri="{FF2B5EF4-FFF2-40B4-BE49-F238E27FC236}">
+                <a16:creationId xmlns:a16="http://schemas.microsoft.com/office/drawing/2014/main" id="{009491D3-3E49-468E-ABF3-36345555A9E9}"/>
+              </a:ext>
+            </a:extLst>
+          </p:cNvPr>
+          <p:cNvGraphicFramePr>
+            <a:graphicFrameLocks noGrp="1"/>
+          </p:cNvGraphicFramePr>
+          <p:nvPr>
+            <p:extLst>
+              <p:ext uri="{D42A27DB-BD31-4B8C-83A1-F6EECF244321}">
+                <p14:modId xmlns:p14="http://schemas.microsoft.com/office/powerpoint/2010/main" val="4240107335"/>
+              </p:ext>
+            </p:extLst>
+          </p:nvPr>
+        </p:nvGraphicFramePr>
+        <p:xfrm>
+          <a:off x="2683580" y="382555"/>
+          <a:ext cx="9362239" cy="6267860"/>
+        </p:xfrm>
+        <a:graphic>
+          <a:graphicData uri="http://schemas.openxmlformats.org/drawingml/2006/table">
+            <a:tbl>
+              <a:tblPr>
+                <a:tableStyleId>{5C22544A-7EE6-4342-B048-85BDC9FD1C3A}</a:tableStyleId>
+              </a:tblPr>
+              <a:tblGrid>
+                <a:gridCol w="1298995">
+                  <a:extLst>
+                    <a:ext uri="{9D8B030D-6E8A-4147-A177-3AD203B41FA5}">
+                      <a16:colId xmlns:a16="http://schemas.microsoft.com/office/drawing/2014/main" val="259562469"/>
+                    </a:ext>
+                  </a:extLst>
+                </a:gridCol>
+                <a:gridCol w="1485163">
+                  <a:extLst>
+                    <a:ext uri="{9D8B030D-6E8A-4147-A177-3AD203B41FA5}">
+                      <a16:colId xmlns:a16="http://schemas.microsoft.com/office/drawing/2014/main" val="2942164253"/>
+                    </a:ext>
+                  </a:extLst>
+                </a:gridCol>
+                <a:gridCol w="2677886">
+                  <a:extLst>
+                    <a:ext uri="{9D8B030D-6E8A-4147-A177-3AD203B41FA5}">
+                      <a16:colId xmlns:a16="http://schemas.microsoft.com/office/drawing/2014/main" val="3114115386"/>
+                    </a:ext>
+                  </a:extLst>
+                </a:gridCol>
+                <a:gridCol w="3900195">
+                  <a:extLst>
+                    <a:ext uri="{9D8B030D-6E8A-4147-A177-3AD203B41FA5}">
+                      <a16:colId xmlns:a16="http://schemas.microsoft.com/office/drawing/2014/main" val="1955319895"/>
+                    </a:ext>
+                  </a:extLst>
+                </a:gridCol>
+              </a:tblGrid>
+              <a:tr h="243206">
+                <a:tc gridSpan="2">
+                  <a:txBody>
+                    <a:bodyPr/>
+                    <a:lstStyle/>
+                    <a:p>
+                      <a:pPr algn="just"/>
+                      <a:r>
+                        <a:rPr lang="en-US" sz="1600" kern="100">
+                          <a:effectLst/>
+                        </a:rPr>
+                        <a:t> </a:t>
+                      </a:r>
+                      <a:endParaRPr lang="zh-CN" sz="1600" kern="100">
+                        <a:effectLst/>
+                        <a:latin typeface="等线" panose="02010600030101010101" pitchFamily="2" charset="-122"/>
+                        <a:ea typeface="等线" panose="02010600030101010101" pitchFamily="2" charset="-122"/>
+                        <a:cs typeface="Times New Roman" panose="02020603050405020304" pitchFamily="18" charset="0"/>
+                      </a:endParaRPr>
+                    </a:p>
+                  </a:txBody>
+                  <a:tcPr marL="53868" marR="53868" marT="0" marB="0"/>
+                </a:tc>
+                <a:tc hMerge="1">
+                  <a:txBody>
+                    <a:bodyPr/>
+                    <a:lstStyle/>
+                    <a:p>
+                      <a:endParaRPr lang="zh-CN" altLang="en-US"/>
+                    </a:p>
+                  </a:txBody>
+                  <a:tcPr/>
+                </a:tc>
+                <a:tc>
+                  <a:txBody>
+                    <a:bodyPr/>
+                    <a:lstStyle/>
+                    <a:p>
+                      <a:pPr algn="ctr"/>
+                      <a:r>
+                        <a:rPr lang="zh-CN" sz="3200" kern="100">
+                          <a:effectLst/>
+                        </a:rPr>
+                        <a:t>测试数据</a:t>
+                      </a:r>
+                      <a:endParaRPr lang="zh-CN" sz="1600" kern="100">
+                        <a:effectLst/>
+                        <a:latin typeface="等线" panose="02010600030101010101" pitchFamily="2" charset="-122"/>
+                        <a:ea typeface="等线" panose="02010600030101010101" pitchFamily="2" charset="-122"/>
+                        <a:cs typeface="Times New Roman" panose="02020603050405020304" pitchFamily="18" charset="0"/>
+                      </a:endParaRPr>
+                    </a:p>
+                  </a:txBody>
+                  <a:tcPr marL="53868" marR="53868" marT="0" marB="0"/>
+                </a:tc>
+                <a:tc>
+                  <a:txBody>
+                    <a:bodyPr/>
+                    <a:lstStyle/>
+                    <a:p>
+                      <a:pPr algn="ctr"/>
+                      <a:r>
+                        <a:rPr lang="zh-CN" sz="3200" kern="100">
+                          <a:effectLst/>
+                        </a:rPr>
+                        <a:t>预期结果</a:t>
+                      </a:r>
+                      <a:endParaRPr lang="zh-CN" sz="1600" kern="100">
+                        <a:effectLst/>
+                        <a:latin typeface="等线" panose="02010600030101010101" pitchFamily="2" charset="-122"/>
+                        <a:ea typeface="等线" panose="02010600030101010101" pitchFamily="2" charset="-122"/>
+                        <a:cs typeface="Times New Roman" panose="02020603050405020304" pitchFamily="18" charset="0"/>
+                      </a:endParaRPr>
+                    </a:p>
+                  </a:txBody>
+                  <a:tcPr marL="53868" marR="53868" marT="0" marB="0"/>
+                </a:tc>
+                <a:extLst>
+                  <a:ext uri="{0D108BD9-81ED-4DB2-BD59-A6C34878D82A}">
+                    <a16:rowId xmlns:a16="http://schemas.microsoft.com/office/drawing/2014/main" val="1267143012"/>
+                  </a:ext>
+                </a:extLst>
+              </a:tr>
+              <a:tr h="450647">
+                <a:tc rowSpan="6">
+                  <a:txBody>
+                    <a:bodyPr/>
+                    <a:lstStyle/>
+                    <a:p>
+                      <a:pPr algn="just"/>
+                      <a:r>
+                        <a:rPr lang="en-US" sz="1600" kern="100">
+                          <a:effectLst/>
+                        </a:rPr>
+                        <a:t>4</a:t>
+                      </a:r>
+                      <a:endParaRPr lang="zh-CN" sz="1600" kern="100">
+                        <a:effectLst/>
+                      </a:endParaRPr>
+                    </a:p>
+                    <a:p>
+                      <a:pPr algn="just"/>
+                      <a:r>
+                        <a:rPr lang="zh-CN" sz="1600" kern="100">
+                          <a:effectLst/>
+                        </a:rPr>
+                        <a:t>个人中心</a:t>
+                      </a:r>
+                      <a:endParaRPr lang="zh-CN" sz="1600" kern="100">
+                        <a:effectLst/>
+                        <a:latin typeface="等线" panose="02010600030101010101" pitchFamily="2" charset="-122"/>
+                        <a:ea typeface="等线" panose="02010600030101010101" pitchFamily="2" charset="-122"/>
+                        <a:cs typeface="Times New Roman" panose="02020603050405020304" pitchFamily="18" charset="0"/>
+                      </a:endParaRPr>
+                    </a:p>
+                  </a:txBody>
+                  <a:tcPr marL="53868" marR="53868" marT="0" marB="0"/>
+                </a:tc>
+                <a:tc>
+                  <a:txBody>
+                    <a:bodyPr/>
+                    <a:lstStyle/>
+                    <a:p>
+                      <a:pPr algn="just"/>
+                      <a:r>
+                        <a:rPr lang="en-US" sz="1600" kern="100">
+                          <a:effectLst/>
+                        </a:rPr>
+                        <a:t>8</a:t>
+                      </a:r>
+                      <a:r>
+                        <a:rPr lang="zh-CN" sz="1600" kern="100">
+                          <a:effectLst/>
+                        </a:rPr>
+                        <a:t>个人资料</a:t>
+                      </a:r>
+                      <a:endParaRPr lang="zh-CN" sz="1600" kern="100">
+                        <a:effectLst/>
+                        <a:latin typeface="等线" panose="02010600030101010101" pitchFamily="2" charset="-122"/>
+                        <a:ea typeface="等线" panose="02010600030101010101" pitchFamily="2" charset="-122"/>
+                        <a:cs typeface="Times New Roman" panose="02020603050405020304" pitchFamily="18" charset="0"/>
+                      </a:endParaRPr>
+                    </a:p>
+                  </a:txBody>
+                  <a:tcPr marL="53868" marR="53868" marT="0" marB="0"/>
+                </a:tc>
+                <a:tc>
+                  <a:txBody>
+                    <a:bodyPr/>
+                    <a:lstStyle/>
+                    <a:p>
+                      <a:pPr algn="just"/>
+                      <a:r>
+                        <a:rPr lang="en-US" sz="1600" kern="100">
+                          <a:effectLst/>
+                        </a:rPr>
+                        <a:t>Username:1321</a:t>
+                      </a:r>
+                      <a:r>
+                        <a:rPr lang="zh-CN" sz="1600" kern="100">
+                          <a:effectLst/>
+                        </a:rPr>
+                        <a:t>选择</a:t>
+                      </a:r>
+                      <a:r>
+                        <a:rPr lang="en-US" sz="1600" kern="100">
+                          <a:effectLst/>
+                        </a:rPr>
+                        <a:t>usersex</a:t>
+                      </a:r>
+                      <a:endParaRPr lang="zh-CN" sz="1600" kern="100">
+                        <a:effectLst/>
+                        <a:latin typeface="等线" panose="02010600030101010101" pitchFamily="2" charset="-122"/>
+                        <a:ea typeface="等线" panose="02010600030101010101" pitchFamily="2" charset="-122"/>
+                        <a:cs typeface="Times New Roman" panose="02020603050405020304" pitchFamily="18" charset="0"/>
+                      </a:endParaRPr>
+                    </a:p>
+                  </a:txBody>
+                  <a:tcPr marL="53868" marR="53868" marT="0" marB="0"/>
+                </a:tc>
+                <a:tc>
+                  <a:txBody>
+                    <a:bodyPr/>
+                    <a:lstStyle/>
+                    <a:p>
+                      <a:pPr algn="just"/>
+                      <a:r>
+                        <a:rPr lang="zh-CN" sz="1600" kern="100">
+                          <a:effectLst/>
+                        </a:rPr>
+                        <a:t>能正确读入</a:t>
+                      </a:r>
+                      <a:r>
+                        <a:rPr lang="en-US" sz="1600" kern="100">
+                          <a:effectLst/>
+                        </a:rPr>
+                        <a:t>user</a:t>
+                      </a:r>
+                      <a:r>
+                        <a:rPr lang="zh-CN" sz="1600" kern="100">
+                          <a:effectLst/>
+                        </a:rPr>
+                        <a:t>表内用户信息，修改用户信息成功，数据同左</a:t>
+                      </a:r>
+                      <a:endParaRPr lang="zh-CN" sz="1600" kern="100">
+                        <a:effectLst/>
+                        <a:latin typeface="等线" panose="02010600030101010101" pitchFamily="2" charset="-122"/>
+                        <a:ea typeface="等线" panose="02010600030101010101" pitchFamily="2" charset="-122"/>
+                        <a:cs typeface="Times New Roman" panose="02020603050405020304" pitchFamily="18" charset="0"/>
+                      </a:endParaRPr>
+                    </a:p>
+                  </a:txBody>
+                  <a:tcPr marL="53868" marR="53868" marT="0" marB="0"/>
+                </a:tc>
+                <a:extLst>
+                  <a:ext uri="{0D108BD9-81ED-4DB2-BD59-A6C34878D82A}">
+                    <a16:rowId xmlns:a16="http://schemas.microsoft.com/office/drawing/2014/main" val="3802875145"/>
+                  </a:ext>
+                </a:extLst>
+              </a:tr>
+              <a:tr h="1051510">
+                <a:tc vMerge="1">
+                  <a:txBody>
+                    <a:bodyPr/>
+                    <a:lstStyle/>
+                    <a:p>
+                      <a:endParaRPr lang="zh-CN" altLang="en-US"/>
+                    </a:p>
+                  </a:txBody>
+                  <a:tcPr/>
+                </a:tc>
+                <a:tc>
+                  <a:txBody>
+                    <a:bodyPr/>
+                    <a:lstStyle/>
+                    <a:p>
+                      <a:pPr algn="just"/>
+                      <a:r>
+                        <a:rPr lang="en-US" sz="1600" kern="100" dirty="0">
+                          <a:effectLst/>
+                        </a:rPr>
+                        <a:t>9</a:t>
+                      </a:r>
+                      <a:r>
+                        <a:rPr lang="zh-CN" sz="1600" kern="100" dirty="0">
+                          <a:effectLst/>
+                        </a:rPr>
+                        <a:t>修改密码</a:t>
+                      </a:r>
+                      <a:endParaRPr lang="zh-CN" sz="1600" kern="100" dirty="0">
+                        <a:effectLst/>
+                        <a:latin typeface="等线" panose="02010600030101010101" pitchFamily="2" charset="-122"/>
+                        <a:ea typeface="等线" panose="02010600030101010101" pitchFamily="2" charset="-122"/>
+                        <a:cs typeface="Times New Roman" panose="02020603050405020304" pitchFamily="18" charset="0"/>
+                      </a:endParaRPr>
+                    </a:p>
+                  </a:txBody>
+                  <a:tcPr marL="53868" marR="53868" marT="0" marB="0"/>
+                </a:tc>
+                <a:tc>
+                  <a:txBody>
+                    <a:bodyPr/>
+                    <a:lstStyle/>
+                    <a:p>
+                      <a:pPr algn="just"/>
+                      <a:r>
+                        <a:rPr lang="en-US" sz="1600" kern="100">
+                          <a:effectLst/>
+                        </a:rPr>
+                        <a:t>Oldpwd:132456/wrong</a:t>
+                      </a:r>
+                      <a:endParaRPr lang="zh-CN" sz="1600" kern="100">
+                        <a:effectLst/>
+                      </a:endParaRPr>
+                    </a:p>
+                    <a:p>
+                      <a:pPr algn="just"/>
+                      <a:r>
+                        <a:rPr lang="en-US" sz="1600" kern="100">
+                          <a:effectLst/>
+                        </a:rPr>
+                        <a:t>Userpwd:1321321</a:t>
+                      </a:r>
+                      <a:endParaRPr lang="zh-CN" sz="1600" kern="100">
+                        <a:effectLst/>
+                      </a:endParaRPr>
+                    </a:p>
+                    <a:p>
+                      <a:pPr algn="just"/>
+                      <a:r>
+                        <a:rPr lang="en-US" sz="1600" kern="100">
+                          <a:effectLst/>
+                        </a:rPr>
+                        <a:t>AgainUserpwd:555555</a:t>
+                      </a:r>
+                      <a:endParaRPr lang="zh-CN" sz="1600" kern="100">
+                        <a:effectLst/>
+                      </a:endParaRPr>
+                    </a:p>
+                    <a:p>
+                      <a:pPr algn="just"/>
+                      <a:r>
+                        <a:rPr lang="en-US" sz="1600" kern="100">
+                          <a:effectLst/>
+                        </a:rPr>
+                        <a:t> </a:t>
+                      </a:r>
+                      <a:endParaRPr lang="zh-CN" sz="1600" kern="100">
+                        <a:effectLst/>
+                      </a:endParaRPr>
+                    </a:p>
+                    <a:p>
+                      <a:pPr algn="just"/>
+                      <a:r>
+                        <a:rPr lang="en-US" sz="1600" kern="100">
+                          <a:effectLst/>
+                        </a:rPr>
+                        <a:t>Oldpwd2:132456/right</a:t>
+                      </a:r>
+                      <a:endParaRPr lang="zh-CN" sz="1600" kern="100">
+                        <a:effectLst/>
+                      </a:endParaRPr>
+                    </a:p>
+                    <a:p>
+                      <a:pPr algn="just"/>
+                      <a:r>
+                        <a:rPr lang="en-US" sz="1600" kern="100">
+                          <a:effectLst/>
+                        </a:rPr>
+                        <a:t>Userpwd2:1321321</a:t>
+                      </a:r>
+                      <a:endParaRPr lang="zh-CN" sz="1600" kern="100">
+                        <a:effectLst/>
+                      </a:endParaRPr>
+                    </a:p>
+                    <a:p>
+                      <a:pPr algn="just"/>
+                      <a:r>
+                        <a:rPr lang="en-US" sz="1600" kern="100">
+                          <a:effectLst/>
+                        </a:rPr>
+                        <a:t>AgainUserpwd:1321321</a:t>
+                      </a:r>
+                      <a:endParaRPr lang="zh-CN" sz="1600" kern="100">
+                        <a:effectLst/>
+                        <a:latin typeface="等线" panose="02010600030101010101" pitchFamily="2" charset="-122"/>
+                        <a:ea typeface="等线" panose="02010600030101010101" pitchFamily="2" charset="-122"/>
+                        <a:cs typeface="Times New Roman" panose="02020603050405020304" pitchFamily="18" charset="0"/>
+                      </a:endParaRPr>
+                    </a:p>
+                  </a:txBody>
+                  <a:tcPr marL="53868" marR="53868" marT="0" marB="0"/>
+                </a:tc>
+                <a:tc>
+                  <a:txBody>
+                    <a:bodyPr/>
+                    <a:lstStyle/>
+                    <a:p>
+                      <a:pPr algn="just"/>
+                      <a:r>
+                        <a:rPr lang="zh-CN" sz="1600" kern="100">
+                          <a:effectLst/>
+                        </a:rPr>
+                        <a:t>对旧密码能够正确比对，错误则提示；重复密码能正确比对，错误则提示；操作成功后</a:t>
+                      </a:r>
+                      <a:r>
+                        <a:rPr lang="en-US" sz="1600" kern="100">
+                          <a:effectLst/>
+                        </a:rPr>
+                        <a:t>User</a:t>
+                      </a:r>
+                      <a:r>
+                        <a:rPr lang="zh-CN" sz="1600" kern="100">
+                          <a:effectLst/>
+                        </a:rPr>
+                        <a:t>表更新当前登录用户的密码</a:t>
+                      </a:r>
+                      <a:endParaRPr lang="zh-CN" sz="1600" kern="100">
+                        <a:effectLst/>
+                        <a:latin typeface="等线" panose="02010600030101010101" pitchFamily="2" charset="-122"/>
+                        <a:ea typeface="等线" panose="02010600030101010101" pitchFamily="2" charset="-122"/>
+                        <a:cs typeface="Times New Roman" panose="02020603050405020304" pitchFamily="18" charset="0"/>
+                      </a:endParaRPr>
+                    </a:p>
+                  </a:txBody>
+                  <a:tcPr marL="53868" marR="53868" marT="0" marB="0"/>
+                </a:tc>
+                <a:extLst>
+                  <a:ext uri="{0D108BD9-81ED-4DB2-BD59-A6C34878D82A}">
+                    <a16:rowId xmlns:a16="http://schemas.microsoft.com/office/drawing/2014/main" val="3860080655"/>
+                  </a:ext>
+                </a:extLst>
+              </a:tr>
+              <a:tr h="751079">
+                <a:tc vMerge="1">
+                  <a:txBody>
+                    <a:bodyPr/>
+                    <a:lstStyle/>
+                    <a:p>
+                      <a:endParaRPr lang="zh-CN" altLang="en-US"/>
+                    </a:p>
+                  </a:txBody>
+                  <a:tcPr/>
+                </a:tc>
+                <a:tc>
+                  <a:txBody>
+                    <a:bodyPr/>
+                    <a:lstStyle/>
+                    <a:p>
+                      <a:pPr algn="just"/>
+                      <a:r>
+                        <a:rPr lang="en-US" sz="1600" kern="100">
+                          <a:effectLst/>
+                        </a:rPr>
+                        <a:t>10</a:t>
+                      </a:r>
+                      <a:r>
+                        <a:rPr lang="zh-CN" sz="1600" kern="100">
+                          <a:effectLst/>
+                        </a:rPr>
+                        <a:t>我的表白墙</a:t>
+                      </a:r>
+                      <a:endParaRPr lang="zh-CN" sz="1600" kern="100">
+                        <a:effectLst/>
+                        <a:latin typeface="等线" panose="02010600030101010101" pitchFamily="2" charset="-122"/>
+                        <a:ea typeface="等线" panose="02010600030101010101" pitchFamily="2" charset="-122"/>
+                        <a:cs typeface="Times New Roman" panose="02020603050405020304" pitchFamily="18" charset="0"/>
+                      </a:endParaRPr>
+                    </a:p>
+                  </a:txBody>
+                  <a:tcPr marL="53868" marR="53868" marT="0" marB="0"/>
+                </a:tc>
+                <a:tc>
+                  <a:txBody>
+                    <a:bodyPr/>
+                    <a:lstStyle/>
+                    <a:p>
+                      <a:pPr algn="just"/>
+                      <a:r>
+                        <a:rPr lang="zh-CN" sz="1600" kern="100">
+                          <a:effectLst/>
+                        </a:rPr>
+                        <a:t>点击操作即可（查看、删除）</a:t>
+                      </a:r>
+                      <a:endParaRPr lang="zh-CN" sz="1600" kern="100">
+                        <a:effectLst/>
+                        <a:latin typeface="等线" panose="02010600030101010101" pitchFamily="2" charset="-122"/>
+                        <a:ea typeface="等线" panose="02010600030101010101" pitchFamily="2" charset="-122"/>
+                        <a:cs typeface="Times New Roman" panose="02020603050405020304" pitchFamily="18" charset="0"/>
+                      </a:endParaRPr>
+                    </a:p>
+                  </a:txBody>
+                  <a:tcPr marL="53868" marR="53868" marT="0" marB="0"/>
+                </a:tc>
+                <a:tc>
+                  <a:txBody>
+                    <a:bodyPr/>
+                    <a:lstStyle/>
+                    <a:p>
+                      <a:pPr algn="just"/>
+                      <a:r>
+                        <a:rPr lang="zh-CN" sz="1600" kern="100">
+                          <a:effectLst/>
+                        </a:rPr>
+                        <a:t>能正确读入</a:t>
+                      </a:r>
+                      <a:r>
+                        <a:rPr lang="en-US" sz="1600" kern="100">
+                          <a:effectLst/>
+                        </a:rPr>
+                        <a:t>wall</a:t>
+                      </a:r>
+                      <a:r>
+                        <a:rPr lang="zh-CN" sz="1600" kern="100">
+                          <a:effectLst/>
+                        </a:rPr>
+                        <a:t>表中</a:t>
+                      </a:r>
+                      <a:r>
+                        <a:rPr lang="en-US" sz="1600" kern="100">
+                          <a:effectLst/>
+                        </a:rPr>
+                        <a:t>walluserid==</a:t>
+                      </a:r>
+                      <a:r>
+                        <a:rPr lang="zh-CN" sz="1600" kern="100">
+                          <a:effectLst/>
+                        </a:rPr>
+                        <a:t>当前用户</a:t>
+                      </a:r>
+                      <a:r>
+                        <a:rPr lang="en-US" sz="1600" kern="100">
+                          <a:effectLst/>
+                        </a:rPr>
+                        <a:t>ID</a:t>
+                      </a:r>
+                      <a:r>
+                        <a:rPr lang="zh-CN" sz="1600" kern="100">
+                          <a:effectLst/>
+                        </a:rPr>
+                        <a:t>的所有表白墙，删除后</a:t>
+                      </a:r>
+                      <a:r>
+                        <a:rPr lang="en-US" sz="1600" kern="100">
+                          <a:effectLst/>
+                        </a:rPr>
+                        <a:t>wall</a:t>
+                      </a:r>
+                      <a:r>
+                        <a:rPr lang="zh-CN" sz="1600" kern="100">
+                          <a:effectLst/>
+                        </a:rPr>
+                        <a:t>表中正确删除所选表白墙</a:t>
+                      </a:r>
+                      <a:endParaRPr lang="zh-CN" sz="1600" kern="100">
+                        <a:effectLst/>
+                        <a:latin typeface="等线" panose="02010600030101010101" pitchFamily="2" charset="-122"/>
+                        <a:ea typeface="等线" panose="02010600030101010101" pitchFamily="2" charset="-122"/>
+                        <a:cs typeface="Times New Roman" panose="02020603050405020304" pitchFamily="18" charset="0"/>
+                      </a:endParaRPr>
+                    </a:p>
+                  </a:txBody>
+                  <a:tcPr marL="53868" marR="53868" marT="0" marB="0"/>
+                </a:tc>
+                <a:extLst>
+                  <a:ext uri="{0D108BD9-81ED-4DB2-BD59-A6C34878D82A}">
+                    <a16:rowId xmlns:a16="http://schemas.microsoft.com/office/drawing/2014/main" val="2730023742"/>
+                  </a:ext>
+                </a:extLst>
+              </a:tr>
+              <a:tr h="751079">
+                <a:tc vMerge="1">
+                  <a:txBody>
+                    <a:bodyPr/>
+                    <a:lstStyle/>
+                    <a:p>
+                      <a:endParaRPr lang="zh-CN" altLang="en-US"/>
+                    </a:p>
+                  </a:txBody>
+                  <a:tcPr/>
+                </a:tc>
+                <a:tc>
+                  <a:txBody>
+                    <a:bodyPr/>
+                    <a:lstStyle/>
+                    <a:p>
+                      <a:pPr algn="just"/>
+                      <a:r>
+                        <a:rPr lang="en-US" sz="1600" kern="100">
+                          <a:effectLst/>
+                        </a:rPr>
+                        <a:t>11</a:t>
+                      </a:r>
+                      <a:r>
+                        <a:rPr lang="zh-CN" sz="1600" kern="100">
+                          <a:effectLst/>
+                        </a:rPr>
+                        <a:t>我的收藏</a:t>
+                      </a:r>
+                      <a:endParaRPr lang="zh-CN" sz="1600" kern="100">
+                        <a:effectLst/>
+                        <a:latin typeface="等线" panose="02010600030101010101" pitchFamily="2" charset="-122"/>
+                        <a:ea typeface="等线" panose="02010600030101010101" pitchFamily="2" charset="-122"/>
+                        <a:cs typeface="Times New Roman" panose="02020603050405020304" pitchFamily="18" charset="0"/>
+                      </a:endParaRPr>
+                    </a:p>
+                  </a:txBody>
+                  <a:tcPr marL="53868" marR="53868" marT="0" marB="0"/>
+                </a:tc>
+                <a:tc>
+                  <a:txBody>
+                    <a:bodyPr/>
+                    <a:lstStyle/>
+                    <a:p>
+                      <a:pPr algn="just"/>
+                      <a:r>
+                        <a:rPr lang="zh-CN" sz="1600" kern="100">
+                          <a:effectLst/>
+                        </a:rPr>
+                        <a:t>点击操作即可（查看、删除）</a:t>
+                      </a:r>
+                      <a:endParaRPr lang="zh-CN" sz="1600" kern="100">
+                        <a:effectLst/>
+                        <a:latin typeface="等线" panose="02010600030101010101" pitchFamily="2" charset="-122"/>
+                        <a:ea typeface="等线" panose="02010600030101010101" pitchFamily="2" charset="-122"/>
+                        <a:cs typeface="Times New Roman" panose="02020603050405020304" pitchFamily="18" charset="0"/>
+                      </a:endParaRPr>
+                    </a:p>
+                  </a:txBody>
+                  <a:tcPr marL="53868" marR="53868" marT="0" marB="0"/>
+                </a:tc>
+                <a:tc>
+                  <a:txBody>
+                    <a:bodyPr/>
+                    <a:lstStyle/>
+                    <a:p>
+                      <a:pPr algn="just"/>
+                      <a:r>
+                        <a:rPr lang="zh-CN" sz="1600" kern="100">
+                          <a:effectLst/>
+                        </a:rPr>
+                        <a:t>能正确读入</a:t>
+                      </a:r>
+                      <a:r>
+                        <a:rPr lang="en-US" sz="1600" kern="100">
+                          <a:effectLst/>
+                        </a:rPr>
+                        <a:t>collection</a:t>
+                      </a:r>
+                      <a:r>
+                        <a:rPr lang="zh-CN" sz="1600" kern="100">
+                          <a:effectLst/>
+                        </a:rPr>
+                        <a:t>表中当前用户</a:t>
+                      </a:r>
+                      <a:r>
+                        <a:rPr lang="en-US" sz="1600" kern="100">
+                          <a:effectLst/>
+                        </a:rPr>
+                        <a:t>ID</a:t>
+                      </a:r>
+                      <a:r>
+                        <a:rPr lang="zh-CN" sz="1600" kern="100">
+                          <a:effectLst/>
+                        </a:rPr>
+                        <a:t>的所有收藏表白墙，删除后</a:t>
+                      </a:r>
+                      <a:r>
+                        <a:rPr lang="en-US" sz="1600" kern="100">
+                          <a:effectLst/>
+                        </a:rPr>
+                        <a:t>collection</a:t>
+                      </a:r>
+                      <a:r>
+                        <a:rPr lang="zh-CN" sz="1600" kern="100">
+                          <a:effectLst/>
+                        </a:rPr>
+                        <a:t>表中正确删除所选表白墙</a:t>
+                      </a:r>
+                      <a:endParaRPr lang="zh-CN" sz="1600" kern="100">
+                        <a:effectLst/>
+                        <a:latin typeface="等线" panose="02010600030101010101" pitchFamily="2" charset="-122"/>
+                        <a:ea typeface="等线" panose="02010600030101010101" pitchFamily="2" charset="-122"/>
+                        <a:cs typeface="Times New Roman" panose="02020603050405020304" pitchFamily="18" charset="0"/>
+                      </a:endParaRPr>
+                    </a:p>
+                  </a:txBody>
+                  <a:tcPr marL="53868" marR="53868" marT="0" marB="0"/>
+                </a:tc>
+                <a:extLst>
+                  <a:ext uri="{0D108BD9-81ED-4DB2-BD59-A6C34878D82A}">
+                    <a16:rowId xmlns:a16="http://schemas.microsoft.com/office/drawing/2014/main" val="1418644995"/>
+                  </a:ext>
+                </a:extLst>
+              </a:tr>
+              <a:tr h="600863">
+                <a:tc vMerge="1">
+                  <a:txBody>
+                    <a:bodyPr/>
+                    <a:lstStyle/>
+                    <a:p>
+                      <a:endParaRPr lang="zh-CN" altLang="en-US"/>
+                    </a:p>
+                  </a:txBody>
+                  <a:tcPr/>
+                </a:tc>
+                <a:tc>
+                  <a:txBody>
+                    <a:bodyPr/>
+                    <a:lstStyle/>
+                    <a:p>
+                      <a:pPr algn="just"/>
+                      <a:r>
+                        <a:rPr lang="en-US" sz="1600" kern="100">
+                          <a:effectLst/>
+                        </a:rPr>
+                        <a:t>12</a:t>
+                      </a:r>
+                      <a:r>
+                        <a:rPr lang="zh-CN" sz="1600" kern="100">
+                          <a:effectLst/>
+                        </a:rPr>
+                        <a:t>我的评论</a:t>
+                      </a:r>
+                      <a:endParaRPr lang="zh-CN" sz="1600" kern="100">
+                        <a:effectLst/>
+                        <a:latin typeface="等线" panose="02010600030101010101" pitchFamily="2" charset="-122"/>
+                        <a:ea typeface="等线" panose="02010600030101010101" pitchFamily="2" charset="-122"/>
+                        <a:cs typeface="Times New Roman" panose="02020603050405020304" pitchFamily="18" charset="0"/>
+                      </a:endParaRPr>
+                    </a:p>
+                  </a:txBody>
+                  <a:tcPr marL="53868" marR="53868" marT="0" marB="0"/>
+                </a:tc>
+                <a:tc>
+                  <a:txBody>
+                    <a:bodyPr/>
+                    <a:lstStyle/>
+                    <a:p>
+                      <a:pPr algn="just"/>
+                      <a:r>
+                        <a:rPr lang="zh-CN" sz="1600" kern="100">
+                          <a:effectLst/>
+                        </a:rPr>
+                        <a:t>点击操作即可（查看、删除）</a:t>
+                      </a:r>
+                      <a:endParaRPr lang="zh-CN" sz="1600" kern="100">
+                        <a:effectLst/>
+                        <a:latin typeface="等线" panose="02010600030101010101" pitchFamily="2" charset="-122"/>
+                        <a:ea typeface="等线" panose="02010600030101010101" pitchFamily="2" charset="-122"/>
+                        <a:cs typeface="Times New Roman" panose="02020603050405020304" pitchFamily="18" charset="0"/>
+                      </a:endParaRPr>
+                    </a:p>
+                  </a:txBody>
+                  <a:tcPr marL="53868" marR="53868" marT="0" marB="0"/>
+                </a:tc>
+                <a:tc>
+                  <a:txBody>
+                    <a:bodyPr/>
+                    <a:lstStyle/>
+                    <a:p>
+                      <a:pPr algn="just"/>
+                      <a:r>
+                        <a:rPr lang="zh-CN" sz="1600" kern="100">
+                          <a:effectLst/>
+                        </a:rPr>
+                        <a:t>能正确读入</a:t>
+                      </a:r>
+                      <a:r>
+                        <a:rPr lang="en-US" sz="1600" kern="100">
+                          <a:effectLst/>
+                        </a:rPr>
+                        <a:t>reply</a:t>
+                      </a:r>
+                      <a:r>
+                        <a:rPr lang="zh-CN" sz="1600" kern="100">
+                          <a:effectLst/>
+                        </a:rPr>
+                        <a:t>表中当前用户</a:t>
+                      </a:r>
+                      <a:r>
+                        <a:rPr lang="en-US" sz="1600" kern="100">
+                          <a:effectLst/>
+                        </a:rPr>
+                        <a:t>ID</a:t>
+                      </a:r>
+                      <a:r>
+                        <a:rPr lang="zh-CN" sz="1600" kern="100">
+                          <a:effectLst/>
+                        </a:rPr>
+                        <a:t>的所有收藏表白墙，删除后</a:t>
+                      </a:r>
+                      <a:r>
+                        <a:rPr lang="en-US" sz="1600" kern="100">
+                          <a:effectLst/>
+                        </a:rPr>
+                        <a:t>reply</a:t>
+                      </a:r>
+                      <a:r>
+                        <a:rPr lang="zh-CN" sz="1600" kern="100">
+                          <a:effectLst/>
+                        </a:rPr>
+                        <a:t>表中正确删除所选表白墙</a:t>
+                      </a:r>
+                      <a:endParaRPr lang="zh-CN" sz="1600" kern="100">
+                        <a:effectLst/>
+                        <a:latin typeface="等线" panose="02010600030101010101" pitchFamily="2" charset="-122"/>
+                        <a:ea typeface="等线" panose="02010600030101010101" pitchFamily="2" charset="-122"/>
+                        <a:cs typeface="Times New Roman" panose="02020603050405020304" pitchFamily="18" charset="0"/>
+                      </a:endParaRPr>
+                    </a:p>
+                  </a:txBody>
+                  <a:tcPr marL="53868" marR="53868" marT="0" marB="0"/>
+                </a:tc>
+                <a:extLst>
+                  <a:ext uri="{0D108BD9-81ED-4DB2-BD59-A6C34878D82A}">
+                    <a16:rowId xmlns:a16="http://schemas.microsoft.com/office/drawing/2014/main" val="539582593"/>
+                  </a:ext>
+                </a:extLst>
+              </a:tr>
+              <a:tr h="1351942">
+                <a:tc vMerge="1">
+                  <a:txBody>
+                    <a:bodyPr/>
+                    <a:lstStyle/>
+                    <a:p>
+                      <a:endParaRPr lang="zh-CN" altLang="en-US"/>
+                    </a:p>
+                  </a:txBody>
+                  <a:tcPr/>
+                </a:tc>
+                <a:tc>
+                  <a:txBody>
+                    <a:bodyPr/>
+                    <a:lstStyle/>
+                    <a:p>
+                      <a:pPr algn="just"/>
+                      <a:r>
+                        <a:rPr lang="en-US" sz="1600" kern="100">
+                          <a:effectLst/>
+                        </a:rPr>
+                        <a:t>13</a:t>
+                      </a:r>
+                      <a:r>
+                        <a:rPr lang="zh-CN" sz="1600" kern="100">
+                          <a:effectLst/>
+                        </a:rPr>
+                        <a:t>认领</a:t>
+                      </a:r>
+                      <a:endParaRPr lang="zh-CN" sz="1600" kern="100">
+                        <a:effectLst/>
+                        <a:latin typeface="等线" panose="02010600030101010101" pitchFamily="2" charset="-122"/>
+                        <a:ea typeface="等线" panose="02010600030101010101" pitchFamily="2" charset="-122"/>
+                        <a:cs typeface="Times New Roman" panose="02020603050405020304" pitchFamily="18" charset="0"/>
+                      </a:endParaRPr>
+                    </a:p>
+                  </a:txBody>
+                  <a:tcPr marL="53868" marR="53868" marT="0" marB="0"/>
+                </a:tc>
+                <a:tc>
+                  <a:txBody>
+                    <a:bodyPr/>
+                    <a:lstStyle/>
+                    <a:p>
+                      <a:pPr algn="just"/>
+                      <a:r>
+                        <a:rPr lang="zh-CN" sz="1600" kern="100">
+                          <a:effectLst/>
+                        </a:rPr>
+                        <a:t>点击操作即可（查看、同意）</a:t>
+                      </a:r>
+                      <a:endParaRPr lang="zh-CN" sz="1600" kern="100">
+                        <a:effectLst/>
+                        <a:latin typeface="等线" panose="02010600030101010101" pitchFamily="2" charset="-122"/>
+                        <a:ea typeface="等线" panose="02010600030101010101" pitchFamily="2" charset="-122"/>
+                        <a:cs typeface="Times New Roman" panose="02020603050405020304" pitchFamily="18" charset="0"/>
+                      </a:endParaRPr>
+                    </a:p>
+                  </a:txBody>
+                  <a:tcPr marL="53868" marR="53868" marT="0" marB="0"/>
+                </a:tc>
+                <a:tc>
+                  <a:txBody>
+                    <a:bodyPr/>
+                    <a:lstStyle/>
+                    <a:p>
+                      <a:pPr algn="just"/>
+                      <a:r>
+                        <a:rPr lang="zh-CN" sz="1600" kern="100" dirty="0">
+                          <a:effectLst/>
+                        </a:rPr>
+                        <a:t>能正确读入</a:t>
+                      </a:r>
+                      <a:r>
+                        <a:rPr lang="en-US" sz="1600" kern="100" dirty="0">
+                          <a:effectLst/>
+                        </a:rPr>
+                        <a:t>choose</a:t>
+                      </a:r>
+                      <a:r>
+                        <a:rPr lang="zh-CN" sz="1600" kern="100" dirty="0">
+                          <a:effectLst/>
+                        </a:rPr>
+                        <a:t>表中当前用户</a:t>
+                      </a:r>
+                      <a:r>
+                        <a:rPr lang="en-US" sz="1600" kern="100" dirty="0">
+                          <a:effectLst/>
+                        </a:rPr>
+                        <a:t>ID</a:t>
+                      </a:r>
+                      <a:r>
+                        <a:rPr lang="zh-CN" sz="1600" kern="100" dirty="0">
+                          <a:effectLst/>
+                        </a:rPr>
+                        <a:t>所关联的</a:t>
+                      </a:r>
+                      <a:r>
+                        <a:rPr lang="en-US" sz="1600" kern="100" dirty="0">
+                          <a:effectLst/>
+                        </a:rPr>
+                        <a:t>wall</a:t>
+                      </a:r>
+                      <a:r>
+                        <a:rPr lang="zh-CN" sz="1600" kern="100" dirty="0">
+                          <a:effectLst/>
+                        </a:rPr>
+                        <a:t>，分别为我认领的与认领我的，同意后，相关表白墙在缘来是你展示，并且状态改为已认领，我认领的与认领我的界面不再展示状态已认领的表白墙</a:t>
+                      </a:r>
+                      <a:endParaRPr lang="zh-CN" sz="1600" kern="100" dirty="0">
+                        <a:effectLst/>
+                        <a:latin typeface="等线" panose="02010600030101010101" pitchFamily="2" charset="-122"/>
+                        <a:ea typeface="等线" panose="02010600030101010101" pitchFamily="2" charset="-122"/>
+                        <a:cs typeface="Times New Roman" panose="02020603050405020304" pitchFamily="18" charset="0"/>
+                      </a:endParaRPr>
+                    </a:p>
+                  </a:txBody>
+                  <a:tcPr marL="53868" marR="53868" marT="0" marB="0"/>
+                </a:tc>
+                <a:extLst>
+                  <a:ext uri="{0D108BD9-81ED-4DB2-BD59-A6C34878D82A}">
+                    <a16:rowId xmlns:a16="http://schemas.microsoft.com/office/drawing/2014/main" val="3715801042"/>
+                  </a:ext>
+                </a:extLst>
+              </a:tr>
+            </a:tbl>
+          </a:graphicData>
+        </a:graphic>
+      </p:graphicFrame>
     </p:spTree>
+    <p:extLst>
+      <p:ext uri="{BB962C8B-B14F-4D97-AF65-F5344CB8AC3E}">
+        <p14:creationId xmlns:p14="http://schemas.microsoft.com/office/powerpoint/2010/main" val="3488824570"/>
+      </p:ext>
+    </p:extLst>
   </p:cSld>
   <p:clrMapOvr>
     <a:masterClrMapping/>
   </p:clrMapOvr>
-  <mc:AlternateContent xmlns:mc="http://schemas.openxmlformats.org/markup-compatibility/2006" xmlns:p15="http://schemas.microsoft.com/office/powerpoint/2012/main">
-    <mc:Choice Requires="p15">
-      <p:transition xmlns:p14="http://schemas.microsoft.com/office/powerpoint/2010/main" spd="slow" p14:dur="2000" advTm="0">
-        <p15:prstTrans prst="drape"/>
-      </p:transition>
+  <mc:AlternateContent xmlns:mc="http://schemas.openxmlformats.org/markup-compatibility/2006" xmlns:p14="http://schemas.microsoft.com/office/powerpoint/2010/main">
+    <mc:Choice Requires="p14">
+      <p:transition spd="slow" p14:dur="2000" advTm="0"/>
     </mc:Choice>
     <mc:Fallback xmlns="">
-      <p:transition spd="slow" advTm="0">
-        <p:fade/>
-      </p:transition>
+      <p:transition spd="slow" advTm="0"/>
     </mc:Fallback>
   </mc:AlternateContent>
 </p:sld>
@@ -17981,288 +19427,20 @@
       </p:grpSpPr>
       <p:sp>
         <p:nvSpPr>
-          <p:cNvPr id="11" name="矩形 10"/>
-          <p:cNvSpPr/>
-          <p:nvPr/>
-        </p:nvSpPr>
-        <p:spPr>
-          <a:xfrm>
-            <a:off x="707571" y="1407446"/>
-            <a:ext cx="10776857" cy="5546134"/>
-          </a:xfrm>
-          <a:prstGeom prst="rect">
-            <a:avLst/>
-          </a:prstGeom>
-        </p:spPr>
-        <p:txBody>
-          <a:bodyPr wrap="square">
-            <a:spAutoFit/>
-          </a:bodyPr>
-          <a:lstStyle/>
-          <a:p>
-            <a:pPr>
-              <a:lnSpc>
-                <a:spcPct val="200000"/>
-              </a:lnSpc>
-            </a:pPr>
-            <a:r>
-              <a:rPr lang="zh-CN" altLang="en-US" sz="2000" b="1" dirty="0">
-                <a:solidFill>
-                  <a:schemeClr val="bg1">
-                    <a:lumMod val="65000"/>
-                  </a:schemeClr>
-                </a:solidFill>
-                <a:latin typeface="PingFang SC"/>
-              </a:rPr>
-              <a:t>等价划分</a:t>
-            </a:r>
-            <a:r>
-              <a:rPr lang="zh-CN" altLang="en-US" sz="2000" dirty="0">
-                <a:solidFill>
-                  <a:schemeClr val="bg1">
-                    <a:lumMod val="65000"/>
-                  </a:schemeClr>
-                </a:solidFill>
-                <a:latin typeface="PingFang SC"/>
-              </a:rPr>
-              <a:t>：</a:t>
-            </a:r>
-          </a:p>
-          <a:p>
-            <a:pPr>
-              <a:lnSpc>
-                <a:spcPct val="200000"/>
-              </a:lnSpc>
-            </a:pPr>
-            <a:r>
-              <a:rPr lang="zh-CN" altLang="en-US" sz="2000" dirty="0">
-                <a:solidFill>
-                  <a:schemeClr val="bg1">
-                    <a:lumMod val="65000"/>
-                  </a:schemeClr>
-                </a:solidFill>
-                <a:latin typeface="PingFang SC"/>
-              </a:rPr>
-              <a:t>等价划分是一种黑盒测试技术</a:t>
-            </a:r>
-            <a:r>
-              <a:rPr lang="en-US" altLang="zh-CN" sz="2000" dirty="0">
-                <a:solidFill>
-                  <a:schemeClr val="bg1">
-                    <a:lumMod val="65000"/>
-                  </a:schemeClr>
-                </a:solidFill>
-                <a:latin typeface="PingFang SC"/>
-              </a:rPr>
-              <a:t>,</a:t>
-            </a:r>
-            <a:r>
-              <a:rPr lang="zh-CN" altLang="en-US" sz="2000" dirty="0">
-                <a:solidFill>
-                  <a:schemeClr val="bg1">
-                    <a:lumMod val="65000"/>
-                  </a:schemeClr>
-                </a:solidFill>
-                <a:latin typeface="PingFang SC"/>
-              </a:rPr>
-              <a:t>把程序的输入域划分成若干个数据类</a:t>
-            </a:r>
-            <a:r>
-              <a:rPr lang="en-US" altLang="zh-CN" sz="2000" dirty="0">
-                <a:solidFill>
-                  <a:schemeClr val="bg1">
-                    <a:lumMod val="65000"/>
-                  </a:schemeClr>
-                </a:solidFill>
-                <a:latin typeface="PingFang SC"/>
-              </a:rPr>
-              <a:t>,</a:t>
-            </a:r>
-            <a:r>
-              <a:rPr lang="zh-CN" altLang="en-US" sz="2000" dirty="0">
-                <a:solidFill>
-                  <a:schemeClr val="bg1">
-                    <a:lumMod val="65000"/>
-                  </a:schemeClr>
-                </a:solidFill>
-                <a:latin typeface="PingFang SC"/>
-              </a:rPr>
-              <a:t>据此导出测试用例。</a:t>
-            </a:r>
-          </a:p>
-          <a:p>
-            <a:pPr>
-              <a:lnSpc>
-                <a:spcPct val="200000"/>
-              </a:lnSpc>
-            </a:pPr>
-            <a:r>
-              <a:rPr lang="zh-CN" altLang="en-US" sz="2000" dirty="0">
-                <a:solidFill>
-                  <a:schemeClr val="bg1">
-                    <a:lumMod val="65000"/>
-                  </a:schemeClr>
-                </a:solidFill>
-                <a:latin typeface="PingFang SC"/>
-              </a:rPr>
-              <a:t>等价划分法力图设计出能发现若干类错误的测试用例</a:t>
-            </a:r>
-            <a:r>
-              <a:rPr lang="en-US" altLang="zh-CN" sz="2000" dirty="0">
-                <a:solidFill>
-                  <a:schemeClr val="bg1">
-                    <a:lumMod val="65000"/>
-                  </a:schemeClr>
-                </a:solidFill>
-                <a:latin typeface="PingFang SC"/>
-              </a:rPr>
-              <a:t>,</a:t>
-            </a:r>
-            <a:r>
-              <a:rPr lang="zh-CN" altLang="en-US" sz="2000" dirty="0">
-                <a:solidFill>
-                  <a:schemeClr val="bg1">
-                    <a:lumMod val="65000"/>
-                  </a:schemeClr>
-                </a:solidFill>
-                <a:latin typeface="PingFang SC"/>
-              </a:rPr>
-              <a:t>从而减少测试用例的数目。</a:t>
-            </a:r>
-          </a:p>
-          <a:p>
-            <a:pPr>
-              <a:lnSpc>
-                <a:spcPct val="200000"/>
-              </a:lnSpc>
-            </a:pPr>
-            <a:r>
-              <a:rPr lang="zh-CN" altLang="en-US" sz="2000" dirty="0">
-                <a:solidFill>
-                  <a:schemeClr val="bg1">
-                    <a:lumMod val="65000"/>
-                  </a:schemeClr>
-                </a:solidFill>
-                <a:latin typeface="PingFang SC"/>
-              </a:rPr>
-              <a:t>每类中的一个典型值在测试中的作用与这类中所有其他值的作用相同。</a:t>
-            </a:r>
-          </a:p>
-          <a:p>
-            <a:pPr>
-              <a:lnSpc>
-                <a:spcPct val="200000"/>
-              </a:lnSpc>
-            </a:pPr>
-            <a:r>
-              <a:rPr lang="zh-CN" altLang="en-US" sz="2000" dirty="0">
-                <a:solidFill>
-                  <a:schemeClr val="bg1">
-                    <a:lumMod val="65000"/>
-                  </a:schemeClr>
-                </a:solidFill>
-                <a:latin typeface="PingFang SC"/>
-              </a:rPr>
-              <a:t>使用等价划分法设计测试方案首先需要划分输入数据的等价类。</a:t>
-            </a:r>
-          </a:p>
-          <a:p>
-            <a:pPr>
-              <a:lnSpc>
-                <a:spcPct val="200000"/>
-              </a:lnSpc>
-            </a:pPr>
-            <a:r>
-              <a:rPr lang="zh-CN" altLang="en-US" sz="2000" dirty="0">
-                <a:solidFill>
-                  <a:schemeClr val="bg1">
-                    <a:lumMod val="65000"/>
-                  </a:schemeClr>
-                </a:solidFill>
-                <a:latin typeface="PingFang SC"/>
-              </a:rPr>
-              <a:t>常常还需要分析输出数据的等价类</a:t>
-            </a:r>
-            <a:r>
-              <a:rPr lang="en-US" altLang="zh-CN" sz="2000" dirty="0">
-                <a:solidFill>
-                  <a:schemeClr val="bg1">
-                    <a:lumMod val="65000"/>
-                  </a:schemeClr>
-                </a:solidFill>
-                <a:latin typeface="PingFang SC"/>
-              </a:rPr>
-              <a:t>,</a:t>
-            </a:r>
-            <a:r>
-              <a:rPr lang="zh-CN" altLang="en-US" sz="2000" dirty="0">
-                <a:solidFill>
-                  <a:schemeClr val="bg1">
-                    <a:lumMod val="65000"/>
-                  </a:schemeClr>
-                </a:solidFill>
-                <a:latin typeface="PingFang SC"/>
-              </a:rPr>
-              <a:t>以便根据输出数据的等价类导出对应的输入数据等价类。</a:t>
-            </a:r>
-          </a:p>
-          <a:p>
-            <a:pPr>
-              <a:lnSpc>
-                <a:spcPct val="200000"/>
-              </a:lnSpc>
-            </a:pPr>
-            <a:endParaRPr lang="zh-CN" altLang="en-US" sz="2000" dirty="0">
-              <a:solidFill>
-                <a:schemeClr val="bg1">
-                  <a:lumMod val="65000"/>
-                </a:schemeClr>
-              </a:solidFill>
-              <a:latin typeface="PingFang SC"/>
-            </a:endParaRPr>
-          </a:p>
-          <a:p>
-            <a:pPr>
-              <a:lnSpc>
-                <a:spcPct val="200000"/>
-              </a:lnSpc>
-            </a:pPr>
-            <a:endParaRPr lang="en-US" altLang="zh-CN" sz="2000" dirty="0">
-              <a:solidFill>
-                <a:schemeClr val="bg1">
-                  <a:lumMod val="65000"/>
-                </a:schemeClr>
-              </a:solidFill>
-              <a:latin typeface="PingFang SC"/>
-            </a:endParaRPr>
-          </a:p>
-          <a:p>
-            <a:pPr>
-              <a:lnSpc>
-                <a:spcPct val="200000"/>
-              </a:lnSpc>
-            </a:pPr>
-            <a:endParaRPr lang="en-US" altLang="zh-CN" sz="2000" dirty="0">
-              <a:solidFill>
-                <a:schemeClr val="bg1">
-                  <a:lumMod val="65000"/>
-                </a:schemeClr>
-              </a:solidFill>
-              <a:latin typeface="PingFang SC"/>
-            </a:endParaRPr>
-          </a:p>
-        </p:txBody>
-      </p:sp>
-      <p:sp>
-        <p:nvSpPr>
-          <p:cNvPr id="4" name="文本框 3"/>
+          <p:cNvPr id="3" name="文本框 2">
+            <a:extLst>
+              <a:ext uri="{FF2B5EF4-FFF2-40B4-BE49-F238E27FC236}">
+                <a16:creationId xmlns:a16="http://schemas.microsoft.com/office/drawing/2014/main" id="{2A55D6AD-4159-4D98-B61A-8BB814535F46}"/>
+              </a:ext>
+            </a:extLst>
+          </p:cNvPr>
           <p:cNvSpPr txBox="1"/>
           <p:nvPr/>
         </p:nvSpPr>
         <p:spPr>
           <a:xfrm>
             <a:off x="707571" y="529525"/>
-            <a:ext cx="2646878" cy="584775"/>
+            <a:ext cx="1826141" cy="584775"/>
           </a:xfrm>
           <a:prstGeom prst="rect">
             <a:avLst/>
@@ -18286,26 +19464,706 @@
                 <a:latin typeface="幼圆" panose="02010509060101010101" pitchFamily="49" charset="-122"/>
                 <a:ea typeface="幼圆" panose="02010509060101010101" pitchFamily="49" charset="-122"/>
               </a:rPr>
-              <a:t>黑盒测试技术</a:t>
+              <a:t>测试数据</a:t>
             </a:r>
           </a:p>
         </p:txBody>
       </p:sp>
+      <p:graphicFrame>
+        <p:nvGraphicFramePr>
+          <p:cNvPr id="2" name="表格 1">
+            <a:extLst>
+              <a:ext uri="{FF2B5EF4-FFF2-40B4-BE49-F238E27FC236}">
+                <a16:creationId xmlns:a16="http://schemas.microsoft.com/office/drawing/2014/main" id="{631718E4-C7E9-42FA-9E7A-375F26C7462E}"/>
+              </a:ext>
+            </a:extLst>
+          </p:cNvPr>
+          <p:cNvGraphicFramePr>
+            <a:graphicFrameLocks noGrp="1"/>
+          </p:cNvGraphicFramePr>
+          <p:nvPr>
+            <p:extLst>
+              <p:ext uri="{D42A27DB-BD31-4B8C-83A1-F6EECF244321}">
+                <p14:modId xmlns:p14="http://schemas.microsoft.com/office/powerpoint/2010/main" val="2109500972"/>
+              </p:ext>
+            </p:extLst>
+          </p:nvPr>
+        </p:nvGraphicFramePr>
+        <p:xfrm>
+          <a:off x="2533712" y="605418"/>
+          <a:ext cx="9530769" cy="5852160"/>
+        </p:xfrm>
+        <a:graphic>
+          <a:graphicData uri="http://schemas.openxmlformats.org/drawingml/2006/table">
+            <a:tbl>
+              <a:tblPr>
+                <a:tableStyleId>{5C22544A-7EE6-4342-B048-85BDC9FD1C3A}</a:tableStyleId>
+              </a:tblPr>
+              <a:tblGrid>
+                <a:gridCol w="1322378">
+                  <a:extLst>
+                    <a:ext uri="{9D8B030D-6E8A-4147-A177-3AD203B41FA5}">
+                      <a16:colId xmlns:a16="http://schemas.microsoft.com/office/drawing/2014/main" val="3477611231"/>
+                    </a:ext>
+                  </a:extLst>
+                </a:gridCol>
+                <a:gridCol w="2609223">
+                  <a:extLst>
+                    <a:ext uri="{9D8B030D-6E8A-4147-A177-3AD203B41FA5}">
+                      <a16:colId xmlns:a16="http://schemas.microsoft.com/office/drawing/2014/main" val="2543043593"/>
+                    </a:ext>
+                  </a:extLst>
+                </a:gridCol>
+                <a:gridCol w="2799584">
+                  <a:extLst>
+                    <a:ext uri="{9D8B030D-6E8A-4147-A177-3AD203B41FA5}">
+                      <a16:colId xmlns:a16="http://schemas.microsoft.com/office/drawing/2014/main" val="3219050752"/>
+                    </a:ext>
+                  </a:extLst>
+                </a:gridCol>
+                <a:gridCol w="2799584">
+                  <a:extLst>
+                    <a:ext uri="{9D8B030D-6E8A-4147-A177-3AD203B41FA5}">
+                      <a16:colId xmlns:a16="http://schemas.microsoft.com/office/drawing/2014/main" val="2403277086"/>
+                    </a:ext>
+                  </a:extLst>
+                </a:gridCol>
+              </a:tblGrid>
+              <a:tr h="198120">
+                <a:tc rowSpan="3">
+                  <a:txBody>
+                    <a:bodyPr/>
+                    <a:lstStyle/>
+                    <a:p>
+                      <a:pPr algn="just"/>
+                      <a:r>
+                        <a:rPr lang="en-US" sz="1600" kern="100">
+                          <a:effectLst/>
+                        </a:rPr>
+                        <a:t>7</a:t>
+                      </a:r>
+                      <a:endParaRPr lang="zh-CN" sz="1600" kern="100">
+                        <a:effectLst/>
+                      </a:endParaRPr>
+                    </a:p>
+                    <a:p>
+                      <a:pPr algn="just"/>
+                      <a:r>
+                        <a:rPr lang="zh-CN" sz="1600" kern="100">
+                          <a:effectLst/>
+                        </a:rPr>
+                        <a:t>管理员</a:t>
+                      </a:r>
+                      <a:endParaRPr lang="zh-CN" sz="1600" kern="100">
+                        <a:effectLst/>
+                        <a:latin typeface="等线" panose="02010600030101010101" pitchFamily="2" charset="-122"/>
+                        <a:ea typeface="等线" panose="02010600030101010101" pitchFamily="2" charset="-122"/>
+                        <a:cs typeface="Times New Roman" panose="02020603050405020304" pitchFamily="18" charset="0"/>
+                      </a:endParaRPr>
+                    </a:p>
+                  </a:txBody>
+                  <a:tcPr marL="68580" marR="68580" marT="0" marB="0"/>
+                </a:tc>
+                <a:tc>
+                  <a:txBody>
+                    <a:bodyPr/>
+                    <a:lstStyle/>
+                    <a:p>
+                      <a:pPr algn="just"/>
+                      <a:r>
+                        <a:rPr lang="en-US" sz="1600" kern="100">
+                          <a:effectLst/>
+                        </a:rPr>
+                        <a:t>16</a:t>
+                      </a:r>
+                      <a:r>
+                        <a:rPr lang="zh-CN" sz="1600" kern="100">
+                          <a:effectLst/>
+                        </a:rPr>
+                        <a:t>用户管理</a:t>
+                      </a:r>
+                      <a:endParaRPr lang="zh-CN" sz="1600" kern="100">
+                        <a:effectLst/>
+                        <a:latin typeface="等线" panose="02010600030101010101" pitchFamily="2" charset="-122"/>
+                        <a:ea typeface="等线" panose="02010600030101010101" pitchFamily="2" charset="-122"/>
+                        <a:cs typeface="Times New Roman" panose="02020603050405020304" pitchFamily="18" charset="0"/>
+                      </a:endParaRPr>
+                    </a:p>
+                  </a:txBody>
+                  <a:tcPr marL="68580" marR="68580" marT="0" marB="0"/>
+                </a:tc>
+                <a:tc>
+                  <a:txBody>
+                    <a:bodyPr/>
+                    <a:lstStyle/>
+                    <a:p>
+                      <a:pPr algn="just"/>
+                      <a:r>
+                        <a:rPr lang="zh-CN" sz="1600" kern="100" dirty="0">
+                          <a:effectLst/>
+                        </a:rPr>
+                        <a:t>查询（点击）</a:t>
+                      </a:r>
+                    </a:p>
+                    <a:p>
+                      <a:pPr algn="just"/>
+                      <a:r>
+                        <a:rPr lang="en-US" sz="1600" kern="100" dirty="0">
+                          <a:effectLst/>
+                        </a:rPr>
+                        <a:t>123123</a:t>
+                      </a:r>
+                      <a:endParaRPr lang="zh-CN" sz="1600" kern="100" dirty="0">
+                        <a:effectLst/>
+                      </a:endParaRPr>
+                    </a:p>
+                    <a:p>
+                      <a:pPr algn="just"/>
+                      <a:r>
+                        <a:rPr lang="zh-CN" sz="1600" kern="100" dirty="0">
+                          <a:effectLst/>
+                        </a:rPr>
+                        <a:t>编辑（点击）</a:t>
+                      </a:r>
+                    </a:p>
+                    <a:p>
+                      <a:pPr algn="just"/>
+                      <a:r>
+                        <a:rPr lang="en-US" sz="1600" kern="100" dirty="0">
+                          <a:effectLst/>
+                        </a:rPr>
+                        <a:t>Userid31901209 userpwd:123456</a:t>
+                      </a:r>
+                      <a:endParaRPr lang="zh-CN" sz="1600" kern="100" dirty="0">
+                        <a:effectLst/>
+                      </a:endParaRPr>
+                    </a:p>
+                    <a:p>
+                      <a:pPr algn="just"/>
+                      <a:r>
+                        <a:rPr lang="en-US" sz="1600" kern="100" dirty="0" err="1">
+                          <a:effectLst/>
+                        </a:rPr>
+                        <a:t>Username:wlx</a:t>
+                      </a:r>
+                      <a:r>
+                        <a:rPr lang="en-US" sz="1600" kern="100" dirty="0">
+                          <a:effectLst/>
+                        </a:rPr>
+                        <a:t> </a:t>
+                      </a:r>
+                      <a:endParaRPr lang="zh-CN" sz="1600" kern="100" dirty="0">
+                        <a:effectLst/>
+                      </a:endParaRPr>
+                    </a:p>
+                    <a:p>
+                      <a:pPr algn="just"/>
+                      <a:r>
+                        <a:rPr lang="en-US" sz="1600" kern="100" dirty="0" err="1">
+                          <a:effectLst/>
+                        </a:rPr>
+                        <a:t>usersex</a:t>
+                      </a:r>
+                      <a:r>
+                        <a:rPr lang="en-US" sz="1600" kern="100" dirty="0">
+                          <a:effectLst/>
+                        </a:rPr>
+                        <a:t>:</a:t>
+                      </a:r>
+                      <a:r>
+                        <a:rPr lang="zh-CN" sz="1600" kern="100" dirty="0">
+                          <a:effectLst/>
+                        </a:rPr>
+                        <a:t>男</a:t>
+                      </a:r>
+                    </a:p>
+                    <a:p>
+                      <a:pPr algn="just"/>
+                      <a:r>
+                        <a:rPr lang="en-US" sz="1600" kern="100" dirty="0" err="1">
+                          <a:effectLst/>
+                        </a:rPr>
+                        <a:t>userstate</a:t>
+                      </a:r>
+                      <a:r>
+                        <a:rPr lang="zh-CN" sz="1600" kern="100" dirty="0">
+                          <a:effectLst/>
+                        </a:rPr>
+                        <a:t>：冻结</a:t>
+                      </a:r>
+                    </a:p>
+                    <a:p>
+                      <a:pPr algn="just"/>
+                      <a:r>
+                        <a:rPr lang="en-US" sz="1600" kern="100" dirty="0">
+                          <a:effectLst/>
+                        </a:rPr>
+                        <a:t>usersignature:4561651213</a:t>
+                      </a:r>
+                      <a:endParaRPr lang="zh-CN" sz="1600" kern="100" dirty="0">
+                        <a:effectLst/>
+                      </a:endParaRPr>
+                    </a:p>
+                    <a:p>
+                      <a:pPr algn="just"/>
+                      <a:r>
+                        <a:rPr lang="en-US" sz="1600" kern="100" dirty="0" err="1">
+                          <a:effectLst/>
+                        </a:rPr>
+                        <a:t>user_jurisdiction</a:t>
+                      </a:r>
+                      <a:r>
+                        <a:rPr lang="zh-CN" sz="1600" kern="100" dirty="0">
+                          <a:effectLst/>
+                        </a:rPr>
+                        <a:t>：用户</a:t>
+                      </a:r>
+                    </a:p>
+                    <a:p>
+                      <a:pPr algn="just"/>
+                      <a:r>
+                        <a:rPr lang="zh-CN" sz="1600" kern="100" dirty="0">
+                          <a:effectLst/>
+                        </a:rPr>
+                        <a:t>删除（点击）</a:t>
+                      </a:r>
+                      <a:endParaRPr lang="zh-CN" sz="1600" kern="100" dirty="0">
+                        <a:effectLst/>
+                        <a:latin typeface="等线" panose="02010600030101010101" pitchFamily="2" charset="-122"/>
+                        <a:ea typeface="等线" panose="02010600030101010101" pitchFamily="2" charset="-122"/>
+                        <a:cs typeface="Times New Roman" panose="02020603050405020304" pitchFamily="18" charset="0"/>
+                      </a:endParaRPr>
+                    </a:p>
+                  </a:txBody>
+                  <a:tcPr marL="68580" marR="68580" marT="0" marB="0"/>
+                </a:tc>
+                <a:tc>
+                  <a:txBody>
+                    <a:bodyPr/>
+                    <a:lstStyle/>
+                    <a:p>
+                      <a:pPr algn="just"/>
+                      <a:r>
+                        <a:rPr lang="zh-CN" sz="1600" kern="100">
+                          <a:effectLst/>
+                        </a:rPr>
+                        <a:t>能正确读入</a:t>
+                      </a:r>
+                      <a:r>
+                        <a:rPr lang="en-US" sz="1600" kern="100">
+                          <a:effectLst/>
+                        </a:rPr>
+                        <a:t>user</a:t>
+                      </a:r>
+                      <a:r>
+                        <a:rPr lang="zh-CN" sz="1600" kern="100">
+                          <a:effectLst/>
+                        </a:rPr>
+                        <a:t>表中所选用户的所有信息，并且能够根据</a:t>
+                      </a:r>
+                      <a:r>
+                        <a:rPr lang="en-US" sz="1600" kern="100">
+                          <a:effectLst/>
+                        </a:rPr>
+                        <a:t>username</a:t>
+                      </a:r>
+                      <a:r>
+                        <a:rPr lang="zh-CN" sz="1600" kern="100">
+                          <a:effectLst/>
+                        </a:rPr>
+                        <a:t>正确查询、编辑，数据同左，删除后</a:t>
+                      </a:r>
+                      <a:r>
+                        <a:rPr lang="en-US" sz="1600" kern="100">
+                          <a:effectLst/>
+                        </a:rPr>
+                        <a:t>user</a:t>
+                      </a:r>
+                      <a:r>
+                        <a:rPr lang="zh-CN" sz="1600" kern="100">
+                          <a:effectLst/>
+                        </a:rPr>
+                        <a:t>表中正确删除所选用户</a:t>
+                      </a:r>
+                      <a:endParaRPr lang="zh-CN" sz="1600" kern="100">
+                        <a:effectLst/>
+                        <a:latin typeface="等线" panose="02010600030101010101" pitchFamily="2" charset="-122"/>
+                        <a:ea typeface="等线" panose="02010600030101010101" pitchFamily="2" charset="-122"/>
+                        <a:cs typeface="Times New Roman" panose="02020603050405020304" pitchFamily="18" charset="0"/>
+                      </a:endParaRPr>
+                    </a:p>
+                  </a:txBody>
+                  <a:tcPr marL="68580" marR="68580" marT="0" marB="0"/>
+                </a:tc>
+                <a:extLst>
+                  <a:ext uri="{0D108BD9-81ED-4DB2-BD59-A6C34878D82A}">
+                    <a16:rowId xmlns:a16="http://schemas.microsoft.com/office/drawing/2014/main" val="743428127"/>
+                  </a:ext>
+                </a:extLst>
+              </a:tr>
+              <a:tr h="228600">
+                <a:tc vMerge="1">
+                  <a:txBody>
+                    <a:bodyPr/>
+                    <a:lstStyle/>
+                    <a:p>
+                      <a:endParaRPr lang="zh-CN" altLang="en-US"/>
+                    </a:p>
+                  </a:txBody>
+                  <a:tcPr/>
+                </a:tc>
+                <a:tc>
+                  <a:txBody>
+                    <a:bodyPr/>
+                    <a:lstStyle/>
+                    <a:p>
+                      <a:pPr algn="just"/>
+                      <a:r>
+                        <a:rPr lang="en-US" sz="1600" kern="100">
+                          <a:effectLst/>
+                        </a:rPr>
+                        <a:t>17</a:t>
+                      </a:r>
+                      <a:r>
+                        <a:rPr lang="zh-CN" sz="1600" kern="100">
+                          <a:effectLst/>
+                        </a:rPr>
+                        <a:t>表白墙管理</a:t>
+                      </a:r>
+                      <a:endParaRPr lang="zh-CN" sz="1600" kern="100">
+                        <a:effectLst/>
+                        <a:latin typeface="等线" panose="02010600030101010101" pitchFamily="2" charset="-122"/>
+                        <a:ea typeface="等线" panose="02010600030101010101" pitchFamily="2" charset="-122"/>
+                        <a:cs typeface="Times New Roman" panose="02020603050405020304" pitchFamily="18" charset="0"/>
+                      </a:endParaRPr>
+                    </a:p>
+                  </a:txBody>
+                  <a:tcPr marL="68580" marR="68580" marT="0" marB="0"/>
+                </a:tc>
+                <a:tc>
+                  <a:txBody>
+                    <a:bodyPr/>
+                    <a:lstStyle/>
+                    <a:p>
+                      <a:pPr algn="just"/>
+                      <a:r>
+                        <a:rPr lang="zh-CN" sz="1600" kern="100" dirty="0">
+                          <a:effectLst/>
+                        </a:rPr>
+                        <a:t>查询（点击）</a:t>
+                      </a:r>
+                    </a:p>
+                    <a:p>
+                      <a:pPr algn="just"/>
+                      <a:r>
+                        <a:rPr lang="en-US" sz="1600" kern="100" dirty="0">
+                          <a:effectLst/>
+                        </a:rPr>
+                        <a:t>123123</a:t>
+                      </a:r>
+                      <a:endParaRPr lang="zh-CN" sz="1600" kern="100" dirty="0">
+                        <a:effectLst/>
+                      </a:endParaRPr>
+                    </a:p>
+                    <a:p>
+                      <a:pPr algn="just"/>
+                      <a:r>
+                        <a:rPr lang="en-US" sz="1600" kern="100" dirty="0">
+                          <a:effectLst/>
+                        </a:rPr>
+                        <a:t> </a:t>
+                      </a:r>
+                      <a:endParaRPr lang="zh-CN" sz="1600" kern="100" dirty="0">
+                        <a:effectLst/>
+                      </a:endParaRPr>
+                    </a:p>
+                    <a:p>
+                      <a:pPr algn="just"/>
+                      <a:r>
+                        <a:rPr lang="zh-CN" sz="1600" kern="100" dirty="0">
+                          <a:effectLst/>
+                        </a:rPr>
+                        <a:t>状态更改（点击）</a:t>
+                      </a:r>
+                    </a:p>
+                    <a:p>
+                      <a:pPr algn="just"/>
+                      <a:r>
+                        <a:rPr lang="en-US" sz="1600" kern="100" dirty="0" err="1">
+                          <a:effectLst/>
+                        </a:rPr>
+                        <a:t>Choosestate</a:t>
+                      </a:r>
+                      <a:r>
+                        <a:rPr lang="zh-CN" sz="1600" kern="100" dirty="0">
+                          <a:effectLst/>
+                        </a:rPr>
+                        <a:t>：已认领</a:t>
+                      </a:r>
+                    </a:p>
+                    <a:p>
+                      <a:pPr algn="just"/>
+                      <a:r>
+                        <a:rPr lang="en-US" sz="1600" kern="100" dirty="0" err="1">
+                          <a:effectLst/>
+                        </a:rPr>
+                        <a:t>Wallstate</a:t>
+                      </a:r>
+                      <a:r>
+                        <a:rPr lang="zh-CN" sz="1600" kern="100" dirty="0">
+                          <a:effectLst/>
+                        </a:rPr>
+                        <a:t>：精选</a:t>
+                      </a:r>
+                    </a:p>
+                    <a:p>
+                      <a:pPr algn="just"/>
+                      <a:r>
+                        <a:rPr lang="zh-CN" sz="1600" kern="100" dirty="0">
+                          <a:effectLst/>
+                        </a:rPr>
+                        <a:t>删除（点击）</a:t>
+                      </a:r>
+                      <a:endParaRPr lang="zh-CN" sz="1600" kern="100" dirty="0">
+                        <a:effectLst/>
+                        <a:latin typeface="等线" panose="02010600030101010101" pitchFamily="2" charset="-122"/>
+                        <a:ea typeface="等线" panose="02010600030101010101" pitchFamily="2" charset="-122"/>
+                        <a:cs typeface="Times New Roman" panose="02020603050405020304" pitchFamily="18" charset="0"/>
+                      </a:endParaRPr>
+                    </a:p>
+                  </a:txBody>
+                  <a:tcPr marL="68580" marR="68580" marT="0" marB="0"/>
+                </a:tc>
+                <a:tc>
+                  <a:txBody>
+                    <a:bodyPr/>
+                    <a:lstStyle/>
+                    <a:p>
+                      <a:pPr algn="just"/>
+                      <a:r>
+                        <a:rPr lang="zh-CN" sz="1600" kern="100">
+                          <a:effectLst/>
+                        </a:rPr>
+                        <a:t>能正确读入</a:t>
+                      </a:r>
+                      <a:r>
+                        <a:rPr lang="en-US" sz="1600" kern="100">
+                          <a:effectLst/>
+                        </a:rPr>
+                        <a:t>wall</a:t>
+                      </a:r>
+                      <a:r>
+                        <a:rPr lang="zh-CN" sz="1600" kern="100">
+                          <a:effectLst/>
+                        </a:rPr>
+                        <a:t>表中所有表白墙，并且能够根据</a:t>
+                      </a:r>
+                      <a:r>
+                        <a:rPr lang="en-US" sz="1600" kern="100">
+                          <a:effectLst/>
+                        </a:rPr>
+                        <a:t>wallcontentitle</a:t>
+                      </a:r>
+                      <a:r>
+                        <a:rPr lang="zh-CN" sz="1600" kern="100">
+                          <a:effectLst/>
+                        </a:rPr>
+                        <a:t>正确查询，编辑状态，数据同左，删除后</a:t>
+                      </a:r>
+                      <a:r>
+                        <a:rPr lang="en-US" sz="1600" kern="100">
+                          <a:effectLst/>
+                        </a:rPr>
+                        <a:t>wall</a:t>
+                      </a:r>
+                      <a:r>
+                        <a:rPr lang="zh-CN" sz="1600" kern="100">
+                          <a:effectLst/>
+                        </a:rPr>
+                        <a:t>表中正确删除所选表白墙</a:t>
+                      </a:r>
+                      <a:endParaRPr lang="zh-CN" sz="1600" kern="100">
+                        <a:effectLst/>
+                        <a:latin typeface="等线" panose="02010600030101010101" pitchFamily="2" charset="-122"/>
+                        <a:ea typeface="等线" panose="02010600030101010101" pitchFamily="2" charset="-122"/>
+                        <a:cs typeface="Times New Roman" panose="02020603050405020304" pitchFamily="18" charset="0"/>
+                      </a:endParaRPr>
+                    </a:p>
+                  </a:txBody>
+                  <a:tcPr marL="68580" marR="68580" marT="0" marB="0"/>
+                </a:tc>
+                <a:extLst>
+                  <a:ext uri="{0D108BD9-81ED-4DB2-BD59-A6C34878D82A}">
+                    <a16:rowId xmlns:a16="http://schemas.microsoft.com/office/drawing/2014/main" val="3164829004"/>
+                  </a:ext>
+                </a:extLst>
+              </a:tr>
+              <a:tr h="281940">
+                <a:tc vMerge="1">
+                  <a:txBody>
+                    <a:bodyPr/>
+                    <a:lstStyle/>
+                    <a:p>
+                      <a:endParaRPr lang="zh-CN" altLang="en-US"/>
+                    </a:p>
+                  </a:txBody>
+                  <a:tcPr/>
+                </a:tc>
+                <a:tc>
+                  <a:txBody>
+                    <a:bodyPr/>
+                    <a:lstStyle/>
+                    <a:p>
+                      <a:pPr algn="just"/>
+                      <a:r>
+                        <a:rPr lang="en-US" sz="1600" kern="100">
+                          <a:effectLst/>
+                        </a:rPr>
+                        <a:t>18</a:t>
+                      </a:r>
+                      <a:r>
+                        <a:rPr lang="zh-CN" sz="1600" kern="100">
+                          <a:effectLst/>
+                        </a:rPr>
+                        <a:t>反馈管理</a:t>
+                      </a:r>
+                      <a:endParaRPr lang="zh-CN" sz="1600" kern="100">
+                        <a:effectLst/>
+                        <a:latin typeface="等线" panose="02010600030101010101" pitchFamily="2" charset="-122"/>
+                        <a:ea typeface="等线" panose="02010600030101010101" pitchFamily="2" charset="-122"/>
+                        <a:cs typeface="Times New Roman" panose="02020603050405020304" pitchFamily="18" charset="0"/>
+                      </a:endParaRPr>
+                    </a:p>
+                  </a:txBody>
+                  <a:tcPr marL="68580" marR="68580" marT="0" marB="0"/>
+                </a:tc>
+                <a:tc>
+                  <a:txBody>
+                    <a:bodyPr/>
+                    <a:lstStyle/>
+                    <a:p>
+                      <a:pPr algn="just"/>
+                      <a:r>
+                        <a:rPr lang="zh-CN" sz="1600" kern="100">
+                          <a:effectLst/>
+                        </a:rPr>
+                        <a:t>查询（点击）</a:t>
+                      </a:r>
+                    </a:p>
+                    <a:p>
+                      <a:pPr algn="just"/>
+                      <a:r>
+                        <a:rPr lang="en-US" sz="1600" kern="100">
+                          <a:effectLst/>
+                        </a:rPr>
+                        <a:t>123123</a:t>
+                      </a:r>
+                      <a:endParaRPr lang="zh-CN" sz="1600" kern="100">
+                        <a:effectLst/>
+                      </a:endParaRPr>
+                    </a:p>
+                    <a:p>
+                      <a:pPr algn="just"/>
+                      <a:r>
+                        <a:rPr lang="zh-CN" sz="1600" kern="100">
+                          <a:effectLst/>
+                        </a:rPr>
+                        <a:t>删除（点击）</a:t>
+                      </a:r>
+                      <a:endParaRPr lang="zh-CN" sz="1600" kern="100">
+                        <a:effectLst/>
+                        <a:latin typeface="等线" panose="02010600030101010101" pitchFamily="2" charset="-122"/>
+                        <a:ea typeface="等线" panose="02010600030101010101" pitchFamily="2" charset="-122"/>
+                        <a:cs typeface="Times New Roman" panose="02020603050405020304" pitchFamily="18" charset="0"/>
+                      </a:endParaRPr>
+                    </a:p>
+                  </a:txBody>
+                  <a:tcPr marL="68580" marR="68580" marT="0" marB="0"/>
+                </a:tc>
+                <a:tc>
+                  <a:txBody>
+                    <a:bodyPr/>
+                    <a:lstStyle/>
+                    <a:p>
+                      <a:pPr algn="just"/>
+                      <a:r>
+                        <a:rPr lang="zh-CN" sz="1600" kern="100" dirty="0">
+                          <a:effectLst/>
+                        </a:rPr>
+                        <a:t>能正确读入</a:t>
+                      </a:r>
+                      <a:r>
+                        <a:rPr lang="en-US" sz="1600" kern="100" dirty="0">
+                          <a:effectLst/>
+                        </a:rPr>
+                        <a:t>feedback</a:t>
+                      </a:r>
+                      <a:r>
+                        <a:rPr lang="zh-CN" sz="1600" kern="100" dirty="0">
+                          <a:effectLst/>
+                        </a:rPr>
+                        <a:t>表中所有反馈，并且能够根据</a:t>
+                      </a:r>
+                      <a:r>
+                        <a:rPr lang="en-US" sz="1600" kern="100" dirty="0" err="1">
+                          <a:effectLst/>
+                        </a:rPr>
+                        <a:t>feedbackuserid</a:t>
+                      </a:r>
+                      <a:r>
+                        <a:rPr lang="zh-CN" sz="1600" kern="100" dirty="0">
+                          <a:effectLst/>
+                        </a:rPr>
+                        <a:t>正确查询，删除后</a:t>
+                      </a:r>
+                      <a:r>
+                        <a:rPr lang="en-US" sz="1600" kern="100" dirty="0">
+                          <a:effectLst/>
+                        </a:rPr>
+                        <a:t>wall</a:t>
+                      </a:r>
+                      <a:r>
+                        <a:rPr lang="zh-CN" sz="1600" kern="100" dirty="0">
+                          <a:effectLst/>
+                        </a:rPr>
+                        <a:t>表中正确删除所选表白墙，点击某条记录后，反馈状态自动更新 已受理</a:t>
+                      </a:r>
+                      <a:endParaRPr lang="zh-CN" sz="1600" kern="100" dirty="0">
+                        <a:effectLst/>
+                        <a:latin typeface="等线" panose="02010600030101010101" pitchFamily="2" charset="-122"/>
+                        <a:ea typeface="等线" panose="02010600030101010101" pitchFamily="2" charset="-122"/>
+                        <a:cs typeface="Times New Roman" panose="02020603050405020304" pitchFamily="18" charset="0"/>
+                      </a:endParaRPr>
+                    </a:p>
+                  </a:txBody>
+                  <a:tcPr marL="68580" marR="68580" marT="0" marB="0"/>
+                </a:tc>
+                <a:extLst>
+                  <a:ext uri="{0D108BD9-81ED-4DB2-BD59-A6C34878D82A}">
+                    <a16:rowId xmlns:a16="http://schemas.microsoft.com/office/drawing/2014/main" val="309880708"/>
+                  </a:ext>
+                </a:extLst>
+              </a:tr>
+            </a:tbl>
+          </a:graphicData>
+        </a:graphic>
+      </p:graphicFrame>
     </p:spTree>
+    <p:extLst>
+      <p:ext uri="{BB962C8B-B14F-4D97-AF65-F5344CB8AC3E}">
+        <p14:creationId xmlns:p14="http://schemas.microsoft.com/office/powerpoint/2010/main" val="1794811807"/>
+      </p:ext>
+    </p:extLst>
   </p:cSld>
   <p:clrMapOvr>
     <a:masterClrMapping/>
   </p:clrMapOvr>
-  <mc:AlternateContent xmlns:mc="http://schemas.openxmlformats.org/markup-compatibility/2006" xmlns:p15="http://schemas.microsoft.com/office/powerpoint/2012/main">
-    <mc:Choice Requires="p15">
-      <p:transition xmlns:p14="http://schemas.microsoft.com/office/powerpoint/2010/main" spd="slow" p14:dur="2000" advTm="0">
-        <p15:prstTrans prst="drape"/>
-      </p:transition>
+  <mc:AlternateContent xmlns:mc="http://schemas.openxmlformats.org/markup-compatibility/2006" xmlns:p14="http://schemas.microsoft.com/office/powerpoint/2010/main">
+    <mc:Choice Requires="p14">
+      <p:transition spd="slow" p14:dur="2000" advTm="0"/>
     </mc:Choice>
     <mc:Fallback xmlns="">
-      <p:transition spd="slow" advTm="0">
-        <p:fade/>
-      </p:transition>
+      <p:transition spd="slow" advTm="0"/>
     </mc:Fallback>
   </mc:AlternateContent>
 </p:sld>
@@ -18336,8 +20194,8 @@
         </p:nvSpPr>
         <p:spPr>
           <a:xfrm>
-            <a:off x="474305" y="950246"/>
-            <a:ext cx="11636830" cy="7392793"/>
+            <a:off x="707571" y="1407446"/>
+            <a:ext cx="10776857" cy="6161687"/>
           </a:xfrm>
           <a:prstGeom prst="rect">
             <a:avLst/>
@@ -18355,29 +20213,51 @@
               </a:lnSpc>
             </a:pPr>
             <a:r>
-              <a:rPr lang="zh-CN" altLang="en-US" dirty="0">
-                <a:solidFill>
-                  <a:schemeClr val="bg1">
-                    <a:lumMod val="65000"/>
-                  </a:schemeClr>
-                </a:solidFill>
-                <a:latin typeface="PingFang SC"/>
-              </a:rPr>
-              <a:t>等价类划分的</a:t>
-            </a:r>
-            <a:r>
-              <a:rPr lang="zh-CN" altLang="en-US" b="1" dirty="0">
-                <a:solidFill>
-                  <a:schemeClr val="bg1">
-                    <a:lumMod val="65000"/>
-                  </a:schemeClr>
-                </a:solidFill>
-                <a:latin typeface="PingFang SC"/>
-              </a:rPr>
-              <a:t>启发式规则</a:t>
-            </a:r>
-            <a:r>
-              <a:rPr lang="en-US" altLang="zh-CN" dirty="0">
+              <a:rPr lang="zh-CN" altLang="en-US" sz="2000" dirty="0">
+                <a:solidFill>
+                  <a:schemeClr val="bg1">
+                    <a:lumMod val="65000"/>
+                  </a:schemeClr>
+                </a:solidFill>
+                <a:latin typeface="PingFang SC"/>
+              </a:rPr>
+              <a:t>黑盒测试着重测试软件功能</a:t>
+            </a:r>
+            <a:r>
+              <a:rPr lang="en-US" altLang="zh-CN" sz="2000" dirty="0">
+                <a:solidFill>
+                  <a:schemeClr val="bg1">
+                    <a:lumMod val="65000"/>
+                  </a:schemeClr>
+                </a:solidFill>
+                <a:latin typeface="PingFang SC"/>
+              </a:rPr>
+              <a:t>,</a:t>
+            </a:r>
+            <a:r>
+              <a:rPr lang="zh-CN" altLang="en-US" sz="2000" b="1" dirty="0">
+                <a:solidFill>
+                  <a:schemeClr val="bg1">
+                    <a:lumMod val="65000"/>
+                  </a:schemeClr>
+                </a:solidFill>
+                <a:latin typeface="PingFang SC"/>
+              </a:rPr>
+              <a:t>错误类型</a:t>
+            </a:r>
+            <a:r>
+              <a:rPr lang="zh-CN" altLang="en-US" sz="2000" dirty="0">
+                <a:solidFill>
+                  <a:schemeClr val="bg1">
+                    <a:lumMod val="65000"/>
+                  </a:schemeClr>
+                </a:solidFill>
+                <a:latin typeface="PingFang SC"/>
+              </a:rPr>
+              <a:t>为</a:t>
+            </a:r>
+            <a:r>
+              <a:rPr lang="en-US" altLang="zh-CN" sz="2000" dirty="0">
                 <a:solidFill>
                   <a:schemeClr val="bg1">
                     <a:lumMod val="65000"/>
@@ -18395,125 +20275,81 @@
               </a:lnSpc>
             </a:pPr>
             <a:r>
-              <a:rPr lang="zh-CN" altLang="en-US" dirty="0">
-                <a:solidFill>
-                  <a:schemeClr val="bg1">
-                    <a:lumMod val="65000"/>
-                  </a:schemeClr>
-                </a:solidFill>
-                <a:latin typeface="PingFang SC"/>
-              </a:rPr>
-              <a:t>如果规定了输入值的范围</a:t>
-            </a:r>
-            <a:r>
-              <a:rPr lang="en-US" altLang="zh-CN" dirty="0">
-                <a:solidFill>
-                  <a:schemeClr val="bg1">
-                    <a:lumMod val="65000"/>
-                  </a:schemeClr>
-                </a:solidFill>
-                <a:latin typeface="PingFang SC"/>
-              </a:rPr>
-              <a:t>,</a:t>
-            </a:r>
-            <a:r>
-              <a:rPr lang="zh-CN" altLang="en-US" dirty="0">
-                <a:solidFill>
-                  <a:schemeClr val="bg1">
-                    <a:lumMod val="65000"/>
-                  </a:schemeClr>
-                </a:solidFill>
-                <a:latin typeface="PingFang SC"/>
-              </a:rPr>
-              <a:t>则可划分出一个有效的等价类</a:t>
-            </a:r>
-            <a:r>
-              <a:rPr lang="en-US" altLang="zh-CN" dirty="0">
-                <a:solidFill>
-                  <a:schemeClr val="bg1">
-                    <a:lumMod val="65000"/>
-                  </a:schemeClr>
-                </a:solidFill>
-                <a:latin typeface="PingFang SC"/>
-              </a:rPr>
-              <a:t>(</a:t>
-            </a:r>
-            <a:r>
-              <a:rPr lang="zh-CN" altLang="en-US" dirty="0">
-                <a:solidFill>
-                  <a:schemeClr val="bg1">
-                    <a:lumMod val="65000"/>
-                  </a:schemeClr>
-                </a:solidFill>
-                <a:latin typeface="PingFang SC"/>
-              </a:rPr>
-              <a:t>输入值在此范围内</a:t>
-            </a:r>
-            <a:r>
-              <a:rPr lang="en-US" altLang="zh-CN" dirty="0">
-                <a:solidFill>
-                  <a:schemeClr val="bg1">
-                    <a:lumMod val="65000"/>
-                  </a:schemeClr>
-                </a:solidFill>
-                <a:latin typeface="PingFang SC"/>
-              </a:rPr>
-              <a:t>),</a:t>
-            </a:r>
-            <a:r>
-              <a:rPr lang="zh-CN" altLang="en-US" dirty="0">
-                <a:solidFill>
-                  <a:schemeClr val="bg1">
-                    <a:lumMod val="65000"/>
-                  </a:schemeClr>
-                </a:solidFill>
-                <a:latin typeface="PingFang SC"/>
-              </a:rPr>
-              <a:t>两个无效的等价类</a:t>
-            </a:r>
-            <a:r>
-              <a:rPr lang="en-US" altLang="zh-CN" dirty="0">
-                <a:solidFill>
-                  <a:schemeClr val="bg1">
-                    <a:lumMod val="65000"/>
-                  </a:schemeClr>
-                </a:solidFill>
-                <a:latin typeface="PingFang SC"/>
-              </a:rPr>
-              <a:t>(</a:t>
-            </a:r>
-            <a:r>
-              <a:rPr lang="zh-CN" altLang="en-US" dirty="0">
-                <a:solidFill>
-                  <a:schemeClr val="bg1">
-                    <a:lumMod val="65000"/>
-                  </a:schemeClr>
-                </a:solidFill>
-                <a:latin typeface="PingFang SC"/>
-              </a:rPr>
-              <a:t>输入值小于最小值或大于最大值</a:t>
-            </a:r>
-            <a:r>
-              <a:rPr lang="en-US" altLang="zh-CN" dirty="0">
-                <a:solidFill>
-                  <a:schemeClr val="bg1">
-                    <a:lumMod val="65000"/>
-                  </a:schemeClr>
-                </a:solidFill>
-                <a:latin typeface="PingFang SC"/>
-              </a:rPr>
-              <a:t>)</a:t>
-            </a:r>
-            <a:r>
-              <a:rPr lang="zh-CN" altLang="en-US" dirty="0">
-                <a:solidFill>
-                  <a:schemeClr val="bg1">
-                    <a:lumMod val="65000"/>
-                  </a:schemeClr>
-                </a:solidFill>
-                <a:latin typeface="PingFang SC"/>
-              </a:rPr>
-              <a:t>；</a:t>
+              <a:rPr lang="en-US" altLang="zh-CN" sz="2000" dirty="0">
+                <a:solidFill>
+                  <a:schemeClr val="bg1">
+                    <a:lumMod val="65000"/>
+                  </a:schemeClr>
+                </a:solidFill>
+                <a:latin typeface="PingFang SC"/>
+              </a:rPr>
+              <a:t>1.</a:t>
+            </a:r>
+            <a:r>
+              <a:rPr lang="zh-CN" altLang="en-US" sz="2000" dirty="0">
+                <a:solidFill>
+                  <a:schemeClr val="bg1">
+                    <a:lumMod val="65000"/>
+                  </a:schemeClr>
+                </a:solidFill>
+                <a:latin typeface="PingFang SC"/>
+              </a:rPr>
+              <a:t>功能不正确或遗漏了功能  </a:t>
+            </a:r>
+            <a:r>
+              <a:rPr lang="en-US" altLang="zh-CN" sz="2000" dirty="0">
+                <a:solidFill>
+                  <a:schemeClr val="bg1">
+                    <a:lumMod val="65000"/>
+                  </a:schemeClr>
+                </a:solidFill>
+                <a:latin typeface="PingFang SC"/>
+              </a:rPr>
+              <a:t>2.</a:t>
+            </a:r>
+            <a:r>
+              <a:rPr lang="zh-CN" altLang="en-US" sz="2000" dirty="0">
+                <a:solidFill>
+                  <a:schemeClr val="bg1">
+                    <a:lumMod val="65000"/>
+                  </a:schemeClr>
+                </a:solidFill>
+                <a:latin typeface="PingFang SC"/>
+              </a:rPr>
+              <a:t>界面错误</a:t>
+            </a:r>
+            <a:r>
+              <a:rPr lang="en-US" altLang="zh-CN" sz="2000" dirty="0">
+                <a:solidFill>
+                  <a:schemeClr val="bg1">
+                    <a:lumMod val="65000"/>
+                  </a:schemeClr>
+                </a:solidFill>
+                <a:latin typeface="PingFang SC"/>
+              </a:rPr>
+              <a:t>;  3.</a:t>
+            </a:r>
+            <a:r>
+              <a:rPr lang="zh-CN" altLang="en-US" sz="2000" dirty="0">
+                <a:solidFill>
+                  <a:schemeClr val="bg1">
+                    <a:lumMod val="65000"/>
+                  </a:schemeClr>
+                </a:solidFill>
+                <a:latin typeface="PingFang SC"/>
+              </a:rPr>
+              <a:t>数据结构错误或外部数据库访问错误</a:t>
+            </a:r>
+            <a:r>
+              <a:rPr lang="en-US" altLang="zh-CN" sz="2000" dirty="0">
+                <a:solidFill>
+                  <a:schemeClr val="bg1">
+                    <a:lumMod val="65000"/>
+                  </a:schemeClr>
+                </a:solidFill>
+                <a:latin typeface="PingFang SC"/>
+              </a:rPr>
+              <a:t>; </a:t>
             </a:r>
           </a:p>
           <a:p>
@@ -18523,38 +20359,57 @@
               </a:lnSpc>
             </a:pPr>
             <a:r>
-              <a:rPr lang="zh-CN" altLang="en-US" dirty="0">
-                <a:solidFill>
-                  <a:schemeClr val="bg1">
-                    <a:lumMod val="65000"/>
-                  </a:schemeClr>
-                </a:solidFill>
-                <a:latin typeface="PingFang SC"/>
-              </a:rPr>
-              <a:t>如果规定了输入数据的个数</a:t>
-            </a:r>
-            <a:r>
-              <a:rPr lang="en-US" altLang="zh-CN" dirty="0">
-                <a:solidFill>
-                  <a:schemeClr val="bg1">
-                    <a:lumMod val="65000"/>
-                  </a:schemeClr>
-                </a:solidFill>
-                <a:latin typeface="PingFang SC"/>
-              </a:rPr>
-              <a:t>,</a:t>
-            </a:r>
-            <a:r>
-              <a:rPr lang="zh-CN" altLang="en-US" dirty="0">
-                <a:solidFill>
-                  <a:schemeClr val="bg1">
-                    <a:lumMod val="65000"/>
-                  </a:schemeClr>
-                </a:solidFill>
-                <a:latin typeface="PingFang SC"/>
-              </a:rPr>
-              <a:t>则类似地也可划分出一个有效的等价类和两个无效的等价类；</a:t>
-            </a:r>
+              <a:rPr lang="en-US" altLang="zh-CN" sz="2000" dirty="0">
+                <a:solidFill>
+                  <a:schemeClr val="bg1">
+                    <a:lumMod val="65000"/>
+                  </a:schemeClr>
+                </a:solidFill>
+                <a:latin typeface="PingFang SC"/>
+              </a:rPr>
+              <a:t>4.</a:t>
+            </a:r>
+            <a:r>
+              <a:rPr lang="zh-CN" altLang="en-US" sz="2000" dirty="0">
+                <a:solidFill>
+                  <a:schemeClr val="bg1">
+                    <a:lumMod val="65000"/>
+                  </a:schemeClr>
+                </a:solidFill>
+                <a:latin typeface="PingFang SC"/>
+              </a:rPr>
+              <a:t>性能错误</a:t>
+            </a:r>
+            <a:r>
+              <a:rPr lang="en-US" altLang="zh-CN" sz="2000" dirty="0">
+                <a:solidFill>
+                  <a:schemeClr val="bg1">
+                    <a:lumMod val="65000"/>
+                  </a:schemeClr>
+                </a:solidFill>
+                <a:latin typeface="PingFang SC"/>
+              </a:rPr>
+              <a:t>;  5.</a:t>
+            </a:r>
+            <a:r>
+              <a:rPr lang="zh-CN" altLang="en-US" sz="2000" dirty="0">
+                <a:solidFill>
+                  <a:schemeClr val="bg1">
+                    <a:lumMod val="65000"/>
+                  </a:schemeClr>
+                </a:solidFill>
+                <a:latin typeface="PingFang SC"/>
+              </a:rPr>
+              <a:t>初始化和终止错误。</a:t>
+            </a:r>
+            <a:endParaRPr lang="en-US" altLang="zh-CN" sz="2000" dirty="0">
+              <a:solidFill>
+                <a:schemeClr val="bg1">
+                  <a:lumMod val="65000"/>
+                </a:schemeClr>
+              </a:solidFill>
+              <a:latin typeface="PingFang SC"/>
+            </a:endParaRPr>
           </a:p>
           <a:p>
             <a:pPr>
@@ -18562,127 +20417,14 @@
                 <a:spcPct val="200000"/>
               </a:lnSpc>
             </a:pPr>
-            <a:r>
-              <a:rPr lang="zh-CN" altLang="en-US" dirty="0">
-                <a:solidFill>
-                  <a:schemeClr val="bg1">
-                    <a:lumMod val="65000"/>
-                  </a:schemeClr>
-                </a:solidFill>
-                <a:latin typeface="PingFang SC"/>
-              </a:rPr>
-              <a:t>如果规定了输入数据的一组值</a:t>
-            </a:r>
-            <a:r>
-              <a:rPr lang="en-US" altLang="zh-CN" dirty="0">
-                <a:solidFill>
-                  <a:schemeClr val="bg1">
-                    <a:lumMod val="65000"/>
-                  </a:schemeClr>
-                </a:solidFill>
-                <a:latin typeface="PingFang SC"/>
-              </a:rPr>
-              <a:t>,</a:t>
-            </a:r>
-            <a:r>
-              <a:rPr lang="zh-CN" altLang="en-US" dirty="0">
-                <a:solidFill>
-                  <a:schemeClr val="bg1">
-                    <a:lumMod val="65000"/>
-                  </a:schemeClr>
-                </a:solidFill>
-                <a:latin typeface="PingFang SC"/>
-              </a:rPr>
-              <a:t>而且程序对不同输入值做不同处理</a:t>
-            </a:r>
-            <a:r>
-              <a:rPr lang="en-US" altLang="zh-CN" dirty="0">
-                <a:solidFill>
-                  <a:schemeClr val="bg1">
-                    <a:lumMod val="65000"/>
-                  </a:schemeClr>
-                </a:solidFill>
-                <a:latin typeface="PingFang SC"/>
-              </a:rPr>
-              <a:t>,</a:t>
-            </a:r>
-            <a:r>
-              <a:rPr lang="zh-CN" altLang="en-US" dirty="0">
-                <a:solidFill>
-                  <a:schemeClr val="bg1">
-                    <a:lumMod val="65000"/>
-                  </a:schemeClr>
-                </a:solidFill>
-                <a:latin typeface="PingFang SC"/>
-              </a:rPr>
-              <a:t>则每个允许的输入值是个有效的等价类</a:t>
-            </a:r>
-            <a:r>
-              <a:rPr lang="en-US" altLang="zh-CN" dirty="0">
-                <a:solidFill>
-                  <a:schemeClr val="bg1">
-                    <a:lumMod val="65000"/>
-                  </a:schemeClr>
-                </a:solidFill>
-                <a:latin typeface="PingFang SC"/>
-              </a:rPr>
-              <a:t>,</a:t>
-            </a:r>
-            <a:r>
-              <a:rPr lang="zh-CN" altLang="en-US" dirty="0">
-                <a:solidFill>
-                  <a:schemeClr val="bg1">
-                    <a:lumMod val="65000"/>
-                  </a:schemeClr>
-                </a:solidFill>
-                <a:latin typeface="PingFang SC"/>
-              </a:rPr>
-              <a:t>此外还有一个无效的等价类</a:t>
-            </a:r>
-            <a:r>
-              <a:rPr lang="en-US" altLang="zh-CN" dirty="0">
-                <a:solidFill>
-                  <a:schemeClr val="bg1">
-                    <a:lumMod val="65000"/>
-                  </a:schemeClr>
-                </a:solidFill>
-                <a:latin typeface="PingFang SC"/>
-              </a:rPr>
-              <a:t>(</a:t>
-            </a:r>
-            <a:r>
-              <a:rPr lang="zh-CN" altLang="en-US" dirty="0">
-                <a:solidFill>
-                  <a:schemeClr val="bg1">
-                    <a:lumMod val="65000"/>
-                  </a:schemeClr>
-                </a:solidFill>
-                <a:latin typeface="PingFang SC"/>
-              </a:rPr>
-              <a:t>任一个不允许的输入值</a:t>
-            </a:r>
-            <a:r>
-              <a:rPr lang="en-US" altLang="zh-CN" dirty="0">
-                <a:solidFill>
-                  <a:schemeClr val="bg1">
-                    <a:lumMod val="65000"/>
-                  </a:schemeClr>
-                </a:solidFill>
-                <a:latin typeface="PingFang SC"/>
-              </a:rPr>
-              <a:t>)</a:t>
-            </a:r>
-            <a:r>
-              <a:rPr lang="zh-CN" altLang="en-US" dirty="0">
-                <a:solidFill>
-                  <a:schemeClr val="bg1">
-                    <a:lumMod val="65000"/>
-                  </a:schemeClr>
-                </a:solidFill>
-                <a:latin typeface="PingFang SC"/>
-              </a:rPr>
-              <a:t>；</a:t>
-            </a:r>
+            <a:endParaRPr lang="en-US" altLang="zh-CN" sz="2000" b="1" dirty="0">
+              <a:solidFill>
+                <a:schemeClr val="bg1">
+                  <a:lumMod val="65000"/>
+                </a:schemeClr>
+              </a:solidFill>
+              <a:latin typeface="PingFang SC"/>
+            </a:endParaRPr>
           </a:p>
           <a:p>
             <a:pPr>
@@ -18691,125 +20433,26 @@
               </a:lnSpc>
             </a:pPr>
             <a:r>
-              <a:rPr lang="zh-CN" altLang="en-US" dirty="0">
-                <a:solidFill>
-                  <a:schemeClr val="bg1">
-                    <a:lumMod val="65000"/>
-                  </a:schemeClr>
-                </a:solidFill>
-                <a:latin typeface="PingFang SC"/>
-              </a:rPr>
-              <a:t>如果规定了输入数据必须遵循的规则</a:t>
-            </a:r>
-            <a:r>
-              <a:rPr lang="en-US" altLang="zh-CN" dirty="0">
-                <a:solidFill>
-                  <a:schemeClr val="bg1">
-                    <a:lumMod val="65000"/>
-                  </a:schemeClr>
-                </a:solidFill>
-                <a:latin typeface="PingFang SC"/>
-              </a:rPr>
-              <a:t>,</a:t>
-            </a:r>
-            <a:r>
-              <a:rPr lang="zh-CN" altLang="en-US" dirty="0">
-                <a:solidFill>
-                  <a:schemeClr val="bg1">
-                    <a:lumMod val="65000"/>
-                  </a:schemeClr>
-                </a:solidFill>
-                <a:latin typeface="PingFang SC"/>
-              </a:rPr>
-              <a:t>则可以划分出一个有效的等价类</a:t>
-            </a:r>
-            <a:r>
-              <a:rPr lang="en-US" altLang="zh-CN" dirty="0">
-                <a:solidFill>
-                  <a:schemeClr val="bg1">
-                    <a:lumMod val="65000"/>
-                  </a:schemeClr>
-                </a:solidFill>
-                <a:latin typeface="PingFang SC"/>
-              </a:rPr>
-              <a:t>(</a:t>
-            </a:r>
-            <a:r>
-              <a:rPr lang="zh-CN" altLang="en-US" dirty="0">
-                <a:solidFill>
-                  <a:schemeClr val="bg1">
-                    <a:lumMod val="65000"/>
-                  </a:schemeClr>
-                </a:solidFill>
-                <a:latin typeface="PingFang SC"/>
-              </a:rPr>
-              <a:t>符合规则</a:t>
-            </a:r>
-            <a:r>
-              <a:rPr lang="en-US" altLang="zh-CN" dirty="0">
-                <a:solidFill>
-                  <a:schemeClr val="bg1">
-                    <a:lumMod val="65000"/>
-                  </a:schemeClr>
-                </a:solidFill>
-                <a:latin typeface="PingFang SC"/>
-              </a:rPr>
-              <a:t>)</a:t>
-            </a:r>
-            <a:r>
-              <a:rPr lang="zh-CN" altLang="en-US" dirty="0">
-                <a:solidFill>
-                  <a:schemeClr val="bg1">
-                    <a:lumMod val="65000"/>
-                  </a:schemeClr>
-                </a:solidFill>
-                <a:latin typeface="PingFang SC"/>
-              </a:rPr>
-              <a:t>和若干个无效的等价类</a:t>
-            </a:r>
-            <a:r>
-              <a:rPr lang="en-US" altLang="zh-CN" dirty="0">
-                <a:solidFill>
-                  <a:schemeClr val="bg1">
-                    <a:lumMod val="65000"/>
-                  </a:schemeClr>
-                </a:solidFill>
-                <a:latin typeface="PingFang SC"/>
-              </a:rPr>
-              <a:t>(</a:t>
-            </a:r>
-            <a:r>
-              <a:rPr lang="zh-CN" altLang="en-US" dirty="0">
-                <a:solidFill>
-                  <a:schemeClr val="bg1">
-                    <a:lumMod val="65000"/>
-                  </a:schemeClr>
-                </a:solidFill>
-                <a:latin typeface="PingFang SC"/>
-              </a:rPr>
-              <a:t>从各种不同角度违反规则</a:t>
-            </a:r>
-            <a:r>
-              <a:rPr lang="en-US" altLang="zh-CN" dirty="0">
-                <a:solidFill>
-                  <a:schemeClr val="bg1">
-                    <a:lumMod val="65000"/>
-                  </a:schemeClr>
-                </a:solidFill>
-                <a:latin typeface="PingFang SC"/>
-              </a:rPr>
-              <a:t>)</a:t>
-            </a:r>
-            <a:r>
-              <a:rPr lang="zh-CN" altLang="en-US" dirty="0">
-                <a:solidFill>
-                  <a:schemeClr val="bg1">
-                    <a:lumMod val="65000"/>
-                  </a:schemeClr>
-                </a:solidFill>
-                <a:latin typeface="PingFang SC"/>
-              </a:rPr>
-              <a:t>；</a:t>
+              <a:rPr lang="zh-CN" altLang="en-US" sz="2000" b="1" dirty="0">
+                <a:solidFill>
+                  <a:schemeClr val="bg1">
+                    <a:lumMod val="65000"/>
+                  </a:schemeClr>
+                </a:solidFill>
+                <a:latin typeface="PingFang SC"/>
+              </a:rPr>
+              <a:t>测试标准</a:t>
+            </a:r>
+            <a:r>
+              <a:rPr lang="zh-CN" altLang="en-US" sz="2000" dirty="0">
+                <a:solidFill>
+                  <a:schemeClr val="bg1">
+                    <a:lumMod val="65000"/>
+                  </a:schemeClr>
+                </a:solidFill>
+                <a:latin typeface="PingFang SC"/>
+              </a:rPr>
+              <a:t>：</a:t>
             </a:r>
           </a:p>
           <a:p>
@@ -18819,70 +20462,26 @@
               </a:lnSpc>
             </a:pPr>
             <a:r>
-              <a:rPr lang="zh-CN" altLang="en-US" dirty="0">
-                <a:solidFill>
-                  <a:schemeClr val="bg1">
-                    <a:lumMod val="65000"/>
-                  </a:schemeClr>
-                </a:solidFill>
-                <a:latin typeface="PingFang SC"/>
-              </a:rPr>
-              <a:t>如果规定了输入数据为整型</a:t>
-            </a:r>
-            <a:r>
-              <a:rPr lang="en-US" altLang="zh-CN" dirty="0">
-                <a:solidFill>
-                  <a:schemeClr val="bg1">
-                    <a:lumMod val="65000"/>
-                  </a:schemeClr>
-                </a:solidFill>
-                <a:latin typeface="PingFang SC"/>
-              </a:rPr>
-              <a:t>,</a:t>
-            </a:r>
-            <a:r>
-              <a:rPr lang="zh-CN" altLang="en-US" dirty="0">
-                <a:solidFill>
-                  <a:schemeClr val="bg1">
-                    <a:lumMod val="65000"/>
-                  </a:schemeClr>
-                </a:solidFill>
-                <a:latin typeface="PingFang SC"/>
-              </a:rPr>
-              <a:t>则可以划分出正整数、零和负整数等</a:t>
-            </a:r>
-            <a:r>
-              <a:rPr lang="en-US" altLang="zh-CN" dirty="0">
-                <a:solidFill>
-                  <a:schemeClr val="bg1">
-                    <a:lumMod val="65000"/>
-                  </a:schemeClr>
-                </a:solidFill>
-                <a:latin typeface="PingFang SC"/>
-              </a:rPr>
-              <a:t>3</a:t>
-            </a:r>
-            <a:r>
-              <a:rPr lang="zh-CN" altLang="en-US" dirty="0">
-                <a:solidFill>
-                  <a:schemeClr val="bg1">
-                    <a:lumMod val="65000"/>
-                  </a:schemeClr>
-                </a:solidFill>
-                <a:latin typeface="PingFang SC"/>
-              </a:rPr>
-              <a:t>个有效类</a:t>
-            </a:r>
-            <a:r>
-              <a:rPr lang="en-US" altLang="zh-CN" dirty="0">
-                <a:solidFill>
-                  <a:schemeClr val="bg1">
-                    <a:lumMod val="65000"/>
-                  </a:schemeClr>
-                </a:solidFill>
-                <a:latin typeface="PingFang SC"/>
-              </a:rPr>
-              <a:t>;</a:t>
+              <a:rPr lang="en-US" altLang="zh-CN" sz="2000" dirty="0">
+                <a:solidFill>
+                  <a:schemeClr val="bg1">
+                    <a:lumMod val="65000"/>
+                  </a:schemeClr>
+                </a:solidFill>
+                <a:latin typeface="PingFang SC"/>
+              </a:rPr>
+              <a:t>1.</a:t>
+            </a:r>
+            <a:r>
+              <a:rPr lang="zh-CN" altLang="en-US" sz="2000" dirty="0">
+                <a:solidFill>
+                  <a:schemeClr val="bg1">
+                    <a:lumMod val="65000"/>
+                  </a:schemeClr>
+                </a:solidFill>
+                <a:latin typeface="PingFang SC"/>
+              </a:rPr>
+              <a:t>测试用例尽可能少</a:t>
             </a:r>
           </a:p>
           <a:p>
@@ -18892,59 +20491,26 @@
               </a:lnSpc>
             </a:pPr>
             <a:r>
-              <a:rPr lang="zh-CN" altLang="en-US" dirty="0">
-                <a:solidFill>
-                  <a:schemeClr val="bg1">
-                    <a:lumMod val="65000"/>
-                  </a:schemeClr>
-                </a:solidFill>
-                <a:latin typeface="PingFang SC"/>
-              </a:rPr>
-              <a:t>如果程序的处理对象是表格</a:t>
-            </a:r>
-            <a:r>
-              <a:rPr lang="en-US" altLang="zh-CN" dirty="0">
-                <a:solidFill>
-                  <a:schemeClr val="bg1">
-                    <a:lumMod val="65000"/>
-                  </a:schemeClr>
-                </a:solidFill>
-                <a:latin typeface="PingFang SC"/>
-              </a:rPr>
-              <a:t>,</a:t>
-            </a:r>
-            <a:r>
-              <a:rPr lang="zh-CN" altLang="en-US" dirty="0">
-                <a:solidFill>
-                  <a:schemeClr val="bg1">
-                    <a:lumMod val="65000"/>
-                  </a:schemeClr>
-                </a:solidFill>
-                <a:latin typeface="PingFang SC"/>
-              </a:rPr>
-              <a:t>则应该使用空表</a:t>
-            </a:r>
-            <a:r>
-              <a:rPr lang="en-US" altLang="zh-CN" dirty="0">
-                <a:solidFill>
-                  <a:schemeClr val="bg1">
-                    <a:lumMod val="65000"/>
-                  </a:schemeClr>
-                </a:solidFill>
-                <a:latin typeface="PingFang SC"/>
-              </a:rPr>
-              <a:t>,</a:t>
-            </a:r>
-            <a:r>
-              <a:rPr lang="zh-CN" altLang="en-US" dirty="0">
-                <a:solidFill>
-                  <a:schemeClr val="bg1">
-                    <a:lumMod val="65000"/>
-                  </a:schemeClr>
-                </a:solidFill>
-                <a:latin typeface="PingFang SC"/>
-              </a:rPr>
-              <a:t>以及含一项或多项的表。</a:t>
+              <a:rPr lang="en-US" altLang="zh-CN" sz="2000" dirty="0">
+                <a:solidFill>
+                  <a:schemeClr val="bg1">
+                    <a:lumMod val="65000"/>
+                  </a:schemeClr>
+                </a:solidFill>
+                <a:latin typeface="PingFang SC"/>
+              </a:rPr>
+              <a:t>2.</a:t>
+            </a:r>
+            <a:r>
+              <a:rPr lang="zh-CN" altLang="en-US" sz="2000" dirty="0">
+                <a:solidFill>
+                  <a:schemeClr val="bg1">
+                    <a:lumMod val="65000"/>
+                  </a:schemeClr>
+                </a:solidFill>
+                <a:latin typeface="PingFang SC"/>
+              </a:rPr>
+              <a:t>一个测试用例能指出一类错误。</a:t>
             </a:r>
           </a:p>
           <a:p>
@@ -19002,7 +20568,7 @@
         </p:nvSpPr>
         <p:spPr>
           <a:xfrm>
-            <a:off x="474305" y="365471"/>
+            <a:off x="707571" y="529525"/>
             <a:ext cx="2646878" cy="584775"/>
           </a:xfrm>
           <a:prstGeom prst="rect">
@@ -19077,8 +20643,8 @@
         </p:nvSpPr>
         <p:spPr>
           <a:xfrm>
-            <a:off x="474305" y="1869725"/>
-            <a:ext cx="11636830" cy="4622804"/>
+            <a:off x="707571" y="1407446"/>
+            <a:ext cx="10776857" cy="5546134"/>
           </a:xfrm>
           <a:prstGeom prst="rect">
             <a:avLst/>
@@ -19096,29 +20662,18 @@
               </a:lnSpc>
             </a:pPr>
             <a:r>
-              <a:rPr lang="zh-CN" altLang="en-US" dirty="0">
-                <a:solidFill>
-                  <a:schemeClr val="bg1">
-                    <a:lumMod val="65000"/>
-                  </a:schemeClr>
-                </a:solidFill>
-                <a:latin typeface="PingFang SC"/>
-              </a:rPr>
-              <a:t>设计测试方案时两个</a:t>
-            </a:r>
-            <a:r>
-              <a:rPr lang="zh-CN" altLang="en-US" b="1" dirty="0">
-                <a:solidFill>
-                  <a:schemeClr val="bg1">
-                    <a:lumMod val="65000"/>
-                  </a:schemeClr>
-                </a:solidFill>
-                <a:latin typeface="PingFang SC"/>
-              </a:rPr>
-              <a:t>步骤</a:t>
-            </a:r>
-            <a:r>
-              <a:rPr lang="zh-CN" altLang="en-US" dirty="0">
+              <a:rPr lang="zh-CN" altLang="en-US" sz="2000" b="1" dirty="0">
+                <a:solidFill>
+                  <a:schemeClr val="bg1">
+                    <a:lumMod val="65000"/>
+                  </a:schemeClr>
+                </a:solidFill>
+                <a:latin typeface="PingFang SC"/>
+              </a:rPr>
+              <a:t>等价划分</a:t>
+            </a:r>
+            <a:r>
+              <a:rPr lang="zh-CN" altLang="en-US" sz="2000" dirty="0">
                 <a:solidFill>
                   <a:schemeClr val="bg1">
                     <a:lumMod val="65000"/>
@@ -19136,29 +20691,18 @@
               </a:lnSpc>
             </a:pPr>
             <a:r>
-              <a:rPr lang="en-US" altLang="zh-CN" dirty="0">
-                <a:solidFill>
-                  <a:schemeClr val="bg1">
-                    <a:lumMod val="65000"/>
-                  </a:schemeClr>
-                </a:solidFill>
-                <a:latin typeface="PingFang SC"/>
-              </a:rPr>
-              <a:t>1.</a:t>
-            </a:r>
-            <a:r>
-              <a:rPr lang="zh-CN" altLang="en-US" dirty="0">
-                <a:solidFill>
-                  <a:schemeClr val="bg1">
-                    <a:lumMod val="65000"/>
-                  </a:schemeClr>
-                </a:solidFill>
-                <a:latin typeface="PingFang SC"/>
-              </a:rPr>
-              <a:t>设计一个新的测试方案以尽可能多地覆盖尚未被覆盖的有效等价类</a:t>
-            </a:r>
-            <a:r>
-              <a:rPr lang="en-US" altLang="zh-CN" dirty="0">
+              <a:rPr lang="zh-CN" altLang="en-US" sz="2000" dirty="0">
+                <a:solidFill>
+                  <a:schemeClr val="bg1">
+                    <a:lumMod val="65000"/>
+                  </a:schemeClr>
+                </a:solidFill>
+                <a:latin typeface="PingFang SC"/>
+              </a:rPr>
+              <a:t>等价划分是一种黑盒测试技术</a:t>
+            </a:r>
+            <a:r>
+              <a:rPr lang="en-US" altLang="zh-CN" sz="2000" dirty="0">
                 <a:solidFill>
                   <a:schemeClr val="bg1">
                     <a:lumMod val="65000"/>
@@ -19169,26 +20713,37 @@
               <a:t>,</a:t>
             </a:r>
             <a:r>
-              <a:rPr lang="zh-CN" altLang="en-US" dirty="0">
-                <a:solidFill>
-                  <a:schemeClr val="bg1">
-                    <a:lumMod val="65000"/>
-                  </a:schemeClr>
-                </a:solidFill>
-                <a:latin typeface="PingFang SC"/>
-              </a:rPr>
-              <a:t>重复这一步骤直到所有有效等价类都被覆盖为止</a:t>
-            </a:r>
-            <a:r>
-              <a:rPr lang="en-US" altLang="zh-CN" dirty="0">
-                <a:solidFill>
-                  <a:schemeClr val="bg1">
-                    <a:lumMod val="65000"/>
-                  </a:schemeClr>
-                </a:solidFill>
-                <a:latin typeface="PingFang SC"/>
-              </a:rPr>
-              <a:t>;</a:t>
+              <a:rPr lang="zh-CN" altLang="en-US" sz="2000" dirty="0">
+                <a:solidFill>
+                  <a:schemeClr val="bg1">
+                    <a:lumMod val="65000"/>
+                  </a:schemeClr>
+                </a:solidFill>
+                <a:latin typeface="PingFang SC"/>
+              </a:rPr>
+              <a:t>把程序的输入域划分成若干个数据类</a:t>
+            </a:r>
+            <a:r>
+              <a:rPr lang="en-US" altLang="zh-CN" sz="2000" dirty="0">
+                <a:solidFill>
+                  <a:schemeClr val="bg1">
+                    <a:lumMod val="65000"/>
+                  </a:schemeClr>
+                </a:solidFill>
+                <a:latin typeface="PingFang SC"/>
+              </a:rPr>
+              <a:t>,</a:t>
+            </a:r>
+            <a:r>
+              <a:rPr lang="zh-CN" altLang="en-US" sz="2000" dirty="0">
+                <a:solidFill>
+                  <a:schemeClr val="bg1">
+                    <a:lumMod val="65000"/>
+                  </a:schemeClr>
+                </a:solidFill>
+                <a:latin typeface="PingFang SC"/>
+              </a:rPr>
+              <a:t>据此导出测试用例。</a:t>
             </a:r>
           </a:p>
           <a:p>
@@ -19198,29 +20753,18 @@
               </a:lnSpc>
             </a:pPr>
             <a:r>
-              <a:rPr lang="en-US" altLang="zh-CN" dirty="0">
-                <a:solidFill>
-                  <a:schemeClr val="bg1">
-                    <a:lumMod val="65000"/>
-                  </a:schemeClr>
-                </a:solidFill>
-                <a:latin typeface="PingFang SC"/>
-              </a:rPr>
-              <a:t>2.</a:t>
-            </a:r>
-            <a:r>
-              <a:rPr lang="zh-CN" altLang="en-US" dirty="0">
-                <a:solidFill>
-                  <a:schemeClr val="bg1">
-                    <a:lumMod val="65000"/>
-                  </a:schemeClr>
-                </a:solidFill>
-                <a:latin typeface="PingFang SC"/>
-              </a:rPr>
-              <a:t>设计一个新的测试方案</a:t>
-            </a:r>
-            <a:r>
-              <a:rPr lang="en-US" altLang="zh-CN" dirty="0">
+              <a:rPr lang="zh-CN" altLang="en-US" sz="2000" dirty="0">
+                <a:solidFill>
+                  <a:schemeClr val="bg1">
+                    <a:lumMod val="65000"/>
+                  </a:schemeClr>
+                </a:solidFill>
+                <a:latin typeface="PingFang SC"/>
+              </a:rPr>
+              <a:t>等价划分法力图设计出能发现若干类错误的测试用例</a:t>
+            </a:r>
+            <a:r>
+              <a:rPr lang="en-US" altLang="zh-CN" sz="2000" dirty="0">
                 <a:solidFill>
                   <a:schemeClr val="bg1">
                     <a:lumMod val="65000"/>
@@ -19231,18 +20775,72 @@
               <a:t>,</a:t>
             </a:r>
             <a:r>
-              <a:rPr lang="zh-CN" altLang="en-US" dirty="0">
-                <a:solidFill>
-                  <a:schemeClr val="bg1">
-                    <a:lumMod val="65000"/>
-                  </a:schemeClr>
-                </a:solidFill>
-                <a:latin typeface="PingFang SC"/>
-              </a:rPr>
-              <a:t>使它覆盖一个而且只覆盖一个尚未被覆盖的无效等价类</a:t>
-            </a:r>
-            <a:r>
-              <a:rPr lang="en-US" altLang="zh-CN" dirty="0">
+              <a:rPr lang="zh-CN" altLang="en-US" sz="2000" dirty="0">
+                <a:solidFill>
+                  <a:schemeClr val="bg1">
+                    <a:lumMod val="65000"/>
+                  </a:schemeClr>
+                </a:solidFill>
+                <a:latin typeface="PingFang SC"/>
+              </a:rPr>
+              <a:t>从而减少测试用例的数目。</a:t>
+            </a:r>
+          </a:p>
+          <a:p>
+            <a:pPr>
+              <a:lnSpc>
+                <a:spcPct val="200000"/>
+              </a:lnSpc>
+            </a:pPr>
+            <a:r>
+              <a:rPr lang="zh-CN" altLang="en-US" sz="2000" dirty="0">
+                <a:solidFill>
+                  <a:schemeClr val="bg1">
+                    <a:lumMod val="65000"/>
+                  </a:schemeClr>
+                </a:solidFill>
+                <a:latin typeface="PingFang SC"/>
+              </a:rPr>
+              <a:t>每类中的一个典型值在测试中的作用与这类中所有其他值的作用相同。</a:t>
+            </a:r>
+          </a:p>
+          <a:p>
+            <a:pPr>
+              <a:lnSpc>
+                <a:spcPct val="200000"/>
+              </a:lnSpc>
+            </a:pPr>
+            <a:r>
+              <a:rPr lang="zh-CN" altLang="en-US" sz="2000" dirty="0">
+                <a:solidFill>
+                  <a:schemeClr val="bg1">
+                    <a:lumMod val="65000"/>
+                  </a:schemeClr>
+                </a:solidFill>
+                <a:latin typeface="PingFang SC"/>
+              </a:rPr>
+              <a:t>使用等价划分法设计测试方案首先需要划分输入数据的等价类。</a:t>
+            </a:r>
+          </a:p>
+          <a:p>
+            <a:pPr>
+              <a:lnSpc>
+                <a:spcPct val="200000"/>
+              </a:lnSpc>
+            </a:pPr>
+            <a:r>
+              <a:rPr lang="zh-CN" altLang="en-US" sz="2000" dirty="0">
+                <a:solidFill>
+                  <a:schemeClr val="bg1">
+                    <a:lumMod val="65000"/>
+                  </a:schemeClr>
+                </a:solidFill>
+                <a:latin typeface="PingFang SC"/>
+              </a:rPr>
+              <a:t>常常还需要分析输出数据的等价类</a:t>
+            </a:r>
+            <a:r>
+              <a:rPr lang="en-US" altLang="zh-CN" sz="2000" dirty="0">
                 <a:solidFill>
                   <a:schemeClr val="bg1">
                     <a:lumMod val="65000"/>
@@ -19253,15 +20851,15 @@
               <a:t>,</a:t>
             </a:r>
             <a:r>
-              <a:rPr lang="zh-CN" altLang="en-US" dirty="0">
-                <a:solidFill>
-                  <a:schemeClr val="bg1">
-                    <a:lumMod val="65000"/>
-                  </a:schemeClr>
-                </a:solidFill>
-                <a:latin typeface="PingFang SC"/>
-              </a:rPr>
-              <a:t>重复这步骤直到所有无效等价类都被覆盖为止。</a:t>
+              <a:rPr lang="zh-CN" altLang="en-US" sz="2000" dirty="0">
+                <a:solidFill>
+                  <a:schemeClr val="bg1">
+                    <a:lumMod val="65000"/>
+                  </a:schemeClr>
+                </a:solidFill>
+                <a:latin typeface="PingFang SC"/>
+              </a:rPr>
+              <a:t>以便根据输出数据的等价类导出对应的输入数据等价类。</a:t>
             </a:r>
           </a:p>
           <a:p>
@@ -19319,7 +20917,7 @@
         </p:nvSpPr>
         <p:spPr>
           <a:xfrm>
-            <a:off x="474305" y="720035"/>
+            <a:off x="707571" y="529525"/>
             <a:ext cx="2646878" cy="584775"/>
           </a:xfrm>
           <a:prstGeom prst="rect">
@@ -19394,8 +20992,8 @@
         </p:nvSpPr>
         <p:spPr>
           <a:xfrm>
-            <a:off x="353007" y="1681198"/>
-            <a:ext cx="11636830" cy="5176802"/>
+            <a:off x="474305" y="950246"/>
+            <a:ext cx="11636830" cy="7392793"/>
           </a:xfrm>
           <a:prstGeom prst="rect">
             <a:avLst/>
@@ -19413,6 +21011,17 @@
               </a:lnSpc>
             </a:pPr>
             <a:r>
+              <a:rPr lang="zh-CN" altLang="en-US" dirty="0">
+                <a:solidFill>
+                  <a:schemeClr val="bg1">
+                    <a:lumMod val="65000"/>
+                  </a:schemeClr>
+                </a:solidFill>
+                <a:latin typeface="PingFang SC"/>
+              </a:rPr>
+              <a:t>等价类划分的</a:t>
+            </a:r>
+            <a:r>
               <a:rPr lang="zh-CN" altLang="en-US" b="1" dirty="0">
                 <a:solidFill>
                   <a:schemeClr val="bg1">
@@ -19421,7 +21030,7 @@
                 </a:solidFill>
                 <a:latin typeface="PingFang SC"/>
               </a:rPr>
-              <a:t>边界值分析</a:t>
+              <a:t>启发式规则</a:t>
             </a:r>
             <a:r>
               <a:rPr lang="en-US" altLang="zh-CN" dirty="0">
@@ -19450,7 +21059,7 @@
                 </a:solidFill>
                 <a:latin typeface="PingFang SC"/>
               </a:rPr>
-              <a:t>         经验表明</a:t>
+              <a:t>如果规定了输入值的范围</a:t>
             </a:r>
             <a:r>
               <a:rPr lang="en-US" altLang="zh-CN" dirty="0">
@@ -19472,7 +21081,7 @@
                 </a:solidFill>
                 <a:latin typeface="PingFang SC"/>
               </a:rPr>
-              <a:t>处理边界情况时程序最容易发生错误。例如</a:t>
+              <a:t>则可划分出一个有效的等价类</a:t>
             </a:r>
             <a:r>
               <a:rPr lang="en-US" altLang="zh-CN" dirty="0">
@@ -19483,6 +21092,112 @@
                 </a:solidFill>
                 <a:latin typeface="PingFang SC"/>
               </a:rPr>
+              <a:t>(</a:t>
+            </a:r>
+            <a:r>
+              <a:rPr lang="zh-CN" altLang="en-US" dirty="0">
+                <a:solidFill>
+                  <a:schemeClr val="bg1">
+                    <a:lumMod val="65000"/>
+                  </a:schemeClr>
+                </a:solidFill>
+                <a:latin typeface="PingFang SC"/>
+              </a:rPr>
+              <a:t>输入值在此范围内</a:t>
+            </a:r>
+            <a:r>
+              <a:rPr lang="en-US" altLang="zh-CN" dirty="0">
+                <a:solidFill>
+                  <a:schemeClr val="bg1">
+                    <a:lumMod val="65000"/>
+                  </a:schemeClr>
+                </a:solidFill>
+                <a:latin typeface="PingFang SC"/>
+              </a:rPr>
+              <a:t>),</a:t>
+            </a:r>
+            <a:r>
+              <a:rPr lang="zh-CN" altLang="en-US" dirty="0">
+                <a:solidFill>
+                  <a:schemeClr val="bg1">
+                    <a:lumMod val="65000"/>
+                  </a:schemeClr>
+                </a:solidFill>
+                <a:latin typeface="PingFang SC"/>
+              </a:rPr>
+              <a:t>两个无效的等价类</a:t>
+            </a:r>
+            <a:r>
+              <a:rPr lang="en-US" altLang="zh-CN" dirty="0">
+                <a:solidFill>
+                  <a:schemeClr val="bg1">
+                    <a:lumMod val="65000"/>
+                  </a:schemeClr>
+                </a:solidFill>
+                <a:latin typeface="PingFang SC"/>
+              </a:rPr>
+              <a:t>(</a:t>
+            </a:r>
+            <a:r>
+              <a:rPr lang="zh-CN" altLang="en-US" dirty="0">
+                <a:solidFill>
+                  <a:schemeClr val="bg1">
+                    <a:lumMod val="65000"/>
+                  </a:schemeClr>
+                </a:solidFill>
+                <a:latin typeface="PingFang SC"/>
+              </a:rPr>
+              <a:t>输入值小于最小值或大于最大值</a:t>
+            </a:r>
+            <a:r>
+              <a:rPr lang="en-US" altLang="zh-CN" dirty="0">
+                <a:solidFill>
+                  <a:schemeClr val="bg1">
+                    <a:lumMod val="65000"/>
+                  </a:schemeClr>
+                </a:solidFill>
+                <a:latin typeface="PingFang SC"/>
+              </a:rPr>
+              <a:t>)</a:t>
+            </a:r>
+            <a:r>
+              <a:rPr lang="zh-CN" altLang="en-US" dirty="0">
+                <a:solidFill>
+                  <a:schemeClr val="bg1">
+                    <a:lumMod val="65000"/>
+                  </a:schemeClr>
+                </a:solidFill>
+                <a:latin typeface="PingFang SC"/>
+              </a:rPr>
+              <a:t>；</a:t>
+            </a:r>
+          </a:p>
+          <a:p>
+            <a:pPr>
+              <a:lnSpc>
+                <a:spcPct val="200000"/>
+              </a:lnSpc>
+            </a:pPr>
+            <a:r>
+              <a:rPr lang="zh-CN" altLang="en-US" dirty="0">
+                <a:solidFill>
+                  <a:schemeClr val="bg1">
+                    <a:lumMod val="65000"/>
+                  </a:schemeClr>
+                </a:solidFill>
+                <a:latin typeface="PingFang SC"/>
+              </a:rPr>
+              <a:t>如果规定了输入数据的个数</a:t>
+            </a:r>
+            <a:r>
+              <a:rPr lang="en-US" altLang="zh-CN" dirty="0">
+                <a:solidFill>
+                  <a:schemeClr val="bg1">
+                    <a:lumMod val="65000"/>
+                  </a:schemeClr>
+                </a:solidFill>
+                <a:latin typeface="PingFang SC"/>
+              </a:rPr>
               <a:t>,</a:t>
             </a:r>
             <a:r>
@@ -19494,7 +21209,7 @@
                 </a:solidFill>
                 <a:latin typeface="PingFang SC"/>
               </a:rPr>
-              <a:t>许多程序错误出现在下标、纯量、数据结构和循环等等的边界附近。</a:t>
+              <a:t>则类似地也可划分出一个有效的等价类和两个无效的等价类；</a:t>
             </a:r>
           </a:p>
           <a:p>
@@ -19512,7 +21227,117 @@
                 </a:solidFill>
                 <a:latin typeface="PingFang SC"/>
               </a:rPr>
-              <a:t>         使用边界值分析方法设计测试方案首先应该确定边界情况。选取的测试数据应该刚好等于、刚刚小于和刚刚大于边界值</a:t>
+              <a:t>如果规定了输入数据的一组值</a:t>
+            </a:r>
+            <a:r>
+              <a:rPr lang="en-US" altLang="zh-CN" dirty="0">
+                <a:solidFill>
+                  <a:schemeClr val="bg1">
+                    <a:lumMod val="65000"/>
+                  </a:schemeClr>
+                </a:solidFill>
+                <a:latin typeface="PingFang SC"/>
+              </a:rPr>
+              <a:t>,</a:t>
+            </a:r>
+            <a:r>
+              <a:rPr lang="zh-CN" altLang="en-US" dirty="0">
+                <a:solidFill>
+                  <a:schemeClr val="bg1">
+                    <a:lumMod val="65000"/>
+                  </a:schemeClr>
+                </a:solidFill>
+                <a:latin typeface="PingFang SC"/>
+              </a:rPr>
+              <a:t>而且程序对不同输入值做不同处理</a:t>
+            </a:r>
+            <a:r>
+              <a:rPr lang="en-US" altLang="zh-CN" dirty="0">
+                <a:solidFill>
+                  <a:schemeClr val="bg1">
+                    <a:lumMod val="65000"/>
+                  </a:schemeClr>
+                </a:solidFill>
+                <a:latin typeface="PingFang SC"/>
+              </a:rPr>
+              <a:t>,</a:t>
+            </a:r>
+            <a:r>
+              <a:rPr lang="zh-CN" altLang="en-US" dirty="0">
+                <a:solidFill>
+                  <a:schemeClr val="bg1">
+                    <a:lumMod val="65000"/>
+                  </a:schemeClr>
+                </a:solidFill>
+                <a:latin typeface="PingFang SC"/>
+              </a:rPr>
+              <a:t>则每个允许的输入值是个有效的等价类</a:t>
+            </a:r>
+            <a:r>
+              <a:rPr lang="en-US" altLang="zh-CN" dirty="0">
+                <a:solidFill>
+                  <a:schemeClr val="bg1">
+                    <a:lumMod val="65000"/>
+                  </a:schemeClr>
+                </a:solidFill>
+                <a:latin typeface="PingFang SC"/>
+              </a:rPr>
+              <a:t>,</a:t>
+            </a:r>
+            <a:r>
+              <a:rPr lang="zh-CN" altLang="en-US" dirty="0">
+                <a:solidFill>
+                  <a:schemeClr val="bg1">
+                    <a:lumMod val="65000"/>
+                  </a:schemeClr>
+                </a:solidFill>
+                <a:latin typeface="PingFang SC"/>
+              </a:rPr>
+              <a:t>此外还有一个无效的等价类</a:t>
+            </a:r>
+            <a:r>
+              <a:rPr lang="en-US" altLang="zh-CN" dirty="0">
+                <a:solidFill>
+                  <a:schemeClr val="bg1">
+                    <a:lumMod val="65000"/>
+                  </a:schemeClr>
+                </a:solidFill>
+                <a:latin typeface="PingFang SC"/>
+              </a:rPr>
+              <a:t>(</a:t>
+            </a:r>
+            <a:r>
+              <a:rPr lang="zh-CN" altLang="en-US" dirty="0">
+                <a:solidFill>
+                  <a:schemeClr val="bg1">
+                    <a:lumMod val="65000"/>
+                  </a:schemeClr>
+                </a:solidFill>
+                <a:latin typeface="PingFang SC"/>
+              </a:rPr>
+              <a:t>任一个不允许的输入值</a:t>
+            </a:r>
+            <a:r>
+              <a:rPr lang="en-US" altLang="zh-CN" dirty="0">
+                <a:solidFill>
+                  <a:schemeClr val="bg1">
+                    <a:lumMod val="65000"/>
+                  </a:schemeClr>
+                </a:solidFill>
+                <a:latin typeface="PingFang SC"/>
+              </a:rPr>
+              <a:t>)</a:t>
+            </a:r>
+            <a:r>
+              <a:rPr lang="zh-CN" altLang="en-US" dirty="0">
+                <a:solidFill>
+                  <a:schemeClr val="bg1">
+                    <a:lumMod val="65000"/>
+                  </a:schemeClr>
+                </a:solidFill>
+                <a:latin typeface="PingFang SC"/>
+              </a:rPr>
+              <a:t>；</a:t>
             </a:r>
           </a:p>
           <a:p>
@@ -19530,7 +21355,252 @@
                 </a:solidFill>
                 <a:latin typeface="PingFang SC"/>
               </a:rPr>
-              <a:t>          通常设计测试方案时总是联合使用等价划分和边界值分析两种技术。</a:t>
+              <a:t>如果规定了输入数据必须遵循的规则</a:t>
+            </a:r>
+            <a:r>
+              <a:rPr lang="en-US" altLang="zh-CN" dirty="0">
+                <a:solidFill>
+                  <a:schemeClr val="bg1">
+                    <a:lumMod val="65000"/>
+                  </a:schemeClr>
+                </a:solidFill>
+                <a:latin typeface="PingFang SC"/>
+              </a:rPr>
+              <a:t>,</a:t>
+            </a:r>
+            <a:r>
+              <a:rPr lang="zh-CN" altLang="en-US" dirty="0">
+                <a:solidFill>
+                  <a:schemeClr val="bg1">
+                    <a:lumMod val="65000"/>
+                  </a:schemeClr>
+                </a:solidFill>
+                <a:latin typeface="PingFang SC"/>
+              </a:rPr>
+              <a:t>则可以划分出一个有效的等价类</a:t>
+            </a:r>
+            <a:r>
+              <a:rPr lang="en-US" altLang="zh-CN" dirty="0">
+                <a:solidFill>
+                  <a:schemeClr val="bg1">
+                    <a:lumMod val="65000"/>
+                  </a:schemeClr>
+                </a:solidFill>
+                <a:latin typeface="PingFang SC"/>
+              </a:rPr>
+              <a:t>(</a:t>
+            </a:r>
+            <a:r>
+              <a:rPr lang="zh-CN" altLang="en-US" dirty="0">
+                <a:solidFill>
+                  <a:schemeClr val="bg1">
+                    <a:lumMod val="65000"/>
+                  </a:schemeClr>
+                </a:solidFill>
+                <a:latin typeface="PingFang SC"/>
+              </a:rPr>
+              <a:t>符合规则</a:t>
+            </a:r>
+            <a:r>
+              <a:rPr lang="en-US" altLang="zh-CN" dirty="0">
+                <a:solidFill>
+                  <a:schemeClr val="bg1">
+                    <a:lumMod val="65000"/>
+                  </a:schemeClr>
+                </a:solidFill>
+                <a:latin typeface="PingFang SC"/>
+              </a:rPr>
+              <a:t>)</a:t>
+            </a:r>
+            <a:r>
+              <a:rPr lang="zh-CN" altLang="en-US" dirty="0">
+                <a:solidFill>
+                  <a:schemeClr val="bg1">
+                    <a:lumMod val="65000"/>
+                  </a:schemeClr>
+                </a:solidFill>
+                <a:latin typeface="PingFang SC"/>
+              </a:rPr>
+              <a:t>和若干个无效的等价类</a:t>
+            </a:r>
+            <a:r>
+              <a:rPr lang="en-US" altLang="zh-CN" dirty="0">
+                <a:solidFill>
+                  <a:schemeClr val="bg1">
+                    <a:lumMod val="65000"/>
+                  </a:schemeClr>
+                </a:solidFill>
+                <a:latin typeface="PingFang SC"/>
+              </a:rPr>
+              <a:t>(</a:t>
+            </a:r>
+            <a:r>
+              <a:rPr lang="zh-CN" altLang="en-US" dirty="0">
+                <a:solidFill>
+                  <a:schemeClr val="bg1">
+                    <a:lumMod val="65000"/>
+                  </a:schemeClr>
+                </a:solidFill>
+                <a:latin typeface="PingFang SC"/>
+              </a:rPr>
+              <a:t>从各种不同角度违反规则</a:t>
+            </a:r>
+            <a:r>
+              <a:rPr lang="en-US" altLang="zh-CN" dirty="0">
+                <a:solidFill>
+                  <a:schemeClr val="bg1">
+                    <a:lumMod val="65000"/>
+                  </a:schemeClr>
+                </a:solidFill>
+                <a:latin typeface="PingFang SC"/>
+              </a:rPr>
+              <a:t>)</a:t>
+            </a:r>
+            <a:r>
+              <a:rPr lang="zh-CN" altLang="en-US" dirty="0">
+                <a:solidFill>
+                  <a:schemeClr val="bg1">
+                    <a:lumMod val="65000"/>
+                  </a:schemeClr>
+                </a:solidFill>
+                <a:latin typeface="PingFang SC"/>
+              </a:rPr>
+              <a:t>；</a:t>
+            </a:r>
+          </a:p>
+          <a:p>
+            <a:pPr>
+              <a:lnSpc>
+                <a:spcPct val="200000"/>
+              </a:lnSpc>
+            </a:pPr>
+            <a:r>
+              <a:rPr lang="zh-CN" altLang="en-US" dirty="0">
+                <a:solidFill>
+                  <a:schemeClr val="bg1">
+                    <a:lumMod val="65000"/>
+                  </a:schemeClr>
+                </a:solidFill>
+                <a:latin typeface="PingFang SC"/>
+              </a:rPr>
+              <a:t>如果规定了输入数据为整型</a:t>
+            </a:r>
+            <a:r>
+              <a:rPr lang="en-US" altLang="zh-CN" dirty="0">
+                <a:solidFill>
+                  <a:schemeClr val="bg1">
+                    <a:lumMod val="65000"/>
+                  </a:schemeClr>
+                </a:solidFill>
+                <a:latin typeface="PingFang SC"/>
+              </a:rPr>
+              <a:t>,</a:t>
+            </a:r>
+            <a:r>
+              <a:rPr lang="zh-CN" altLang="en-US" dirty="0">
+                <a:solidFill>
+                  <a:schemeClr val="bg1">
+                    <a:lumMod val="65000"/>
+                  </a:schemeClr>
+                </a:solidFill>
+                <a:latin typeface="PingFang SC"/>
+              </a:rPr>
+              <a:t>则可以划分出正整数、零和负整数等</a:t>
+            </a:r>
+            <a:r>
+              <a:rPr lang="en-US" altLang="zh-CN" dirty="0">
+                <a:solidFill>
+                  <a:schemeClr val="bg1">
+                    <a:lumMod val="65000"/>
+                  </a:schemeClr>
+                </a:solidFill>
+                <a:latin typeface="PingFang SC"/>
+              </a:rPr>
+              <a:t>3</a:t>
+            </a:r>
+            <a:r>
+              <a:rPr lang="zh-CN" altLang="en-US" dirty="0">
+                <a:solidFill>
+                  <a:schemeClr val="bg1">
+                    <a:lumMod val="65000"/>
+                  </a:schemeClr>
+                </a:solidFill>
+                <a:latin typeface="PingFang SC"/>
+              </a:rPr>
+              <a:t>个有效类</a:t>
+            </a:r>
+            <a:r>
+              <a:rPr lang="en-US" altLang="zh-CN" dirty="0">
+                <a:solidFill>
+                  <a:schemeClr val="bg1">
+                    <a:lumMod val="65000"/>
+                  </a:schemeClr>
+                </a:solidFill>
+                <a:latin typeface="PingFang SC"/>
+              </a:rPr>
+              <a:t>;</a:t>
+            </a:r>
+          </a:p>
+          <a:p>
+            <a:pPr>
+              <a:lnSpc>
+                <a:spcPct val="200000"/>
+              </a:lnSpc>
+            </a:pPr>
+            <a:r>
+              <a:rPr lang="zh-CN" altLang="en-US" dirty="0">
+                <a:solidFill>
+                  <a:schemeClr val="bg1">
+                    <a:lumMod val="65000"/>
+                  </a:schemeClr>
+                </a:solidFill>
+                <a:latin typeface="PingFang SC"/>
+              </a:rPr>
+              <a:t>如果程序的处理对象是表格</a:t>
+            </a:r>
+            <a:r>
+              <a:rPr lang="en-US" altLang="zh-CN" dirty="0">
+                <a:solidFill>
+                  <a:schemeClr val="bg1">
+                    <a:lumMod val="65000"/>
+                  </a:schemeClr>
+                </a:solidFill>
+                <a:latin typeface="PingFang SC"/>
+              </a:rPr>
+              <a:t>,</a:t>
+            </a:r>
+            <a:r>
+              <a:rPr lang="zh-CN" altLang="en-US" dirty="0">
+                <a:solidFill>
+                  <a:schemeClr val="bg1">
+                    <a:lumMod val="65000"/>
+                  </a:schemeClr>
+                </a:solidFill>
+                <a:latin typeface="PingFang SC"/>
+              </a:rPr>
+              <a:t>则应该使用空表</a:t>
+            </a:r>
+            <a:r>
+              <a:rPr lang="en-US" altLang="zh-CN" dirty="0">
+                <a:solidFill>
+                  <a:schemeClr val="bg1">
+                    <a:lumMod val="65000"/>
+                  </a:schemeClr>
+                </a:solidFill>
+                <a:latin typeface="PingFang SC"/>
+              </a:rPr>
+              <a:t>,</a:t>
+            </a:r>
+            <a:r>
+              <a:rPr lang="zh-CN" altLang="en-US" dirty="0">
+                <a:solidFill>
+                  <a:schemeClr val="bg1">
+                    <a:lumMod val="65000"/>
+                  </a:schemeClr>
+                </a:solidFill>
+                <a:latin typeface="PingFang SC"/>
+              </a:rPr>
+              <a:t>以及含一项或多项的表。</a:t>
             </a:r>
           </a:p>
           <a:p>
@@ -19569,17 +21639,14 @@
                 <a:spcPct val="200000"/>
               </a:lnSpc>
             </a:pPr>
-            <a:r>
-              <a:rPr lang="en-US" altLang="zh-CN" sz="2000" dirty="0">
-                <a:solidFill>
-                  <a:schemeClr val="bg1">
-                    <a:lumMod val="65000"/>
-                  </a:schemeClr>
-                </a:solidFill>
-                <a:latin typeface="PingFang SC"/>
-              </a:rPr>
-              <a:t>  </a:t>
-            </a:r>
+            <a:endParaRPr lang="en-US" altLang="zh-CN" sz="2000" dirty="0">
+              <a:solidFill>
+                <a:schemeClr val="bg1">
+                  <a:lumMod val="65000"/>
+                </a:schemeClr>
+              </a:solidFill>
+              <a:latin typeface="PingFang SC"/>
+            </a:endParaRPr>
           </a:p>
         </p:txBody>
       </p:sp>
@@ -19591,7 +21658,7 @@
         </p:nvSpPr>
         <p:spPr>
           <a:xfrm>
-            <a:off x="353007" y="536122"/>
+            <a:off x="474305" y="365471"/>
             <a:ext cx="2646878" cy="584775"/>
           </a:xfrm>
           <a:prstGeom prst="rect">
@@ -19666,7 +21733,7 @@
         </p:nvSpPr>
         <p:spPr>
           <a:xfrm>
-            <a:off x="353007" y="1681198"/>
+            <a:off x="474305" y="1869725"/>
             <a:ext cx="11636830" cy="4622804"/>
           </a:xfrm>
           <a:prstGeom prst="rect">
@@ -19685,6 +21752,17 @@
               </a:lnSpc>
             </a:pPr>
             <a:r>
+              <a:rPr lang="zh-CN" altLang="en-US" dirty="0">
+                <a:solidFill>
+                  <a:schemeClr val="bg1">
+                    <a:lumMod val="65000"/>
+                  </a:schemeClr>
+                </a:solidFill>
+                <a:latin typeface="PingFang SC"/>
+              </a:rPr>
+              <a:t>设计测试方案时两个</a:t>
+            </a:r>
+            <a:r>
               <a:rPr lang="zh-CN" altLang="en-US" b="1" dirty="0">
                 <a:solidFill>
                   <a:schemeClr val="bg1">
@@ -19693,7 +21771,18 @@
                 </a:solidFill>
                 <a:latin typeface="PingFang SC"/>
               </a:rPr>
-              <a:t>错误推测：</a:t>
+              <a:t>步骤</a:t>
+            </a:r>
+            <a:r>
+              <a:rPr lang="zh-CN" altLang="en-US" dirty="0">
+                <a:solidFill>
+                  <a:schemeClr val="bg1">
+                    <a:lumMod val="65000"/>
+                  </a:schemeClr>
+                </a:solidFill>
+                <a:latin typeface="PingFang SC"/>
+              </a:rPr>
+              <a:t>：</a:t>
             </a:r>
           </a:p>
           <a:p>
@@ -19703,6 +21792,17 @@
               </a:lnSpc>
             </a:pPr>
             <a:r>
+              <a:rPr lang="en-US" altLang="zh-CN" dirty="0">
+                <a:solidFill>
+                  <a:schemeClr val="bg1">
+                    <a:lumMod val="65000"/>
+                  </a:schemeClr>
+                </a:solidFill>
+                <a:latin typeface="PingFang SC"/>
+              </a:rPr>
+              <a:t>1.</a:t>
+            </a:r>
+            <a:r>
               <a:rPr lang="zh-CN" altLang="en-US" dirty="0">
                 <a:solidFill>
                   <a:schemeClr val="bg1">
@@ -19711,7 +21811,7 @@
                 </a:solidFill>
                 <a:latin typeface="PingFang SC"/>
               </a:rPr>
-              <a:t>         不同类型不同特点的程序通常又有一些特殊的容易出错的情况。因此必须依靠测试人员的经验和直觉</a:t>
+              <a:t>设计一个新的测试方案以尽可能多地覆盖尚未被覆盖的有效等价类</a:t>
             </a:r>
             <a:r>
               <a:rPr lang="en-US" altLang="zh-CN" dirty="0">
@@ -19733,7 +21833,18 @@
                 </a:solidFill>
                 <a:latin typeface="PingFang SC"/>
               </a:rPr>
-              <a:t>从各种可能的测试方案中选出一些最可能引起程序出错的方案。</a:t>
+              <a:t>重复这一步骤直到所有有效等价类都被覆盖为止</a:t>
+            </a:r>
+            <a:r>
+              <a:rPr lang="en-US" altLang="zh-CN" dirty="0">
+                <a:solidFill>
+                  <a:schemeClr val="bg1">
+                    <a:lumMod val="65000"/>
+                  </a:schemeClr>
+                </a:solidFill>
+                <a:latin typeface="PingFang SC"/>
+              </a:rPr>
+              <a:t>;</a:t>
             </a:r>
           </a:p>
           <a:p>
@@ -19743,6 +21854,17 @@
               </a:lnSpc>
             </a:pPr>
             <a:r>
+              <a:rPr lang="en-US" altLang="zh-CN" dirty="0">
+                <a:solidFill>
+                  <a:schemeClr val="bg1">
+                    <a:lumMod val="65000"/>
+                  </a:schemeClr>
+                </a:solidFill>
+                <a:latin typeface="PingFang SC"/>
+              </a:rPr>
+              <a:t>2.</a:t>
+            </a:r>
+            <a:r>
               <a:rPr lang="zh-CN" altLang="en-US" dirty="0">
                 <a:solidFill>
                   <a:schemeClr val="bg1">
@@ -19751,7 +21873,7 @@
                 </a:solidFill>
                 <a:latin typeface="PingFang SC"/>
               </a:rPr>
-              <a:t>         错误推测法在很大程度上靠直觉和经验进行。它的基本想法是列举出程序中可能有的错误和容易发生错误的特殊情况</a:t>
+              <a:t>设计一个新的测试方案</a:t>
             </a:r>
             <a:r>
               <a:rPr lang="en-US" altLang="zh-CN" dirty="0">
@@ -19773,7 +21895,29 @@
                 </a:solidFill>
                 <a:latin typeface="PingFang SC"/>
               </a:rPr>
-              <a:t>并且根据它们选择测试方案。</a:t>
+              <a:t>使它覆盖一个而且只覆盖一个尚未被覆盖的无效等价类</a:t>
+            </a:r>
+            <a:r>
+              <a:rPr lang="en-US" altLang="zh-CN" dirty="0">
+                <a:solidFill>
+                  <a:schemeClr val="bg1">
+                    <a:lumMod val="65000"/>
+                  </a:schemeClr>
+                </a:solidFill>
+                <a:latin typeface="PingFang SC"/>
+              </a:rPr>
+              <a:t>,</a:t>
+            </a:r>
+            <a:r>
+              <a:rPr lang="zh-CN" altLang="en-US" dirty="0">
+                <a:solidFill>
+                  <a:schemeClr val="bg1">
+                    <a:lumMod val="65000"/>
+                  </a:schemeClr>
+                </a:solidFill>
+                <a:latin typeface="PingFang SC"/>
+              </a:rPr>
+              <a:t>重复这步骤直到所有无效等价类都被覆盖为止。</a:t>
             </a:r>
           </a:p>
           <a:p>
@@ -19820,6 +21964,278 @@
               </a:solidFill>
               <a:latin typeface="PingFang SC"/>
             </a:endParaRPr>
+          </a:p>
+        </p:txBody>
+      </p:sp>
+      <p:sp>
+        <p:nvSpPr>
+          <p:cNvPr id="4" name="文本框 3"/>
+          <p:cNvSpPr txBox="1"/>
+          <p:nvPr/>
+        </p:nvSpPr>
+        <p:spPr>
+          <a:xfrm>
+            <a:off x="474305" y="720035"/>
+            <a:ext cx="2646878" cy="584775"/>
+          </a:xfrm>
+          <a:prstGeom prst="rect">
+            <a:avLst/>
+          </a:prstGeom>
+          <a:noFill/>
+        </p:spPr>
+        <p:txBody>
+          <a:bodyPr vert="horz" wrap="none" rtlCol="0">
+            <a:spAutoFit/>
+          </a:bodyPr>
+          <a:lstStyle/>
+          <a:p>
+            <a:r>
+              <a:rPr lang="zh-CN" altLang="en-US" sz="3200" dirty="0">
+                <a:solidFill>
+                  <a:schemeClr val="tx1">
+                    <a:lumMod val="50000"/>
+                    <a:lumOff val="50000"/>
+                  </a:schemeClr>
+                </a:solidFill>
+                <a:latin typeface="幼圆" panose="02010509060101010101" pitchFamily="49" charset="-122"/>
+                <a:ea typeface="幼圆" panose="02010509060101010101" pitchFamily="49" charset="-122"/>
+              </a:rPr>
+              <a:t>黑盒测试技术</a:t>
+            </a:r>
+          </a:p>
+        </p:txBody>
+      </p:sp>
+    </p:spTree>
+  </p:cSld>
+  <p:clrMapOvr>
+    <a:masterClrMapping/>
+  </p:clrMapOvr>
+  <mc:AlternateContent xmlns:mc="http://schemas.openxmlformats.org/markup-compatibility/2006" xmlns:p15="http://schemas.microsoft.com/office/powerpoint/2012/main">
+    <mc:Choice Requires="p15">
+      <p:transition xmlns:p14="http://schemas.microsoft.com/office/powerpoint/2010/main" spd="slow" p14:dur="2000" advTm="0">
+        <p15:prstTrans prst="drape"/>
+      </p:transition>
+    </mc:Choice>
+    <mc:Fallback xmlns="">
+      <p:transition spd="slow" advTm="0">
+        <p:fade/>
+      </p:transition>
+    </mc:Fallback>
+  </mc:AlternateContent>
+</p:sld>
+</file>
+
+<file path=ppt/slides/slide45.xml><?xml version="1.0" encoding="utf-8"?>
+<p:sld xmlns:a="http://schemas.openxmlformats.org/drawingml/2006/main" xmlns:r="http://schemas.openxmlformats.org/officeDocument/2006/relationships" xmlns:p="http://schemas.openxmlformats.org/presentationml/2006/main">
+  <p:cSld>
+    <p:spTree>
+      <p:nvGrpSpPr>
+        <p:cNvPr id="1" name=""/>
+        <p:cNvGrpSpPr/>
+        <p:nvPr/>
+      </p:nvGrpSpPr>
+      <p:grpSpPr>
+        <a:xfrm>
+          <a:off x="0" y="0"/>
+          <a:ext cx="0" cy="0"/>
+          <a:chOff x="0" y="0"/>
+          <a:chExt cx="0" cy="0"/>
+        </a:xfrm>
+      </p:grpSpPr>
+      <p:sp>
+        <p:nvSpPr>
+          <p:cNvPr id="11" name="矩形 10"/>
+          <p:cNvSpPr/>
+          <p:nvPr/>
+        </p:nvSpPr>
+        <p:spPr>
+          <a:xfrm>
+            <a:off x="353007" y="1681198"/>
+            <a:ext cx="11636830" cy="5176802"/>
+          </a:xfrm>
+          <a:prstGeom prst="rect">
+            <a:avLst/>
+          </a:prstGeom>
+        </p:spPr>
+        <p:txBody>
+          <a:bodyPr wrap="square">
+            <a:spAutoFit/>
+          </a:bodyPr>
+          <a:lstStyle/>
+          <a:p>
+            <a:pPr>
+              <a:lnSpc>
+                <a:spcPct val="200000"/>
+              </a:lnSpc>
+            </a:pPr>
+            <a:r>
+              <a:rPr lang="zh-CN" altLang="en-US" b="1" dirty="0">
+                <a:solidFill>
+                  <a:schemeClr val="bg1">
+                    <a:lumMod val="65000"/>
+                  </a:schemeClr>
+                </a:solidFill>
+                <a:latin typeface="PingFang SC"/>
+              </a:rPr>
+              <a:t>边界值分析</a:t>
+            </a:r>
+            <a:r>
+              <a:rPr lang="en-US" altLang="zh-CN" dirty="0">
+                <a:solidFill>
+                  <a:schemeClr val="bg1">
+                    <a:lumMod val="65000"/>
+                  </a:schemeClr>
+                </a:solidFill>
+                <a:latin typeface="PingFang SC"/>
+              </a:rPr>
+              <a:t>:</a:t>
+            </a:r>
+          </a:p>
+          <a:p>
+            <a:pPr>
+              <a:lnSpc>
+                <a:spcPct val="200000"/>
+              </a:lnSpc>
+            </a:pPr>
+            <a:r>
+              <a:rPr lang="zh-CN" altLang="en-US" dirty="0">
+                <a:solidFill>
+                  <a:schemeClr val="bg1">
+                    <a:lumMod val="65000"/>
+                  </a:schemeClr>
+                </a:solidFill>
+                <a:latin typeface="PingFang SC"/>
+              </a:rPr>
+              <a:t>         经验表明</a:t>
+            </a:r>
+            <a:r>
+              <a:rPr lang="en-US" altLang="zh-CN" dirty="0">
+                <a:solidFill>
+                  <a:schemeClr val="bg1">
+                    <a:lumMod val="65000"/>
+                  </a:schemeClr>
+                </a:solidFill>
+                <a:latin typeface="PingFang SC"/>
+              </a:rPr>
+              <a:t>,</a:t>
+            </a:r>
+            <a:r>
+              <a:rPr lang="zh-CN" altLang="en-US" dirty="0">
+                <a:solidFill>
+                  <a:schemeClr val="bg1">
+                    <a:lumMod val="65000"/>
+                  </a:schemeClr>
+                </a:solidFill>
+                <a:latin typeface="PingFang SC"/>
+              </a:rPr>
+              <a:t>处理边界情况时程序最容易发生错误。例如</a:t>
+            </a:r>
+            <a:r>
+              <a:rPr lang="en-US" altLang="zh-CN" dirty="0">
+                <a:solidFill>
+                  <a:schemeClr val="bg1">
+                    <a:lumMod val="65000"/>
+                  </a:schemeClr>
+                </a:solidFill>
+                <a:latin typeface="PingFang SC"/>
+              </a:rPr>
+              <a:t>,</a:t>
+            </a:r>
+            <a:r>
+              <a:rPr lang="zh-CN" altLang="en-US" dirty="0">
+                <a:solidFill>
+                  <a:schemeClr val="bg1">
+                    <a:lumMod val="65000"/>
+                  </a:schemeClr>
+                </a:solidFill>
+                <a:latin typeface="PingFang SC"/>
+              </a:rPr>
+              <a:t>许多程序错误出现在下标、纯量、数据结构和循环等等的边界附近。</a:t>
+            </a:r>
+          </a:p>
+          <a:p>
+            <a:pPr>
+              <a:lnSpc>
+                <a:spcPct val="200000"/>
+              </a:lnSpc>
+            </a:pPr>
+            <a:r>
+              <a:rPr lang="zh-CN" altLang="en-US" dirty="0">
+                <a:solidFill>
+                  <a:schemeClr val="bg1">
+                    <a:lumMod val="65000"/>
+                  </a:schemeClr>
+                </a:solidFill>
+                <a:latin typeface="PingFang SC"/>
+              </a:rPr>
+              <a:t>         使用边界值分析方法设计测试方案首先应该确定边界情况。选取的测试数据应该刚好等于、刚刚小于和刚刚大于边界值</a:t>
+            </a:r>
+          </a:p>
+          <a:p>
+            <a:pPr>
+              <a:lnSpc>
+                <a:spcPct val="200000"/>
+              </a:lnSpc>
+            </a:pPr>
+            <a:r>
+              <a:rPr lang="zh-CN" altLang="en-US" dirty="0">
+                <a:solidFill>
+                  <a:schemeClr val="bg1">
+                    <a:lumMod val="65000"/>
+                  </a:schemeClr>
+                </a:solidFill>
+                <a:latin typeface="PingFang SC"/>
+              </a:rPr>
+              <a:t>          通常设计测试方案时总是联合使用等价划分和边界值分析两种技术。</a:t>
+            </a:r>
+          </a:p>
+          <a:p>
+            <a:pPr>
+              <a:lnSpc>
+                <a:spcPct val="200000"/>
+              </a:lnSpc>
+            </a:pPr>
+            <a:endParaRPr lang="zh-CN" altLang="en-US" sz="2000" dirty="0">
+              <a:solidFill>
+                <a:schemeClr val="bg1">
+                  <a:lumMod val="65000"/>
+                </a:schemeClr>
+              </a:solidFill>
+              <a:latin typeface="PingFang SC"/>
+            </a:endParaRPr>
+          </a:p>
+          <a:p>
+            <a:pPr>
+              <a:lnSpc>
+                <a:spcPct val="200000"/>
+              </a:lnSpc>
+            </a:pPr>
+            <a:endParaRPr lang="en-US" altLang="zh-CN" sz="2000" dirty="0">
+              <a:solidFill>
+                <a:schemeClr val="bg1">
+                  <a:lumMod val="65000"/>
+                </a:schemeClr>
+              </a:solidFill>
+              <a:latin typeface="PingFang SC"/>
+            </a:endParaRPr>
+          </a:p>
+          <a:p>
+            <a:pPr>
+              <a:lnSpc>
+                <a:spcPct val="200000"/>
+              </a:lnSpc>
+            </a:pPr>
+            <a:r>
+              <a:rPr lang="en-US" altLang="zh-CN" sz="2000" dirty="0">
+                <a:solidFill>
+                  <a:schemeClr val="bg1">
+                    <a:lumMod val="65000"/>
+                  </a:schemeClr>
+                </a:solidFill>
+                <a:latin typeface="PingFang SC"/>
+              </a:rPr>
+              <a:t>  </a:t>
+            </a:r>
           </a:p>
         </p:txBody>
       </p:sp>
@@ -19881,7 +22297,247 @@
 </p:sld>
 </file>
 
-<file path=ppt/slides/slide45.xml><?xml version="1.0" encoding="utf-8"?>
+<file path=ppt/slides/slide46.xml><?xml version="1.0" encoding="utf-8"?>
+<p:sld xmlns:a="http://schemas.openxmlformats.org/drawingml/2006/main" xmlns:r="http://schemas.openxmlformats.org/officeDocument/2006/relationships" xmlns:p="http://schemas.openxmlformats.org/presentationml/2006/main">
+  <p:cSld>
+    <p:spTree>
+      <p:nvGrpSpPr>
+        <p:cNvPr id="1" name=""/>
+        <p:cNvGrpSpPr/>
+        <p:nvPr/>
+      </p:nvGrpSpPr>
+      <p:grpSpPr>
+        <a:xfrm>
+          <a:off x="0" y="0"/>
+          <a:ext cx="0" cy="0"/>
+          <a:chOff x="0" y="0"/>
+          <a:chExt cx="0" cy="0"/>
+        </a:xfrm>
+      </p:grpSpPr>
+      <p:sp>
+        <p:nvSpPr>
+          <p:cNvPr id="11" name="矩形 10"/>
+          <p:cNvSpPr/>
+          <p:nvPr/>
+        </p:nvSpPr>
+        <p:spPr>
+          <a:xfrm>
+            <a:off x="353007" y="1681198"/>
+            <a:ext cx="11636830" cy="4622804"/>
+          </a:xfrm>
+          <a:prstGeom prst="rect">
+            <a:avLst/>
+          </a:prstGeom>
+        </p:spPr>
+        <p:txBody>
+          <a:bodyPr wrap="square">
+            <a:spAutoFit/>
+          </a:bodyPr>
+          <a:lstStyle/>
+          <a:p>
+            <a:pPr>
+              <a:lnSpc>
+                <a:spcPct val="200000"/>
+              </a:lnSpc>
+            </a:pPr>
+            <a:r>
+              <a:rPr lang="zh-CN" altLang="en-US" b="1" dirty="0">
+                <a:solidFill>
+                  <a:schemeClr val="bg1">
+                    <a:lumMod val="65000"/>
+                  </a:schemeClr>
+                </a:solidFill>
+                <a:latin typeface="PingFang SC"/>
+              </a:rPr>
+              <a:t>错误推测：</a:t>
+            </a:r>
+          </a:p>
+          <a:p>
+            <a:pPr>
+              <a:lnSpc>
+                <a:spcPct val="200000"/>
+              </a:lnSpc>
+            </a:pPr>
+            <a:r>
+              <a:rPr lang="zh-CN" altLang="en-US" dirty="0">
+                <a:solidFill>
+                  <a:schemeClr val="bg1">
+                    <a:lumMod val="65000"/>
+                  </a:schemeClr>
+                </a:solidFill>
+                <a:latin typeface="PingFang SC"/>
+              </a:rPr>
+              <a:t>         不同类型不同特点的程序通常又有一些特殊的容易出错的情况。因此必须依靠测试人员的经验和直觉</a:t>
+            </a:r>
+            <a:r>
+              <a:rPr lang="en-US" altLang="zh-CN" dirty="0">
+                <a:solidFill>
+                  <a:schemeClr val="bg1">
+                    <a:lumMod val="65000"/>
+                  </a:schemeClr>
+                </a:solidFill>
+                <a:latin typeface="PingFang SC"/>
+              </a:rPr>
+              <a:t>,</a:t>
+            </a:r>
+            <a:r>
+              <a:rPr lang="zh-CN" altLang="en-US" dirty="0">
+                <a:solidFill>
+                  <a:schemeClr val="bg1">
+                    <a:lumMod val="65000"/>
+                  </a:schemeClr>
+                </a:solidFill>
+                <a:latin typeface="PingFang SC"/>
+              </a:rPr>
+              <a:t>从各种可能的测试方案中选出一些最可能引起程序出错的方案。</a:t>
+            </a:r>
+          </a:p>
+          <a:p>
+            <a:pPr>
+              <a:lnSpc>
+                <a:spcPct val="200000"/>
+              </a:lnSpc>
+            </a:pPr>
+            <a:r>
+              <a:rPr lang="zh-CN" altLang="en-US" dirty="0">
+                <a:solidFill>
+                  <a:schemeClr val="bg1">
+                    <a:lumMod val="65000"/>
+                  </a:schemeClr>
+                </a:solidFill>
+                <a:latin typeface="PingFang SC"/>
+              </a:rPr>
+              <a:t>         错误推测法在很大程度上靠直觉和经验进行。它的基本想法是列举出程序中可能有的错误和容易发生错误的特殊情况</a:t>
+            </a:r>
+            <a:r>
+              <a:rPr lang="en-US" altLang="zh-CN" dirty="0">
+                <a:solidFill>
+                  <a:schemeClr val="bg1">
+                    <a:lumMod val="65000"/>
+                  </a:schemeClr>
+                </a:solidFill>
+                <a:latin typeface="PingFang SC"/>
+              </a:rPr>
+              <a:t>,</a:t>
+            </a:r>
+            <a:r>
+              <a:rPr lang="zh-CN" altLang="en-US" dirty="0">
+                <a:solidFill>
+                  <a:schemeClr val="bg1">
+                    <a:lumMod val="65000"/>
+                  </a:schemeClr>
+                </a:solidFill>
+                <a:latin typeface="PingFang SC"/>
+              </a:rPr>
+              <a:t>并且根据它们选择测试方案。</a:t>
+            </a:r>
+          </a:p>
+          <a:p>
+            <a:pPr>
+              <a:lnSpc>
+                <a:spcPct val="200000"/>
+              </a:lnSpc>
+            </a:pPr>
+            <a:endParaRPr lang="zh-CN" altLang="en-US" sz="2000" dirty="0">
+              <a:solidFill>
+                <a:schemeClr val="bg1">
+                  <a:lumMod val="65000"/>
+                </a:schemeClr>
+              </a:solidFill>
+              <a:latin typeface="PingFang SC"/>
+            </a:endParaRPr>
+          </a:p>
+          <a:p>
+            <a:pPr>
+              <a:lnSpc>
+                <a:spcPct val="200000"/>
+              </a:lnSpc>
+            </a:pPr>
+            <a:endParaRPr lang="en-US" altLang="zh-CN" sz="2000" dirty="0">
+              <a:solidFill>
+                <a:schemeClr val="bg1">
+                  <a:lumMod val="65000"/>
+                </a:schemeClr>
+              </a:solidFill>
+              <a:latin typeface="PingFang SC"/>
+            </a:endParaRPr>
+          </a:p>
+          <a:p>
+            <a:pPr>
+              <a:lnSpc>
+                <a:spcPct val="200000"/>
+              </a:lnSpc>
+            </a:pPr>
+            <a:endParaRPr lang="en-US" altLang="zh-CN" sz="2000" dirty="0">
+              <a:solidFill>
+                <a:schemeClr val="bg1">
+                  <a:lumMod val="65000"/>
+                </a:schemeClr>
+              </a:solidFill>
+              <a:latin typeface="PingFang SC"/>
+            </a:endParaRPr>
+          </a:p>
+        </p:txBody>
+      </p:sp>
+      <p:sp>
+        <p:nvSpPr>
+          <p:cNvPr id="4" name="文本框 3"/>
+          <p:cNvSpPr txBox="1"/>
+          <p:nvPr/>
+        </p:nvSpPr>
+        <p:spPr>
+          <a:xfrm>
+            <a:off x="353007" y="536122"/>
+            <a:ext cx="2646878" cy="584775"/>
+          </a:xfrm>
+          <a:prstGeom prst="rect">
+            <a:avLst/>
+          </a:prstGeom>
+          <a:noFill/>
+        </p:spPr>
+        <p:txBody>
+          <a:bodyPr vert="horz" wrap="none" rtlCol="0">
+            <a:spAutoFit/>
+          </a:bodyPr>
+          <a:lstStyle/>
+          <a:p>
+            <a:r>
+              <a:rPr lang="zh-CN" altLang="en-US" sz="3200" dirty="0">
+                <a:solidFill>
+                  <a:schemeClr val="tx1">
+                    <a:lumMod val="50000"/>
+                    <a:lumOff val="50000"/>
+                  </a:schemeClr>
+                </a:solidFill>
+                <a:latin typeface="幼圆" panose="02010509060101010101" pitchFamily="49" charset="-122"/>
+                <a:ea typeface="幼圆" panose="02010509060101010101" pitchFamily="49" charset="-122"/>
+              </a:rPr>
+              <a:t>黑盒测试技术</a:t>
+            </a:r>
+          </a:p>
+        </p:txBody>
+      </p:sp>
+    </p:spTree>
+  </p:cSld>
+  <p:clrMapOvr>
+    <a:masterClrMapping/>
+  </p:clrMapOvr>
+  <mc:AlternateContent xmlns:mc="http://schemas.openxmlformats.org/markup-compatibility/2006" xmlns:p15="http://schemas.microsoft.com/office/powerpoint/2012/main">
+    <mc:Choice Requires="p15">
+      <p:transition xmlns:p14="http://schemas.microsoft.com/office/powerpoint/2010/main" spd="slow" p14:dur="2000" advTm="0">
+        <p15:prstTrans prst="drape"/>
+      </p:transition>
+    </mc:Choice>
+    <mc:Fallback xmlns="">
+      <p:transition spd="slow" advTm="0">
+        <p:fade/>
+      </p:transition>
+    </mc:Fallback>
+  </mc:AlternateContent>
+</p:sld>
+</file>
+
+<file path=ppt/slides/slide47.xml><?xml version="1.0" encoding="utf-8"?>
 <p:sld xmlns:a="http://schemas.openxmlformats.org/drawingml/2006/main" xmlns:r="http://schemas.openxmlformats.org/officeDocument/2006/relationships" xmlns:p="http://schemas.openxmlformats.org/presentationml/2006/main">
   <p:cSld>
     <p:spTree>
@@ -20035,7 +22691,7 @@
 </p:sld>
 </file>
 
-<file path=ppt/slides/slide46.xml><?xml version="1.0" encoding="utf-8"?>
+<file path=ppt/slides/slide48.xml><?xml version="1.0" encoding="utf-8"?>
 <p:sld xmlns:a="http://schemas.openxmlformats.org/drawingml/2006/main" xmlns:r="http://schemas.openxmlformats.org/officeDocument/2006/relationships" xmlns:p="http://schemas.openxmlformats.org/presentationml/2006/main">
   <p:cSld>
     <p:spTree>
@@ -20467,7 +23123,7 @@
 </p:sld>
 </file>
 
-<file path=ppt/slides/slide47.xml><?xml version="1.0" encoding="utf-8"?>
+<file path=ppt/slides/slide49.xml><?xml version="1.0" encoding="utf-8"?>
 <p:sld xmlns:a="http://schemas.openxmlformats.org/drawingml/2006/main" xmlns:r="http://schemas.openxmlformats.org/officeDocument/2006/relationships" xmlns:p="http://schemas.openxmlformats.org/presentationml/2006/main">
   <p:cSld>
     <p:spTree>
@@ -20790,7 +23446,496 @@
 </p:sld>
 </file>
 
-<file path=ppt/slides/slide48.xml><?xml version="1.0" encoding="utf-8"?>
+<file path=ppt/slides/slide5.xml><?xml version="1.0" encoding="utf-8"?>
+<p:sld xmlns:a="http://schemas.openxmlformats.org/drawingml/2006/main" xmlns:r="http://schemas.openxmlformats.org/officeDocument/2006/relationships" xmlns:p="http://schemas.openxmlformats.org/presentationml/2006/main">
+  <p:cSld>
+    <p:spTree>
+      <p:nvGrpSpPr>
+        <p:cNvPr id="1" name=""/>
+        <p:cNvGrpSpPr/>
+        <p:nvPr/>
+      </p:nvGrpSpPr>
+      <p:grpSpPr>
+        <a:xfrm>
+          <a:off x="0" y="0"/>
+          <a:ext cx="0" cy="0"/>
+          <a:chOff x="0" y="0"/>
+          <a:chExt cx="0" cy="0"/>
+        </a:xfrm>
+      </p:grpSpPr>
+      <p:sp>
+        <p:nvSpPr>
+          <p:cNvPr id="6" name="文本框 5"/>
+          <p:cNvSpPr txBox="1"/>
+          <p:nvPr/>
+        </p:nvSpPr>
+        <p:spPr>
+          <a:xfrm>
+            <a:off x="373137" y="727929"/>
+            <a:ext cx="2242922" cy="707886"/>
+          </a:xfrm>
+          <a:prstGeom prst="rect">
+            <a:avLst/>
+          </a:prstGeom>
+          <a:noFill/>
+        </p:spPr>
+        <p:txBody>
+          <a:bodyPr wrap="none" rtlCol="0">
+            <a:spAutoFit/>
+          </a:bodyPr>
+          <a:lstStyle/>
+          <a:p>
+            <a:r>
+              <a:rPr lang="zh-CN" altLang="en-US" sz="4000" b="1" dirty="0">
+                <a:solidFill>
+                  <a:schemeClr val="tx1">
+                    <a:lumMod val="50000"/>
+                    <a:lumOff val="50000"/>
+                  </a:schemeClr>
+                </a:solidFill>
+                <a:latin typeface="幼圆" panose="02010509060101010101" pitchFamily="49" charset="-122"/>
+                <a:ea typeface="幼圆" panose="02010509060101010101" pitchFamily="49" charset="-122"/>
+              </a:rPr>
+              <a:t>实用标准</a:t>
+            </a:r>
+          </a:p>
+        </p:txBody>
+      </p:sp>
+      <p:sp>
+        <p:nvSpPr>
+          <p:cNvPr id="7" name="文本框 6"/>
+          <p:cNvSpPr txBox="1"/>
+          <p:nvPr/>
+        </p:nvSpPr>
+        <p:spPr>
+          <a:xfrm>
+            <a:off x="373137" y="1435815"/>
+            <a:ext cx="7240248" cy="4515660"/>
+          </a:xfrm>
+          <a:prstGeom prst="rect">
+            <a:avLst/>
+          </a:prstGeom>
+          <a:noFill/>
+        </p:spPr>
+        <p:txBody>
+          <a:bodyPr wrap="square">
+            <a:spAutoFit/>
+          </a:bodyPr>
+          <a:lstStyle/>
+          <a:p>
+            <a:pPr>
+              <a:lnSpc>
+                <a:spcPct val="150000"/>
+              </a:lnSpc>
+            </a:pPr>
+            <a:r>
+              <a:rPr lang="en-US" altLang="zh-CN" sz="2800" dirty="0">
+                <a:solidFill>
+                  <a:schemeClr val="tx1">
+                    <a:lumMod val="50000"/>
+                    <a:lumOff val="50000"/>
+                  </a:schemeClr>
+                </a:solidFill>
+                <a:latin typeface="幼圆" panose="02010509060101010101" pitchFamily="49" charset="-122"/>
+                <a:ea typeface="幼圆" panose="02010509060101010101" pitchFamily="49" charset="-122"/>
+              </a:rPr>
+              <a:t>1.</a:t>
+            </a:r>
+            <a:r>
+              <a:rPr lang="zh-CN" altLang="en-US" sz="2800" dirty="0">
+                <a:solidFill>
+                  <a:schemeClr val="tx1">
+                    <a:lumMod val="50000"/>
+                    <a:lumOff val="50000"/>
+                  </a:schemeClr>
+                </a:solidFill>
+                <a:latin typeface="幼圆" panose="02010509060101010101" pitchFamily="49" charset="-122"/>
+                <a:ea typeface="幼圆" panose="02010509060101010101" pitchFamily="49" charset="-122"/>
+              </a:rPr>
+              <a:t>系统用户的要求</a:t>
+            </a:r>
+          </a:p>
+          <a:p>
+            <a:pPr>
+              <a:lnSpc>
+                <a:spcPct val="150000"/>
+              </a:lnSpc>
+            </a:pPr>
+            <a:r>
+              <a:rPr lang="en-US" altLang="zh-CN" sz="2800" dirty="0">
+                <a:solidFill>
+                  <a:schemeClr val="tx1">
+                    <a:lumMod val="50000"/>
+                    <a:lumOff val="50000"/>
+                  </a:schemeClr>
+                </a:solidFill>
+                <a:latin typeface="幼圆" panose="02010509060101010101" pitchFamily="49" charset="-122"/>
+                <a:ea typeface="幼圆" panose="02010509060101010101" pitchFamily="49" charset="-122"/>
+              </a:rPr>
+              <a:t>2.</a:t>
+            </a:r>
+            <a:r>
+              <a:rPr lang="zh-CN" altLang="en-US" sz="2800" dirty="0">
+                <a:solidFill>
+                  <a:schemeClr val="tx1">
+                    <a:lumMod val="50000"/>
+                    <a:lumOff val="50000"/>
+                  </a:schemeClr>
+                </a:solidFill>
+                <a:latin typeface="幼圆" panose="02010509060101010101" pitchFamily="49" charset="-122"/>
+                <a:ea typeface="幼圆" panose="02010509060101010101" pitchFamily="49" charset="-122"/>
+              </a:rPr>
+              <a:t>可以使用的编译程序</a:t>
+            </a:r>
+          </a:p>
+          <a:p>
+            <a:pPr>
+              <a:lnSpc>
+                <a:spcPct val="150000"/>
+              </a:lnSpc>
+            </a:pPr>
+            <a:r>
+              <a:rPr lang="en-US" altLang="zh-CN" sz="2800" dirty="0">
+                <a:solidFill>
+                  <a:schemeClr val="tx1">
+                    <a:lumMod val="50000"/>
+                    <a:lumOff val="50000"/>
+                  </a:schemeClr>
+                </a:solidFill>
+                <a:latin typeface="幼圆" panose="02010509060101010101" pitchFamily="49" charset="-122"/>
+                <a:ea typeface="幼圆" panose="02010509060101010101" pitchFamily="49" charset="-122"/>
+              </a:rPr>
+              <a:t>3.</a:t>
+            </a:r>
+            <a:r>
+              <a:rPr lang="zh-CN" altLang="en-US" sz="2800" dirty="0">
+                <a:solidFill>
+                  <a:schemeClr val="tx1">
+                    <a:lumMod val="50000"/>
+                    <a:lumOff val="50000"/>
+                  </a:schemeClr>
+                </a:solidFill>
+                <a:latin typeface="幼圆" panose="02010509060101010101" pitchFamily="49" charset="-122"/>
+                <a:ea typeface="幼圆" panose="02010509060101010101" pitchFamily="49" charset="-122"/>
+              </a:rPr>
+              <a:t>可以得到的软件工具</a:t>
+            </a:r>
+          </a:p>
+          <a:p>
+            <a:pPr>
+              <a:lnSpc>
+                <a:spcPct val="150000"/>
+              </a:lnSpc>
+            </a:pPr>
+            <a:r>
+              <a:rPr lang="en-US" altLang="zh-CN" sz="2800" dirty="0">
+                <a:solidFill>
+                  <a:schemeClr val="tx1">
+                    <a:lumMod val="50000"/>
+                    <a:lumOff val="50000"/>
+                  </a:schemeClr>
+                </a:solidFill>
+                <a:latin typeface="幼圆" panose="02010509060101010101" pitchFamily="49" charset="-122"/>
+                <a:ea typeface="幼圆" panose="02010509060101010101" pitchFamily="49" charset="-122"/>
+              </a:rPr>
+              <a:t>4.</a:t>
+            </a:r>
+            <a:r>
+              <a:rPr lang="zh-CN" altLang="en-US" sz="2800" dirty="0">
+                <a:solidFill>
+                  <a:schemeClr val="tx1">
+                    <a:lumMod val="50000"/>
+                    <a:lumOff val="50000"/>
+                  </a:schemeClr>
+                </a:solidFill>
+                <a:latin typeface="幼圆" panose="02010509060101010101" pitchFamily="49" charset="-122"/>
+                <a:ea typeface="幼圆" panose="02010509060101010101" pitchFamily="49" charset="-122"/>
+              </a:rPr>
+              <a:t>工程规模</a:t>
+            </a:r>
+          </a:p>
+          <a:p>
+            <a:pPr>
+              <a:lnSpc>
+                <a:spcPct val="150000"/>
+              </a:lnSpc>
+            </a:pPr>
+            <a:r>
+              <a:rPr lang="en-US" altLang="zh-CN" sz="2800" dirty="0">
+                <a:solidFill>
+                  <a:schemeClr val="tx1">
+                    <a:lumMod val="50000"/>
+                    <a:lumOff val="50000"/>
+                  </a:schemeClr>
+                </a:solidFill>
+                <a:latin typeface="幼圆" panose="02010509060101010101" pitchFamily="49" charset="-122"/>
+                <a:ea typeface="幼圆" panose="02010509060101010101" pitchFamily="49" charset="-122"/>
+              </a:rPr>
+              <a:t>5.</a:t>
+            </a:r>
+            <a:r>
+              <a:rPr lang="zh-CN" altLang="en-US" sz="2800" dirty="0">
+                <a:solidFill>
+                  <a:schemeClr val="tx1">
+                    <a:lumMod val="50000"/>
+                    <a:lumOff val="50000"/>
+                  </a:schemeClr>
+                </a:solidFill>
+                <a:latin typeface="幼圆" panose="02010509060101010101" pitchFamily="49" charset="-122"/>
+                <a:ea typeface="幼圆" panose="02010509060101010101" pitchFamily="49" charset="-122"/>
+              </a:rPr>
+              <a:t>程序员知识</a:t>
+            </a:r>
+          </a:p>
+          <a:p>
+            <a:pPr>
+              <a:lnSpc>
+                <a:spcPct val="150000"/>
+              </a:lnSpc>
+            </a:pPr>
+            <a:r>
+              <a:rPr lang="en-US" altLang="zh-CN" sz="2800" dirty="0">
+                <a:solidFill>
+                  <a:schemeClr val="tx1">
+                    <a:lumMod val="50000"/>
+                    <a:lumOff val="50000"/>
+                  </a:schemeClr>
+                </a:solidFill>
+                <a:latin typeface="幼圆" panose="02010509060101010101" pitchFamily="49" charset="-122"/>
+                <a:ea typeface="幼圆" panose="02010509060101010101" pitchFamily="49" charset="-122"/>
+              </a:rPr>
+              <a:t>6.</a:t>
+            </a:r>
+            <a:r>
+              <a:rPr lang="zh-CN" altLang="en-US" sz="2800" dirty="0">
+                <a:solidFill>
+                  <a:schemeClr val="tx1">
+                    <a:lumMod val="50000"/>
+                    <a:lumOff val="50000"/>
+                  </a:schemeClr>
+                </a:solidFill>
+                <a:latin typeface="幼圆" panose="02010509060101010101" pitchFamily="49" charset="-122"/>
+                <a:ea typeface="幼圆" panose="02010509060101010101" pitchFamily="49" charset="-122"/>
+              </a:rPr>
+              <a:t>软件可移植性要求</a:t>
+            </a:r>
+          </a:p>
+          <a:p>
+            <a:pPr>
+              <a:lnSpc>
+                <a:spcPct val="150000"/>
+              </a:lnSpc>
+            </a:pPr>
+            <a:r>
+              <a:rPr lang="en-US" altLang="zh-CN" sz="2800" dirty="0">
+                <a:solidFill>
+                  <a:schemeClr val="tx1">
+                    <a:lumMod val="50000"/>
+                    <a:lumOff val="50000"/>
+                  </a:schemeClr>
+                </a:solidFill>
+                <a:latin typeface="幼圆" panose="02010509060101010101" pitchFamily="49" charset="-122"/>
+                <a:ea typeface="幼圆" panose="02010509060101010101" pitchFamily="49" charset="-122"/>
+              </a:rPr>
+              <a:t>7.</a:t>
+            </a:r>
+            <a:r>
+              <a:rPr lang="zh-CN" altLang="en-US" sz="2800" dirty="0">
+                <a:solidFill>
+                  <a:schemeClr val="tx1">
+                    <a:lumMod val="50000"/>
+                    <a:lumOff val="50000"/>
+                  </a:schemeClr>
+                </a:solidFill>
+                <a:latin typeface="幼圆" panose="02010509060101010101" pitchFamily="49" charset="-122"/>
+                <a:ea typeface="幼圆" panose="02010509060101010101" pitchFamily="49" charset="-122"/>
+              </a:rPr>
+              <a:t>软件的应用领域</a:t>
+            </a:r>
+          </a:p>
+        </p:txBody>
+      </p:sp>
+      <p:sp>
+        <p:nvSpPr>
+          <p:cNvPr id="9" name="文本框 8"/>
+          <p:cNvSpPr txBox="1"/>
+          <p:nvPr/>
+        </p:nvSpPr>
+        <p:spPr>
+          <a:xfrm>
+            <a:off x="6096000" y="1435815"/>
+            <a:ext cx="5234561" cy="3222998"/>
+          </a:xfrm>
+          <a:prstGeom prst="rect">
+            <a:avLst/>
+          </a:prstGeom>
+          <a:noFill/>
+        </p:spPr>
+        <p:txBody>
+          <a:bodyPr wrap="square" rtlCol="0">
+            <a:spAutoFit/>
+          </a:bodyPr>
+          <a:lstStyle/>
+          <a:p>
+            <a:pPr>
+              <a:lnSpc>
+                <a:spcPct val="150000"/>
+              </a:lnSpc>
+            </a:pPr>
+            <a:r>
+              <a:rPr lang="en-US" altLang="zh-CN" sz="2800" dirty="0">
+                <a:solidFill>
+                  <a:schemeClr val="tx1">
+                    <a:lumMod val="50000"/>
+                    <a:lumOff val="50000"/>
+                  </a:schemeClr>
+                </a:solidFill>
+                <a:latin typeface="幼圆" panose="02010509060101010101" pitchFamily="49" charset="-122"/>
+                <a:ea typeface="幼圆" panose="02010509060101010101" pitchFamily="49" charset="-122"/>
+              </a:rPr>
+              <a:t>1.</a:t>
+            </a:r>
+            <a:r>
+              <a:rPr lang="zh-CN" altLang="en-US" sz="2800" dirty="0">
+                <a:solidFill>
+                  <a:schemeClr val="tx1">
+                    <a:lumMod val="50000"/>
+                    <a:lumOff val="50000"/>
+                  </a:schemeClr>
+                </a:solidFill>
+                <a:latin typeface="幼圆" panose="02010509060101010101" pitchFamily="49" charset="-122"/>
+                <a:ea typeface="幼圆" panose="02010509060101010101" pitchFamily="49" charset="-122"/>
+              </a:rPr>
+              <a:t>有理想的模块化计制，可读性好的控制结构和数据结构</a:t>
+            </a:r>
+          </a:p>
+          <a:p>
+            <a:pPr>
+              <a:lnSpc>
+                <a:spcPct val="150000"/>
+              </a:lnSpc>
+            </a:pPr>
+            <a:r>
+              <a:rPr lang="en-US" altLang="zh-CN" sz="2800" dirty="0">
+                <a:solidFill>
+                  <a:schemeClr val="tx1">
+                    <a:lumMod val="50000"/>
+                    <a:lumOff val="50000"/>
+                  </a:schemeClr>
+                </a:solidFill>
+                <a:latin typeface="幼圆" panose="02010509060101010101" pitchFamily="49" charset="-122"/>
+                <a:ea typeface="幼圆" panose="02010509060101010101" pitchFamily="49" charset="-122"/>
+              </a:rPr>
+              <a:t>2.</a:t>
+            </a:r>
+            <a:r>
+              <a:rPr lang="zh-CN" altLang="en-US" sz="2800" dirty="0">
+                <a:solidFill>
+                  <a:schemeClr val="tx1">
+                    <a:lumMod val="50000"/>
+                    <a:lumOff val="50000"/>
+                  </a:schemeClr>
+                </a:solidFill>
+                <a:latin typeface="幼圆" panose="02010509060101010101" pitchFamily="49" charset="-122"/>
+                <a:ea typeface="幼圆" panose="02010509060101010101" pitchFamily="49" charset="-122"/>
+              </a:rPr>
+              <a:t>语言的编译程序尽可能多地发现程序中的错误</a:t>
+            </a:r>
+          </a:p>
+          <a:p>
+            <a:pPr>
+              <a:lnSpc>
+                <a:spcPct val="150000"/>
+              </a:lnSpc>
+            </a:pPr>
+            <a:r>
+              <a:rPr lang="en-US" altLang="zh-CN" sz="2800" dirty="0">
+                <a:solidFill>
+                  <a:schemeClr val="tx1">
+                    <a:lumMod val="50000"/>
+                    <a:lumOff val="50000"/>
+                  </a:schemeClr>
+                </a:solidFill>
+                <a:latin typeface="幼圆" panose="02010509060101010101" pitchFamily="49" charset="-122"/>
+                <a:ea typeface="幼圆" panose="02010509060101010101" pitchFamily="49" charset="-122"/>
+              </a:rPr>
+              <a:t>3.</a:t>
+            </a:r>
+            <a:r>
+              <a:rPr lang="zh-CN" altLang="en-US" sz="2800" dirty="0">
+                <a:solidFill>
+                  <a:schemeClr val="tx1">
+                    <a:lumMod val="50000"/>
+                    <a:lumOff val="50000"/>
+                  </a:schemeClr>
+                </a:solidFill>
+                <a:latin typeface="幼圆" panose="02010509060101010101" pitchFamily="49" charset="-122"/>
+                <a:ea typeface="幼圆" panose="02010509060101010101" pitchFamily="49" charset="-122"/>
+              </a:rPr>
+              <a:t>有良好的独立编译机制</a:t>
+            </a:r>
+          </a:p>
+        </p:txBody>
+      </p:sp>
+      <p:sp>
+        <p:nvSpPr>
+          <p:cNvPr id="10" name="文本框 9"/>
+          <p:cNvSpPr txBox="1"/>
+          <p:nvPr/>
+        </p:nvSpPr>
+        <p:spPr>
+          <a:xfrm>
+            <a:off x="6096000" y="727929"/>
+            <a:ext cx="2242922" cy="707886"/>
+          </a:xfrm>
+          <a:prstGeom prst="rect">
+            <a:avLst/>
+          </a:prstGeom>
+          <a:noFill/>
+        </p:spPr>
+        <p:txBody>
+          <a:bodyPr wrap="none" rtlCol="0">
+            <a:spAutoFit/>
+          </a:bodyPr>
+          <a:lstStyle/>
+          <a:p>
+            <a:r>
+              <a:rPr lang="zh-CN" altLang="en-US" sz="4000" b="1" dirty="0">
+                <a:solidFill>
+                  <a:schemeClr val="tx1">
+                    <a:lumMod val="50000"/>
+                    <a:lumOff val="50000"/>
+                  </a:schemeClr>
+                </a:solidFill>
+                <a:latin typeface="幼圆" panose="02010509060101010101" pitchFamily="49" charset="-122"/>
+                <a:ea typeface="幼圆" panose="02010509060101010101" pitchFamily="49" charset="-122"/>
+              </a:rPr>
+              <a:t>理想标准</a:t>
+            </a:r>
+          </a:p>
+        </p:txBody>
+      </p:sp>
+    </p:spTree>
+  </p:cSld>
+  <p:clrMapOvr>
+    <a:masterClrMapping/>
+  </p:clrMapOvr>
+  <mc:AlternateContent xmlns:mc="http://schemas.openxmlformats.org/markup-compatibility/2006" xmlns:p15="http://schemas.microsoft.com/office/powerpoint/2012/main">
+    <mc:Choice Requires="p15">
+      <p:transition xmlns:p14="http://schemas.microsoft.com/office/powerpoint/2010/main" spd="slow" p14:dur="2000" advTm="0">
+        <p15:prstTrans prst="drape"/>
+      </p:transition>
+    </mc:Choice>
+    <mc:Fallback xmlns="">
+      <p:transition spd="slow" advTm="0">
+        <p:fade/>
+      </p:transition>
+    </mc:Fallback>
+  </mc:AlternateContent>
+</p:sld>
+</file>
+
+<file path=ppt/slides/slide50.xml><?xml version="1.0" encoding="utf-8"?>
 <p:sld xmlns:a="http://schemas.openxmlformats.org/drawingml/2006/main" xmlns:r="http://schemas.openxmlformats.org/officeDocument/2006/relationships" xmlns:p="http://schemas.openxmlformats.org/presentationml/2006/main">
   <p:cSld>
     <p:bg>
@@ -21393,7 +24538,7 @@
 </p:sld>
 </file>
 
-<file path=ppt/slides/slide49.xml><?xml version="1.0" encoding="utf-8"?>
+<file path=ppt/slides/slide51.xml><?xml version="1.0" encoding="utf-8"?>
 <p:sld xmlns:a="http://schemas.openxmlformats.org/drawingml/2006/main" xmlns:r="http://schemas.openxmlformats.org/officeDocument/2006/relationships" xmlns:p="http://schemas.openxmlformats.org/presentationml/2006/main">
   <p:cSld>
     <p:spTree>
@@ -21547,496 +24692,7 @@
 </p:sld>
 </file>
 
-<file path=ppt/slides/slide5.xml><?xml version="1.0" encoding="utf-8"?>
-<p:sld xmlns:a="http://schemas.openxmlformats.org/drawingml/2006/main" xmlns:r="http://schemas.openxmlformats.org/officeDocument/2006/relationships" xmlns:p="http://schemas.openxmlformats.org/presentationml/2006/main">
-  <p:cSld>
-    <p:spTree>
-      <p:nvGrpSpPr>
-        <p:cNvPr id="1" name=""/>
-        <p:cNvGrpSpPr/>
-        <p:nvPr/>
-      </p:nvGrpSpPr>
-      <p:grpSpPr>
-        <a:xfrm>
-          <a:off x="0" y="0"/>
-          <a:ext cx="0" cy="0"/>
-          <a:chOff x="0" y="0"/>
-          <a:chExt cx="0" cy="0"/>
-        </a:xfrm>
-      </p:grpSpPr>
-      <p:sp>
-        <p:nvSpPr>
-          <p:cNvPr id="6" name="文本框 5"/>
-          <p:cNvSpPr txBox="1"/>
-          <p:nvPr/>
-        </p:nvSpPr>
-        <p:spPr>
-          <a:xfrm>
-            <a:off x="373137" y="727929"/>
-            <a:ext cx="2242922" cy="707886"/>
-          </a:xfrm>
-          <a:prstGeom prst="rect">
-            <a:avLst/>
-          </a:prstGeom>
-          <a:noFill/>
-        </p:spPr>
-        <p:txBody>
-          <a:bodyPr wrap="none" rtlCol="0">
-            <a:spAutoFit/>
-          </a:bodyPr>
-          <a:lstStyle/>
-          <a:p>
-            <a:r>
-              <a:rPr lang="zh-CN" altLang="en-US" sz="4000" b="1" dirty="0">
-                <a:solidFill>
-                  <a:schemeClr val="tx1">
-                    <a:lumMod val="50000"/>
-                    <a:lumOff val="50000"/>
-                  </a:schemeClr>
-                </a:solidFill>
-                <a:latin typeface="幼圆" panose="02010509060101010101" pitchFamily="49" charset="-122"/>
-                <a:ea typeface="幼圆" panose="02010509060101010101" pitchFamily="49" charset="-122"/>
-              </a:rPr>
-              <a:t>实用标准</a:t>
-            </a:r>
-          </a:p>
-        </p:txBody>
-      </p:sp>
-      <p:sp>
-        <p:nvSpPr>
-          <p:cNvPr id="7" name="文本框 6"/>
-          <p:cNvSpPr txBox="1"/>
-          <p:nvPr/>
-        </p:nvSpPr>
-        <p:spPr>
-          <a:xfrm>
-            <a:off x="373137" y="1435815"/>
-            <a:ext cx="7240248" cy="4515660"/>
-          </a:xfrm>
-          <a:prstGeom prst="rect">
-            <a:avLst/>
-          </a:prstGeom>
-          <a:noFill/>
-        </p:spPr>
-        <p:txBody>
-          <a:bodyPr wrap="square">
-            <a:spAutoFit/>
-          </a:bodyPr>
-          <a:lstStyle/>
-          <a:p>
-            <a:pPr>
-              <a:lnSpc>
-                <a:spcPct val="150000"/>
-              </a:lnSpc>
-            </a:pPr>
-            <a:r>
-              <a:rPr lang="en-US" altLang="zh-CN" sz="2800" dirty="0">
-                <a:solidFill>
-                  <a:schemeClr val="tx1">
-                    <a:lumMod val="50000"/>
-                    <a:lumOff val="50000"/>
-                  </a:schemeClr>
-                </a:solidFill>
-                <a:latin typeface="幼圆" panose="02010509060101010101" pitchFamily="49" charset="-122"/>
-                <a:ea typeface="幼圆" panose="02010509060101010101" pitchFamily="49" charset="-122"/>
-              </a:rPr>
-              <a:t>1.</a:t>
-            </a:r>
-            <a:r>
-              <a:rPr lang="zh-CN" altLang="en-US" sz="2800" dirty="0">
-                <a:solidFill>
-                  <a:schemeClr val="tx1">
-                    <a:lumMod val="50000"/>
-                    <a:lumOff val="50000"/>
-                  </a:schemeClr>
-                </a:solidFill>
-                <a:latin typeface="幼圆" panose="02010509060101010101" pitchFamily="49" charset="-122"/>
-                <a:ea typeface="幼圆" panose="02010509060101010101" pitchFamily="49" charset="-122"/>
-              </a:rPr>
-              <a:t>系统用户的要求</a:t>
-            </a:r>
-          </a:p>
-          <a:p>
-            <a:pPr>
-              <a:lnSpc>
-                <a:spcPct val="150000"/>
-              </a:lnSpc>
-            </a:pPr>
-            <a:r>
-              <a:rPr lang="en-US" altLang="zh-CN" sz="2800" dirty="0">
-                <a:solidFill>
-                  <a:schemeClr val="tx1">
-                    <a:lumMod val="50000"/>
-                    <a:lumOff val="50000"/>
-                  </a:schemeClr>
-                </a:solidFill>
-                <a:latin typeface="幼圆" panose="02010509060101010101" pitchFamily="49" charset="-122"/>
-                <a:ea typeface="幼圆" panose="02010509060101010101" pitchFamily="49" charset="-122"/>
-              </a:rPr>
-              <a:t>2.</a:t>
-            </a:r>
-            <a:r>
-              <a:rPr lang="zh-CN" altLang="en-US" sz="2800" dirty="0">
-                <a:solidFill>
-                  <a:schemeClr val="tx1">
-                    <a:lumMod val="50000"/>
-                    <a:lumOff val="50000"/>
-                  </a:schemeClr>
-                </a:solidFill>
-                <a:latin typeface="幼圆" panose="02010509060101010101" pitchFamily="49" charset="-122"/>
-                <a:ea typeface="幼圆" panose="02010509060101010101" pitchFamily="49" charset="-122"/>
-              </a:rPr>
-              <a:t>可以使用的编译程序</a:t>
-            </a:r>
-          </a:p>
-          <a:p>
-            <a:pPr>
-              <a:lnSpc>
-                <a:spcPct val="150000"/>
-              </a:lnSpc>
-            </a:pPr>
-            <a:r>
-              <a:rPr lang="en-US" altLang="zh-CN" sz="2800" dirty="0">
-                <a:solidFill>
-                  <a:schemeClr val="tx1">
-                    <a:lumMod val="50000"/>
-                    <a:lumOff val="50000"/>
-                  </a:schemeClr>
-                </a:solidFill>
-                <a:latin typeface="幼圆" panose="02010509060101010101" pitchFamily="49" charset="-122"/>
-                <a:ea typeface="幼圆" panose="02010509060101010101" pitchFamily="49" charset="-122"/>
-              </a:rPr>
-              <a:t>3.</a:t>
-            </a:r>
-            <a:r>
-              <a:rPr lang="zh-CN" altLang="en-US" sz="2800" dirty="0">
-                <a:solidFill>
-                  <a:schemeClr val="tx1">
-                    <a:lumMod val="50000"/>
-                    <a:lumOff val="50000"/>
-                  </a:schemeClr>
-                </a:solidFill>
-                <a:latin typeface="幼圆" panose="02010509060101010101" pitchFamily="49" charset="-122"/>
-                <a:ea typeface="幼圆" panose="02010509060101010101" pitchFamily="49" charset="-122"/>
-              </a:rPr>
-              <a:t>可以得到的软件工具</a:t>
-            </a:r>
-          </a:p>
-          <a:p>
-            <a:pPr>
-              <a:lnSpc>
-                <a:spcPct val="150000"/>
-              </a:lnSpc>
-            </a:pPr>
-            <a:r>
-              <a:rPr lang="en-US" altLang="zh-CN" sz="2800" dirty="0">
-                <a:solidFill>
-                  <a:schemeClr val="tx1">
-                    <a:lumMod val="50000"/>
-                    <a:lumOff val="50000"/>
-                  </a:schemeClr>
-                </a:solidFill>
-                <a:latin typeface="幼圆" panose="02010509060101010101" pitchFamily="49" charset="-122"/>
-                <a:ea typeface="幼圆" panose="02010509060101010101" pitchFamily="49" charset="-122"/>
-              </a:rPr>
-              <a:t>4.</a:t>
-            </a:r>
-            <a:r>
-              <a:rPr lang="zh-CN" altLang="en-US" sz="2800" dirty="0">
-                <a:solidFill>
-                  <a:schemeClr val="tx1">
-                    <a:lumMod val="50000"/>
-                    <a:lumOff val="50000"/>
-                  </a:schemeClr>
-                </a:solidFill>
-                <a:latin typeface="幼圆" panose="02010509060101010101" pitchFamily="49" charset="-122"/>
-                <a:ea typeface="幼圆" panose="02010509060101010101" pitchFamily="49" charset="-122"/>
-              </a:rPr>
-              <a:t>工程规模</a:t>
-            </a:r>
-          </a:p>
-          <a:p>
-            <a:pPr>
-              <a:lnSpc>
-                <a:spcPct val="150000"/>
-              </a:lnSpc>
-            </a:pPr>
-            <a:r>
-              <a:rPr lang="en-US" altLang="zh-CN" sz="2800" dirty="0">
-                <a:solidFill>
-                  <a:schemeClr val="tx1">
-                    <a:lumMod val="50000"/>
-                    <a:lumOff val="50000"/>
-                  </a:schemeClr>
-                </a:solidFill>
-                <a:latin typeface="幼圆" panose="02010509060101010101" pitchFamily="49" charset="-122"/>
-                <a:ea typeface="幼圆" panose="02010509060101010101" pitchFamily="49" charset="-122"/>
-              </a:rPr>
-              <a:t>5.</a:t>
-            </a:r>
-            <a:r>
-              <a:rPr lang="zh-CN" altLang="en-US" sz="2800" dirty="0">
-                <a:solidFill>
-                  <a:schemeClr val="tx1">
-                    <a:lumMod val="50000"/>
-                    <a:lumOff val="50000"/>
-                  </a:schemeClr>
-                </a:solidFill>
-                <a:latin typeface="幼圆" panose="02010509060101010101" pitchFamily="49" charset="-122"/>
-                <a:ea typeface="幼圆" panose="02010509060101010101" pitchFamily="49" charset="-122"/>
-              </a:rPr>
-              <a:t>程序员知识</a:t>
-            </a:r>
-          </a:p>
-          <a:p>
-            <a:pPr>
-              <a:lnSpc>
-                <a:spcPct val="150000"/>
-              </a:lnSpc>
-            </a:pPr>
-            <a:r>
-              <a:rPr lang="en-US" altLang="zh-CN" sz="2800" dirty="0">
-                <a:solidFill>
-                  <a:schemeClr val="tx1">
-                    <a:lumMod val="50000"/>
-                    <a:lumOff val="50000"/>
-                  </a:schemeClr>
-                </a:solidFill>
-                <a:latin typeface="幼圆" panose="02010509060101010101" pitchFamily="49" charset="-122"/>
-                <a:ea typeface="幼圆" panose="02010509060101010101" pitchFamily="49" charset="-122"/>
-              </a:rPr>
-              <a:t>6.</a:t>
-            </a:r>
-            <a:r>
-              <a:rPr lang="zh-CN" altLang="en-US" sz="2800" dirty="0">
-                <a:solidFill>
-                  <a:schemeClr val="tx1">
-                    <a:lumMod val="50000"/>
-                    <a:lumOff val="50000"/>
-                  </a:schemeClr>
-                </a:solidFill>
-                <a:latin typeface="幼圆" panose="02010509060101010101" pitchFamily="49" charset="-122"/>
-                <a:ea typeface="幼圆" panose="02010509060101010101" pitchFamily="49" charset="-122"/>
-              </a:rPr>
-              <a:t>软件可移植性要求</a:t>
-            </a:r>
-          </a:p>
-          <a:p>
-            <a:pPr>
-              <a:lnSpc>
-                <a:spcPct val="150000"/>
-              </a:lnSpc>
-            </a:pPr>
-            <a:r>
-              <a:rPr lang="en-US" altLang="zh-CN" sz="2800" dirty="0">
-                <a:solidFill>
-                  <a:schemeClr val="tx1">
-                    <a:lumMod val="50000"/>
-                    <a:lumOff val="50000"/>
-                  </a:schemeClr>
-                </a:solidFill>
-                <a:latin typeface="幼圆" panose="02010509060101010101" pitchFamily="49" charset="-122"/>
-                <a:ea typeface="幼圆" panose="02010509060101010101" pitchFamily="49" charset="-122"/>
-              </a:rPr>
-              <a:t>7.</a:t>
-            </a:r>
-            <a:r>
-              <a:rPr lang="zh-CN" altLang="en-US" sz="2800" dirty="0">
-                <a:solidFill>
-                  <a:schemeClr val="tx1">
-                    <a:lumMod val="50000"/>
-                    <a:lumOff val="50000"/>
-                  </a:schemeClr>
-                </a:solidFill>
-                <a:latin typeface="幼圆" panose="02010509060101010101" pitchFamily="49" charset="-122"/>
-                <a:ea typeface="幼圆" panose="02010509060101010101" pitchFamily="49" charset="-122"/>
-              </a:rPr>
-              <a:t>软件的应用领域</a:t>
-            </a:r>
-          </a:p>
-        </p:txBody>
-      </p:sp>
-      <p:sp>
-        <p:nvSpPr>
-          <p:cNvPr id="9" name="文本框 8"/>
-          <p:cNvSpPr txBox="1"/>
-          <p:nvPr/>
-        </p:nvSpPr>
-        <p:spPr>
-          <a:xfrm>
-            <a:off x="6096000" y="1435815"/>
-            <a:ext cx="5234561" cy="3222998"/>
-          </a:xfrm>
-          <a:prstGeom prst="rect">
-            <a:avLst/>
-          </a:prstGeom>
-          <a:noFill/>
-        </p:spPr>
-        <p:txBody>
-          <a:bodyPr wrap="square" rtlCol="0">
-            <a:spAutoFit/>
-          </a:bodyPr>
-          <a:lstStyle/>
-          <a:p>
-            <a:pPr>
-              <a:lnSpc>
-                <a:spcPct val="150000"/>
-              </a:lnSpc>
-            </a:pPr>
-            <a:r>
-              <a:rPr lang="en-US" altLang="zh-CN" sz="2800" dirty="0">
-                <a:solidFill>
-                  <a:schemeClr val="tx1">
-                    <a:lumMod val="50000"/>
-                    <a:lumOff val="50000"/>
-                  </a:schemeClr>
-                </a:solidFill>
-                <a:latin typeface="幼圆" panose="02010509060101010101" pitchFamily="49" charset="-122"/>
-                <a:ea typeface="幼圆" panose="02010509060101010101" pitchFamily="49" charset="-122"/>
-              </a:rPr>
-              <a:t>1.</a:t>
-            </a:r>
-            <a:r>
-              <a:rPr lang="zh-CN" altLang="en-US" sz="2800" dirty="0">
-                <a:solidFill>
-                  <a:schemeClr val="tx1">
-                    <a:lumMod val="50000"/>
-                    <a:lumOff val="50000"/>
-                  </a:schemeClr>
-                </a:solidFill>
-                <a:latin typeface="幼圆" panose="02010509060101010101" pitchFamily="49" charset="-122"/>
-                <a:ea typeface="幼圆" panose="02010509060101010101" pitchFamily="49" charset="-122"/>
-              </a:rPr>
-              <a:t>有理想的模块化计制，可读性好的控制结构和数据结构</a:t>
-            </a:r>
-          </a:p>
-          <a:p>
-            <a:pPr>
-              <a:lnSpc>
-                <a:spcPct val="150000"/>
-              </a:lnSpc>
-            </a:pPr>
-            <a:r>
-              <a:rPr lang="en-US" altLang="zh-CN" sz="2800" dirty="0">
-                <a:solidFill>
-                  <a:schemeClr val="tx1">
-                    <a:lumMod val="50000"/>
-                    <a:lumOff val="50000"/>
-                  </a:schemeClr>
-                </a:solidFill>
-                <a:latin typeface="幼圆" panose="02010509060101010101" pitchFamily="49" charset="-122"/>
-                <a:ea typeface="幼圆" panose="02010509060101010101" pitchFamily="49" charset="-122"/>
-              </a:rPr>
-              <a:t>2.</a:t>
-            </a:r>
-            <a:r>
-              <a:rPr lang="zh-CN" altLang="en-US" sz="2800" dirty="0">
-                <a:solidFill>
-                  <a:schemeClr val="tx1">
-                    <a:lumMod val="50000"/>
-                    <a:lumOff val="50000"/>
-                  </a:schemeClr>
-                </a:solidFill>
-                <a:latin typeface="幼圆" panose="02010509060101010101" pitchFamily="49" charset="-122"/>
-                <a:ea typeface="幼圆" panose="02010509060101010101" pitchFamily="49" charset="-122"/>
-              </a:rPr>
-              <a:t>语言的编译程序尽可能多地发现程序中的错误</a:t>
-            </a:r>
-          </a:p>
-          <a:p>
-            <a:pPr>
-              <a:lnSpc>
-                <a:spcPct val="150000"/>
-              </a:lnSpc>
-            </a:pPr>
-            <a:r>
-              <a:rPr lang="en-US" altLang="zh-CN" sz="2800" dirty="0">
-                <a:solidFill>
-                  <a:schemeClr val="tx1">
-                    <a:lumMod val="50000"/>
-                    <a:lumOff val="50000"/>
-                  </a:schemeClr>
-                </a:solidFill>
-                <a:latin typeface="幼圆" panose="02010509060101010101" pitchFamily="49" charset="-122"/>
-                <a:ea typeface="幼圆" panose="02010509060101010101" pitchFamily="49" charset="-122"/>
-              </a:rPr>
-              <a:t>3.</a:t>
-            </a:r>
-            <a:r>
-              <a:rPr lang="zh-CN" altLang="en-US" sz="2800" dirty="0">
-                <a:solidFill>
-                  <a:schemeClr val="tx1">
-                    <a:lumMod val="50000"/>
-                    <a:lumOff val="50000"/>
-                  </a:schemeClr>
-                </a:solidFill>
-                <a:latin typeface="幼圆" panose="02010509060101010101" pitchFamily="49" charset="-122"/>
-                <a:ea typeface="幼圆" panose="02010509060101010101" pitchFamily="49" charset="-122"/>
-              </a:rPr>
-              <a:t>有良好的独立编译机制</a:t>
-            </a:r>
-          </a:p>
-        </p:txBody>
-      </p:sp>
-      <p:sp>
-        <p:nvSpPr>
-          <p:cNvPr id="10" name="文本框 9"/>
-          <p:cNvSpPr txBox="1"/>
-          <p:nvPr/>
-        </p:nvSpPr>
-        <p:spPr>
-          <a:xfrm>
-            <a:off x="6096000" y="727929"/>
-            <a:ext cx="2242922" cy="707886"/>
-          </a:xfrm>
-          <a:prstGeom prst="rect">
-            <a:avLst/>
-          </a:prstGeom>
-          <a:noFill/>
-        </p:spPr>
-        <p:txBody>
-          <a:bodyPr wrap="none" rtlCol="0">
-            <a:spAutoFit/>
-          </a:bodyPr>
-          <a:lstStyle/>
-          <a:p>
-            <a:r>
-              <a:rPr lang="zh-CN" altLang="en-US" sz="4000" b="1" dirty="0">
-                <a:solidFill>
-                  <a:schemeClr val="tx1">
-                    <a:lumMod val="50000"/>
-                    <a:lumOff val="50000"/>
-                  </a:schemeClr>
-                </a:solidFill>
-                <a:latin typeface="幼圆" panose="02010509060101010101" pitchFamily="49" charset="-122"/>
-                <a:ea typeface="幼圆" panose="02010509060101010101" pitchFamily="49" charset="-122"/>
-              </a:rPr>
-              <a:t>理想标准</a:t>
-            </a:r>
-          </a:p>
-        </p:txBody>
-      </p:sp>
-    </p:spTree>
-  </p:cSld>
-  <p:clrMapOvr>
-    <a:masterClrMapping/>
-  </p:clrMapOvr>
-  <mc:AlternateContent xmlns:mc="http://schemas.openxmlformats.org/markup-compatibility/2006" xmlns:p15="http://schemas.microsoft.com/office/powerpoint/2012/main">
-    <mc:Choice Requires="p15">
-      <p:transition xmlns:p14="http://schemas.microsoft.com/office/powerpoint/2010/main" spd="slow" p14:dur="2000" advTm="0">
-        <p15:prstTrans prst="drape"/>
-      </p:transition>
-    </mc:Choice>
-    <mc:Fallback xmlns="">
-      <p:transition spd="slow" advTm="0">
-        <p:fade/>
-      </p:transition>
-    </mc:Fallback>
-  </mc:AlternateContent>
-</p:sld>
-</file>
-
-<file path=ppt/slides/slide50.xml><?xml version="1.0" encoding="utf-8"?>
+<file path=ppt/slides/slide52.xml><?xml version="1.0" encoding="utf-8"?>
 <p:sld xmlns:a="http://schemas.openxmlformats.org/drawingml/2006/main" xmlns:r="http://schemas.openxmlformats.org/officeDocument/2006/relationships" xmlns:p="http://schemas.openxmlformats.org/presentationml/2006/main">
   <p:cSld>
     <p:spTree>
@@ -22779,7 +25435,7 @@
 </p:sld>
 </file>
 
-<file path=ppt/slides/slide51.xml><?xml version="1.0" encoding="utf-8"?>
+<file path=ppt/slides/slide53.xml><?xml version="1.0" encoding="utf-8"?>
 <p:sld xmlns:a="http://schemas.openxmlformats.org/drawingml/2006/main" xmlns:r="http://schemas.openxmlformats.org/officeDocument/2006/relationships" xmlns:p="http://schemas.openxmlformats.org/presentationml/2006/main">
   <p:cSld>
     <p:spTree>
@@ -23344,7 +26000,7 @@
 </p:sld>
 </file>
 
-<file path=ppt/slides/slide52.xml><?xml version="1.0" encoding="utf-8"?>
+<file path=ppt/slides/slide54.xml><?xml version="1.0" encoding="utf-8"?>
 <p:sld xmlns:a="http://schemas.openxmlformats.org/drawingml/2006/main" xmlns:r="http://schemas.openxmlformats.org/officeDocument/2006/relationships" xmlns:p="http://schemas.openxmlformats.org/presentationml/2006/main">
   <p:cSld>
     <p:spTree>
@@ -23783,7 +26439,7 @@
 </p:sld>
 </file>
 
-<file path=ppt/slides/slide53.xml><?xml version="1.0" encoding="utf-8"?>
+<file path=ppt/slides/slide55.xml><?xml version="1.0" encoding="utf-8"?>
 <p:sld xmlns:a="http://schemas.openxmlformats.org/drawingml/2006/main" xmlns:r="http://schemas.openxmlformats.org/officeDocument/2006/relationships" xmlns:p="http://schemas.openxmlformats.org/presentationml/2006/main">
   <p:cSld>
     <p:spTree>
@@ -24371,7 +27027,7 @@
 </p:sld>
 </file>
 
-<file path=ppt/slides/slide54.xml><?xml version="1.0" encoding="utf-8"?>
+<file path=ppt/slides/slide56.xml><?xml version="1.0" encoding="utf-8"?>
 <p:sld xmlns:a="http://schemas.openxmlformats.org/drawingml/2006/main" xmlns:r="http://schemas.openxmlformats.org/officeDocument/2006/relationships" xmlns:p="http://schemas.openxmlformats.org/presentationml/2006/main">
   <p:cSld>
     <p:spTree>
@@ -24770,7 +27426,7 @@
 </p:sld>
 </file>
 
-<file path=ppt/slides/slide55.xml><?xml version="1.0" encoding="utf-8"?>
+<file path=ppt/slides/slide57.xml><?xml version="1.0" encoding="utf-8"?>
 <p:sld xmlns:a="http://schemas.openxmlformats.org/drawingml/2006/main" xmlns:r="http://schemas.openxmlformats.org/officeDocument/2006/relationships" xmlns:p="http://schemas.openxmlformats.org/presentationml/2006/main">
   <p:cSld>
     <p:bg>

--- a/翻转课堂G11.pptx
+++ b/翻转课堂G11.pptx
@@ -9122,9 +9122,20 @@
                 </a:solidFill>
                 <a:latin typeface="幼圆" panose="02010509060101010101" pitchFamily="49" charset="-122"/>
                 <a:ea typeface="幼圆" panose="02010509060101010101" pitchFamily="49" charset="-122"/>
+                <a:hlinkClick r:id="rId3" action="ppaction://hlinksldjump"/>
               </a:rPr>
               <a:t>测试</a:t>
             </a:r>
+            <a:endParaRPr lang="zh-CN" altLang="en-US" sz="2800" dirty="0">
+              <a:solidFill>
+                <a:schemeClr val="tx1">
+                  <a:lumMod val="50000"/>
+                  <a:lumOff val="50000"/>
+                </a:schemeClr>
+              </a:solidFill>
+              <a:latin typeface="幼圆" panose="02010509060101010101" pitchFamily="49" charset="-122"/>
+              <a:ea typeface="幼圆" panose="02010509060101010101" pitchFamily="49" charset="-122"/>
+            </a:endParaRPr>
           </a:p>
         </p:txBody>
       </p:sp>
@@ -10733,7 +10744,29 @@
                 </a:solidFill>
                 <a:latin typeface="PingFang SC"/>
               </a:rPr>
-              <a:t>或者以用户为主进行。</a:t>
+              <a:t>或者</a:t>
+            </a:r>
+            <a:r>
+              <a:rPr lang="zh-CN" altLang="en-US" b="1" dirty="0">
+                <a:solidFill>
+                  <a:schemeClr val="bg1">
+                    <a:lumMod val="65000"/>
+                  </a:schemeClr>
+                </a:solidFill>
+                <a:latin typeface="PingFang SC"/>
+              </a:rPr>
+              <a:t>以用户为主</a:t>
+            </a:r>
+            <a:r>
+              <a:rPr lang="zh-CN" altLang="en-US" dirty="0">
+                <a:solidFill>
+                  <a:schemeClr val="bg1">
+                    <a:lumMod val="65000"/>
+                  </a:schemeClr>
+                </a:solidFill>
+                <a:latin typeface="PingFang SC"/>
+              </a:rPr>
+              <a:t>进行。</a:t>
             </a:r>
           </a:p>
           <a:p>
